--- a/Document/OMCS_Slide.pptx
+++ b/Document/OMCS_Slide.pptx
@@ -22,10 +22,12 @@
     <p:sldId id="271" r:id="rId16"/>
     <p:sldId id="272" r:id="rId17"/>
     <p:sldId id="264" r:id="rId18"/>
-    <p:sldId id="265" r:id="rId19"/>
-    <p:sldId id="266" r:id="rId20"/>
-    <p:sldId id="273" r:id="rId21"/>
-    <p:sldId id="274" r:id="rId22"/>
+    <p:sldId id="279" r:id="rId19"/>
+    <p:sldId id="280" r:id="rId20"/>
+    <p:sldId id="265" r:id="rId21"/>
+    <p:sldId id="266" r:id="rId22"/>
+    <p:sldId id="273" r:id="rId23"/>
+    <p:sldId id="274" r:id="rId24"/>
   </p:sldIdLst>
   <p:sldSz cx="9144000" cy="6858000" type="screen4x3"/>
   <p:notesSz cx="6858000" cy="9144000"/>
@@ -125,6 +127,5009 @@
     </a:lvl9pPr>
   </p:defaultTextStyle>
 </p:presentation>
+</file>
+
+<file path=ppt/diagrams/colors1.xml><?xml version="1.0" encoding="utf-8"?>
+<dgm:colorsDef xmlns:dgm="http://schemas.openxmlformats.org/drawingml/2006/diagram" xmlns:a="http://schemas.openxmlformats.org/drawingml/2006/main" uniqueId="urn:microsoft.com/office/officeart/2005/8/colors/accent1_2">
+  <dgm:title val=""/>
+  <dgm:desc val=""/>
+  <dgm:catLst>
+    <dgm:cat type="accent1" pri="11200"/>
+  </dgm:catLst>
+  <dgm:styleLbl name="node0">
+    <dgm:fillClrLst meth="repeat">
+      <a:schemeClr val="accent1"/>
+    </dgm:fillClrLst>
+    <dgm:linClrLst meth="repeat">
+      <a:schemeClr val="lt1"/>
+    </dgm:linClrLst>
+    <dgm:effectClrLst/>
+    <dgm:txLinClrLst/>
+    <dgm:txFillClrLst/>
+    <dgm:txEffectClrLst/>
+  </dgm:styleLbl>
+  <dgm:styleLbl name="alignNode1">
+    <dgm:fillClrLst meth="repeat">
+      <a:schemeClr val="accent1"/>
+    </dgm:fillClrLst>
+    <dgm:linClrLst meth="repeat">
+      <a:schemeClr val="accent1"/>
+    </dgm:linClrLst>
+    <dgm:effectClrLst/>
+    <dgm:txLinClrLst/>
+    <dgm:txFillClrLst/>
+    <dgm:txEffectClrLst/>
+  </dgm:styleLbl>
+  <dgm:styleLbl name="node1">
+    <dgm:fillClrLst meth="repeat">
+      <a:schemeClr val="accent1"/>
+    </dgm:fillClrLst>
+    <dgm:linClrLst meth="repeat">
+      <a:schemeClr val="lt1"/>
+    </dgm:linClrLst>
+    <dgm:effectClrLst/>
+    <dgm:txLinClrLst/>
+    <dgm:txFillClrLst/>
+    <dgm:txEffectClrLst/>
+  </dgm:styleLbl>
+  <dgm:styleLbl name="lnNode1">
+    <dgm:fillClrLst meth="repeat">
+      <a:schemeClr val="accent1"/>
+    </dgm:fillClrLst>
+    <dgm:linClrLst meth="repeat">
+      <a:schemeClr val="lt1"/>
+    </dgm:linClrLst>
+    <dgm:effectClrLst/>
+    <dgm:txLinClrLst/>
+    <dgm:txFillClrLst/>
+    <dgm:txEffectClrLst/>
+  </dgm:styleLbl>
+  <dgm:styleLbl name="vennNode1">
+    <dgm:fillClrLst meth="repeat">
+      <a:schemeClr val="accent1">
+        <a:alpha val="50000"/>
+      </a:schemeClr>
+    </dgm:fillClrLst>
+    <dgm:linClrLst meth="repeat">
+      <a:schemeClr val="lt1"/>
+    </dgm:linClrLst>
+    <dgm:effectClrLst/>
+    <dgm:txLinClrLst/>
+    <dgm:txFillClrLst/>
+    <dgm:txEffectClrLst/>
+  </dgm:styleLbl>
+  <dgm:styleLbl name="node2">
+    <dgm:fillClrLst meth="repeat">
+      <a:schemeClr val="accent1"/>
+    </dgm:fillClrLst>
+    <dgm:linClrLst meth="repeat">
+      <a:schemeClr val="lt1"/>
+    </dgm:linClrLst>
+    <dgm:effectClrLst/>
+    <dgm:txLinClrLst/>
+    <dgm:txFillClrLst/>
+    <dgm:txEffectClrLst/>
+  </dgm:styleLbl>
+  <dgm:styleLbl name="node3">
+    <dgm:fillClrLst meth="repeat">
+      <a:schemeClr val="accent1"/>
+    </dgm:fillClrLst>
+    <dgm:linClrLst meth="repeat">
+      <a:schemeClr val="lt1"/>
+    </dgm:linClrLst>
+    <dgm:effectClrLst/>
+    <dgm:txLinClrLst/>
+    <dgm:txFillClrLst/>
+    <dgm:txEffectClrLst/>
+  </dgm:styleLbl>
+  <dgm:styleLbl name="node4">
+    <dgm:fillClrLst meth="repeat">
+      <a:schemeClr val="accent1"/>
+    </dgm:fillClrLst>
+    <dgm:linClrLst meth="repeat">
+      <a:schemeClr val="lt1"/>
+    </dgm:linClrLst>
+    <dgm:effectClrLst/>
+    <dgm:txLinClrLst/>
+    <dgm:txFillClrLst/>
+    <dgm:txEffectClrLst/>
+  </dgm:styleLbl>
+  <dgm:styleLbl name="fgImgPlace1">
+    <dgm:fillClrLst meth="repeat">
+      <a:schemeClr val="accent1">
+        <a:tint val="50000"/>
+      </a:schemeClr>
+    </dgm:fillClrLst>
+    <dgm:linClrLst meth="repeat">
+      <a:schemeClr val="lt1"/>
+    </dgm:linClrLst>
+    <dgm:effectClrLst/>
+    <dgm:txLinClrLst/>
+    <dgm:txFillClrLst meth="repeat">
+      <a:schemeClr val="lt1"/>
+    </dgm:txFillClrLst>
+    <dgm:txEffectClrLst/>
+  </dgm:styleLbl>
+  <dgm:styleLbl name="alignImgPlace1">
+    <dgm:fillClrLst meth="repeat">
+      <a:schemeClr val="accent1">
+        <a:tint val="50000"/>
+      </a:schemeClr>
+    </dgm:fillClrLst>
+    <dgm:linClrLst meth="repeat">
+      <a:schemeClr val="lt1"/>
+    </dgm:linClrLst>
+    <dgm:effectClrLst/>
+    <dgm:txLinClrLst/>
+    <dgm:txFillClrLst meth="repeat">
+      <a:schemeClr val="lt1"/>
+    </dgm:txFillClrLst>
+    <dgm:txEffectClrLst/>
+  </dgm:styleLbl>
+  <dgm:styleLbl name="bgImgPlace1">
+    <dgm:fillClrLst meth="repeat">
+      <a:schemeClr val="accent1">
+        <a:tint val="50000"/>
+      </a:schemeClr>
+    </dgm:fillClrLst>
+    <dgm:linClrLst meth="repeat">
+      <a:schemeClr val="lt1"/>
+    </dgm:linClrLst>
+    <dgm:effectClrLst/>
+    <dgm:txLinClrLst/>
+    <dgm:txFillClrLst meth="repeat">
+      <a:schemeClr val="lt1"/>
+    </dgm:txFillClrLst>
+    <dgm:txEffectClrLst/>
+  </dgm:styleLbl>
+  <dgm:styleLbl name="sibTrans2D1">
+    <dgm:fillClrLst meth="repeat">
+      <a:schemeClr val="accent1">
+        <a:tint val="60000"/>
+      </a:schemeClr>
+    </dgm:fillClrLst>
+    <dgm:linClrLst meth="repeat">
+      <a:schemeClr val="accent1">
+        <a:tint val="60000"/>
+      </a:schemeClr>
+    </dgm:linClrLst>
+    <dgm:effectClrLst/>
+    <dgm:txLinClrLst/>
+    <dgm:txFillClrLst/>
+    <dgm:txEffectClrLst/>
+  </dgm:styleLbl>
+  <dgm:styleLbl name="fgSibTrans2D1">
+    <dgm:fillClrLst meth="repeat">
+      <a:schemeClr val="accent1">
+        <a:tint val="60000"/>
+      </a:schemeClr>
+    </dgm:fillClrLst>
+    <dgm:linClrLst meth="repeat">
+      <a:schemeClr val="accent1">
+        <a:tint val="60000"/>
+      </a:schemeClr>
+    </dgm:linClrLst>
+    <dgm:effectClrLst/>
+    <dgm:txLinClrLst/>
+    <dgm:txFillClrLst/>
+    <dgm:txEffectClrLst/>
+  </dgm:styleLbl>
+  <dgm:styleLbl name="bgSibTrans2D1">
+    <dgm:fillClrLst meth="repeat">
+      <a:schemeClr val="accent1">
+        <a:tint val="60000"/>
+      </a:schemeClr>
+    </dgm:fillClrLst>
+    <dgm:linClrLst meth="repeat">
+      <a:schemeClr val="accent1">
+        <a:tint val="60000"/>
+      </a:schemeClr>
+    </dgm:linClrLst>
+    <dgm:effectClrLst/>
+    <dgm:txLinClrLst/>
+    <dgm:txFillClrLst/>
+    <dgm:txEffectClrLst/>
+  </dgm:styleLbl>
+  <dgm:styleLbl name="sibTrans1D1">
+    <dgm:fillClrLst meth="repeat">
+      <a:schemeClr val="accent1"/>
+    </dgm:fillClrLst>
+    <dgm:linClrLst meth="repeat">
+      <a:schemeClr val="accent1"/>
+    </dgm:linClrLst>
+    <dgm:effectClrLst/>
+    <dgm:txLinClrLst/>
+    <dgm:txFillClrLst meth="repeat">
+      <a:schemeClr val="tx1"/>
+    </dgm:txFillClrLst>
+    <dgm:txEffectClrLst/>
+  </dgm:styleLbl>
+  <dgm:styleLbl name="callout">
+    <dgm:fillClrLst meth="repeat">
+      <a:schemeClr val="accent1"/>
+    </dgm:fillClrLst>
+    <dgm:linClrLst meth="repeat">
+      <a:schemeClr val="accent1">
+        <a:tint val="50000"/>
+      </a:schemeClr>
+    </dgm:linClrLst>
+    <dgm:effectClrLst/>
+    <dgm:txLinClrLst/>
+    <dgm:txFillClrLst meth="repeat">
+      <a:schemeClr val="tx1"/>
+    </dgm:txFillClrLst>
+    <dgm:txEffectClrLst/>
+  </dgm:styleLbl>
+  <dgm:styleLbl name="asst0">
+    <dgm:fillClrLst meth="repeat">
+      <a:schemeClr val="accent1"/>
+    </dgm:fillClrLst>
+    <dgm:linClrLst meth="repeat">
+      <a:schemeClr val="lt1"/>
+    </dgm:linClrLst>
+    <dgm:effectClrLst/>
+    <dgm:txLinClrLst/>
+    <dgm:txFillClrLst/>
+    <dgm:txEffectClrLst/>
+  </dgm:styleLbl>
+  <dgm:styleLbl name="asst1">
+    <dgm:fillClrLst meth="repeat">
+      <a:schemeClr val="accent1"/>
+    </dgm:fillClrLst>
+    <dgm:linClrLst meth="repeat">
+      <a:schemeClr val="lt1"/>
+    </dgm:linClrLst>
+    <dgm:effectClrLst/>
+    <dgm:txLinClrLst/>
+    <dgm:txFillClrLst/>
+    <dgm:txEffectClrLst/>
+  </dgm:styleLbl>
+  <dgm:styleLbl name="asst2">
+    <dgm:fillClrLst meth="repeat">
+      <a:schemeClr val="accent1"/>
+    </dgm:fillClrLst>
+    <dgm:linClrLst meth="repeat">
+      <a:schemeClr val="lt1"/>
+    </dgm:linClrLst>
+    <dgm:effectClrLst/>
+    <dgm:txLinClrLst/>
+    <dgm:txFillClrLst/>
+    <dgm:txEffectClrLst/>
+  </dgm:styleLbl>
+  <dgm:styleLbl name="asst3">
+    <dgm:fillClrLst meth="repeat">
+      <a:schemeClr val="accent1"/>
+    </dgm:fillClrLst>
+    <dgm:linClrLst meth="repeat">
+      <a:schemeClr val="lt1"/>
+    </dgm:linClrLst>
+    <dgm:effectClrLst/>
+    <dgm:txLinClrLst/>
+    <dgm:txFillClrLst/>
+    <dgm:txEffectClrLst/>
+  </dgm:styleLbl>
+  <dgm:styleLbl name="asst4">
+    <dgm:fillClrLst meth="repeat">
+      <a:schemeClr val="accent1"/>
+    </dgm:fillClrLst>
+    <dgm:linClrLst meth="repeat">
+      <a:schemeClr val="lt1"/>
+    </dgm:linClrLst>
+    <dgm:effectClrLst/>
+    <dgm:txLinClrLst/>
+    <dgm:txFillClrLst/>
+    <dgm:txEffectClrLst/>
+  </dgm:styleLbl>
+  <dgm:styleLbl name="parChTrans2D1">
+    <dgm:fillClrLst meth="repeat">
+      <a:schemeClr val="accent1">
+        <a:tint val="60000"/>
+      </a:schemeClr>
+    </dgm:fillClrLst>
+    <dgm:linClrLst meth="repeat">
+      <a:schemeClr val="accent1">
+        <a:tint val="60000"/>
+      </a:schemeClr>
+    </dgm:linClrLst>
+    <dgm:effectClrLst/>
+    <dgm:txLinClrLst/>
+    <dgm:txFillClrLst meth="repeat">
+      <a:schemeClr val="lt1"/>
+    </dgm:txFillClrLst>
+    <dgm:txEffectClrLst/>
+  </dgm:styleLbl>
+  <dgm:styleLbl name="parChTrans2D2">
+    <dgm:fillClrLst meth="repeat">
+      <a:schemeClr val="accent1"/>
+    </dgm:fillClrLst>
+    <dgm:linClrLst meth="repeat">
+      <a:schemeClr val="accent1"/>
+    </dgm:linClrLst>
+    <dgm:effectClrLst/>
+    <dgm:txLinClrLst/>
+    <dgm:txFillClrLst meth="repeat">
+      <a:schemeClr val="lt1"/>
+    </dgm:txFillClrLst>
+    <dgm:txEffectClrLst/>
+  </dgm:styleLbl>
+  <dgm:styleLbl name="parChTrans2D3">
+    <dgm:fillClrLst meth="repeat">
+      <a:schemeClr val="accent1"/>
+    </dgm:fillClrLst>
+    <dgm:linClrLst meth="repeat">
+      <a:schemeClr val="accent1"/>
+    </dgm:linClrLst>
+    <dgm:effectClrLst/>
+    <dgm:txLinClrLst/>
+    <dgm:txFillClrLst meth="repeat">
+      <a:schemeClr val="lt1"/>
+    </dgm:txFillClrLst>
+    <dgm:txEffectClrLst/>
+  </dgm:styleLbl>
+  <dgm:styleLbl name="parChTrans2D4">
+    <dgm:fillClrLst meth="repeat">
+      <a:schemeClr val="accent1"/>
+    </dgm:fillClrLst>
+    <dgm:linClrLst meth="repeat">
+      <a:schemeClr val="accent1"/>
+    </dgm:linClrLst>
+    <dgm:effectClrLst/>
+    <dgm:txLinClrLst/>
+    <dgm:txFillClrLst meth="repeat">
+      <a:schemeClr val="lt1"/>
+    </dgm:txFillClrLst>
+    <dgm:txEffectClrLst/>
+  </dgm:styleLbl>
+  <dgm:styleLbl name="parChTrans1D1">
+    <dgm:fillClrLst meth="repeat">
+      <a:schemeClr val="accent1"/>
+    </dgm:fillClrLst>
+    <dgm:linClrLst meth="repeat">
+      <a:schemeClr val="accent1">
+        <a:shade val="60000"/>
+      </a:schemeClr>
+    </dgm:linClrLst>
+    <dgm:effectClrLst/>
+    <dgm:txLinClrLst/>
+    <dgm:txFillClrLst meth="repeat">
+      <a:schemeClr val="tx1"/>
+    </dgm:txFillClrLst>
+    <dgm:txEffectClrLst/>
+  </dgm:styleLbl>
+  <dgm:styleLbl name="parChTrans1D2">
+    <dgm:fillClrLst meth="repeat">
+      <a:schemeClr val="accent1"/>
+    </dgm:fillClrLst>
+    <dgm:linClrLst meth="repeat">
+      <a:schemeClr val="accent1">
+        <a:shade val="60000"/>
+      </a:schemeClr>
+    </dgm:linClrLst>
+    <dgm:effectClrLst/>
+    <dgm:txLinClrLst/>
+    <dgm:txFillClrLst meth="repeat">
+      <a:schemeClr val="tx1"/>
+    </dgm:txFillClrLst>
+    <dgm:txEffectClrLst/>
+  </dgm:styleLbl>
+  <dgm:styleLbl name="parChTrans1D3">
+    <dgm:fillClrLst meth="repeat">
+      <a:schemeClr val="accent1"/>
+    </dgm:fillClrLst>
+    <dgm:linClrLst meth="repeat">
+      <a:schemeClr val="accent1">
+        <a:shade val="80000"/>
+      </a:schemeClr>
+    </dgm:linClrLst>
+    <dgm:effectClrLst/>
+    <dgm:txLinClrLst/>
+    <dgm:txFillClrLst meth="repeat">
+      <a:schemeClr val="tx1"/>
+    </dgm:txFillClrLst>
+    <dgm:txEffectClrLst/>
+  </dgm:styleLbl>
+  <dgm:styleLbl name="parChTrans1D4">
+    <dgm:fillClrLst meth="repeat">
+      <a:schemeClr val="accent1"/>
+    </dgm:fillClrLst>
+    <dgm:linClrLst meth="repeat">
+      <a:schemeClr val="accent1">
+        <a:shade val="80000"/>
+      </a:schemeClr>
+    </dgm:linClrLst>
+    <dgm:effectClrLst/>
+    <dgm:txLinClrLst/>
+    <dgm:txFillClrLst meth="repeat">
+      <a:schemeClr val="tx1"/>
+    </dgm:txFillClrLst>
+    <dgm:txEffectClrLst/>
+  </dgm:styleLbl>
+  <dgm:styleLbl name="fgAcc1">
+    <dgm:fillClrLst meth="repeat">
+      <a:schemeClr val="lt1">
+        <a:alpha val="90000"/>
+      </a:schemeClr>
+    </dgm:fillClrLst>
+    <dgm:linClrLst meth="repeat">
+      <a:schemeClr val="accent1"/>
+    </dgm:linClrLst>
+    <dgm:effectClrLst/>
+    <dgm:txLinClrLst/>
+    <dgm:txFillClrLst meth="repeat">
+      <a:schemeClr val="dk1"/>
+    </dgm:txFillClrLst>
+    <dgm:txEffectClrLst/>
+  </dgm:styleLbl>
+  <dgm:styleLbl name="conFgAcc1">
+    <dgm:fillClrLst meth="repeat">
+      <a:schemeClr val="lt1">
+        <a:alpha val="90000"/>
+      </a:schemeClr>
+    </dgm:fillClrLst>
+    <dgm:linClrLst meth="repeat">
+      <a:schemeClr val="accent1"/>
+    </dgm:linClrLst>
+    <dgm:effectClrLst/>
+    <dgm:txLinClrLst/>
+    <dgm:txFillClrLst meth="repeat">
+      <a:schemeClr val="dk1"/>
+    </dgm:txFillClrLst>
+    <dgm:txEffectClrLst/>
+  </dgm:styleLbl>
+  <dgm:styleLbl name="alignAcc1">
+    <dgm:fillClrLst meth="repeat">
+      <a:schemeClr val="lt1">
+        <a:alpha val="90000"/>
+      </a:schemeClr>
+    </dgm:fillClrLst>
+    <dgm:linClrLst meth="repeat">
+      <a:schemeClr val="accent1"/>
+    </dgm:linClrLst>
+    <dgm:effectClrLst/>
+    <dgm:txLinClrLst/>
+    <dgm:txFillClrLst meth="repeat">
+      <a:schemeClr val="dk1"/>
+    </dgm:txFillClrLst>
+    <dgm:txEffectClrLst/>
+  </dgm:styleLbl>
+  <dgm:styleLbl name="trAlignAcc1">
+    <dgm:fillClrLst meth="repeat">
+      <a:schemeClr val="lt1">
+        <a:alpha val="40000"/>
+      </a:schemeClr>
+    </dgm:fillClrLst>
+    <dgm:linClrLst meth="repeat">
+      <a:schemeClr val="accent1"/>
+    </dgm:linClrLst>
+    <dgm:effectClrLst/>
+    <dgm:txLinClrLst/>
+    <dgm:txFillClrLst meth="repeat">
+      <a:schemeClr val="dk1"/>
+    </dgm:txFillClrLst>
+    <dgm:txEffectClrLst/>
+  </dgm:styleLbl>
+  <dgm:styleLbl name="bgAcc1">
+    <dgm:fillClrLst meth="repeat">
+      <a:schemeClr val="lt1">
+        <a:alpha val="90000"/>
+      </a:schemeClr>
+    </dgm:fillClrLst>
+    <dgm:linClrLst meth="repeat">
+      <a:schemeClr val="accent1"/>
+    </dgm:linClrLst>
+    <dgm:effectClrLst/>
+    <dgm:txLinClrLst/>
+    <dgm:txFillClrLst meth="repeat">
+      <a:schemeClr val="dk1"/>
+    </dgm:txFillClrLst>
+    <dgm:txEffectClrLst/>
+  </dgm:styleLbl>
+  <dgm:styleLbl name="solidFgAcc1">
+    <dgm:fillClrLst meth="repeat">
+      <a:schemeClr val="lt1"/>
+    </dgm:fillClrLst>
+    <dgm:linClrLst meth="repeat">
+      <a:schemeClr val="accent1"/>
+    </dgm:linClrLst>
+    <dgm:effectClrLst/>
+    <dgm:txLinClrLst/>
+    <dgm:txFillClrLst meth="repeat">
+      <a:schemeClr val="dk1"/>
+    </dgm:txFillClrLst>
+    <dgm:txEffectClrLst/>
+  </dgm:styleLbl>
+  <dgm:styleLbl name="solidAlignAcc1">
+    <dgm:fillClrLst meth="repeat">
+      <a:schemeClr val="lt1"/>
+    </dgm:fillClrLst>
+    <dgm:linClrLst meth="repeat">
+      <a:schemeClr val="accent1"/>
+    </dgm:linClrLst>
+    <dgm:effectClrLst/>
+    <dgm:txLinClrLst/>
+    <dgm:txFillClrLst meth="repeat">
+      <a:schemeClr val="dk1"/>
+    </dgm:txFillClrLst>
+    <dgm:txEffectClrLst/>
+  </dgm:styleLbl>
+  <dgm:styleLbl name="solidBgAcc1">
+    <dgm:fillClrLst meth="repeat">
+      <a:schemeClr val="lt1"/>
+    </dgm:fillClrLst>
+    <dgm:linClrLst meth="repeat">
+      <a:schemeClr val="accent1"/>
+    </dgm:linClrLst>
+    <dgm:effectClrLst/>
+    <dgm:txLinClrLst/>
+    <dgm:txFillClrLst meth="repeat">
+      <a:schemeClr val="dk1"/>
+    </dgm:txFillClrLst>
+    <dgm:txEffectClrLst/>
+  </dgm:styleLbl>
+  <dgm:styleLbl name="fgAccFollowNode1">
+    <dgm:fillClrLst meth="repeat">
+      <a:schemeClr val="accent1">
+        <a:alpha val="90000"/>
+        <a:tint val="40000"/>
+      </a:schemeClr>
+    </dgm:fillClrLst>
+    <dgm:linClrLst meth="repeat">
+      <a:schemeClr val="accent1">
+        <a:alpha val="90000"/>
+        <a:tint val="40000"/>
+      </a:schemeClr>
+    </dgm:linClrLst>
+    <dgm:effectClrLst/>
+    <dgm:txLinClrLst/>
+    <dgm:txFillClrLst meth="repeat">
+      <a:schemeClr val="dk1"/>
+    </dgm:txFillClrLst>
+    <dgm:txEffectClrLst/>
+  </dgm:styleLbl>
+  <dgm:styleLbl name="alignAccFollowNode1">
+    <dgm:fillClrLst meth="repeat">
+      <a:schemeClr val="accent1">
+        <a:alpha val="90000"/>
+        <a:tint val="40000"/>
+      </a:schemeClr>
+    </dgm:fillClrLst>
+    <dgm:linClrLst meth="repeat">
+      <a:schemeClr val="accent1">
+        <a:alpha val="90000"/>
+        <a:tint val="40000"/>
+      </a:schemeClr>
+    </dgm:linClrLst>
+    <dgm:effectClrLst/>
+    <dgm:txLinClrLst/>
+    <dgm:txFillClrLst meth="repeat">
+      <a:schemeClr val="dk1"/>
+    </dgm:txFillClrLst>
+    <dgm:txEffectClrLst/>
+  </dgm:styleLbl>
+  <dgm:styleLbl name="bgAccFollowNode1">
+    <dgm:fillClrLst meth="repeat">
+      <a:schemeClr val="accent1">
+        <a:alpha val="90000"/>
+        <a:tint val="40000"/>
+      </a:schemeClr>
+    </dgm:fillClrLst>
+    <dgm:linClrLst meth="repeat">
+      <a:schemeClr val="accent1">
+        <a:alpha val="90000"/>
+        <a:tint val="40000"/>
+      </a:schemeClr>
+    </dgm:linClrLst>
+    <dgm:effectClrLst/>
+    <dgm:txLinClrLst/>
+    <dgm:txFillClrLst meth="repeat">
+      <a:schemeClr val="dk1"/>
+    </dgm:txFillClrLst>
+    <dgm:txEffectClrLst/>
+  </dgm:styleLbl>
+  <dgm:styleLbl name="fgAcc0">
+    <dgm:fillClrLst meth="repeat">
+      <a:schemeClr val="lt1">
+        <a:alpha val="90000"/>
+      </a:schemeClr>
+    </dgm:fillClrLst>
+    <dgm:linClrLst meth="repeat">
+      <a:schemeClr val="accent1"/>
+    </dgm:linClrLst>
+    <dgm:effectClrLst/>
+    <dgm:txLinClrLst/>
+    <dgm:txFillClrLst meth="repeat">
+      <a:schemeClr val="dk1"/>
+    </dgm:txFillClrLst>
+    <dgm:txEffectClrLst/>
+  </dgm:styleLbl>
+  <dgm:styleLbl name="fgAcc2">
+    <dgm:fillClrLst meth="repeat">
+      <a:schemeClr val="lt1">
+        <a:alpha val="90000"/>
+      </a:schemeClr>
+    </dgm:fillClrLst>
+    <dgm:linClrLst meth="repeat">
+      <a:schemeClr val="accent1"/>
+    </dgm:linClrLst>
+    <dgm:effectClrLst/>
+    <dgm:txLinClrLst/>
+    <dgm:txFillClrLst meth="repeat">
+      <a:schemeClr val="dk1"/>
+    </dgm:txFillClrLst>
+    <dgm:txEffectClrLst/>
+  </dgm:styleLbl>
+  <dgm:styleLbl name="fgAcc3">
+    <dgm:fillClrLst meth="repeat">
+      <a:schemeClr val="lt1">
+        <a:alpha val="90000"/>
+      </a:schemeClr>
+    </dgm:fillClrLst>
+    <dgm:linClrLst meth="repeat">
+      <a:schemeClr val="accent1"/>
+    </dgm:linClrLst>
+    <dgm:effectClrLst/>
+    <dgm:txLinClrLst/>
+    <dgm:txFillClrLst meth="repeat">
+      <a:schemeClr val="dk1"/>
+    </dgm:txFillClrLst>
+    <dgm:txEffectClrLst/>
+  </dgm:styleLbl>
+  <dgm:styleLbl name="fgAcc4">
+    <dgm:fillClrLst meth="repeat">
+      <a:schemeClr val="lt1">
+        <a:alpha val="90000"/>
+      </a:schemeClr>
+    </dgm:fillClrLst>
+    <dgm:linClrLst meth="repeat">
+      <a:schemeClr val="accent1"/>
+    </dgm:linClrLst>
+    <dgm:effectClrLst/>
+    <dgm:txLinClrLst/>
+    <dgm:txFillClrLst meth="repeat">
+      <a:schemeClr val="dk1"/>
+    </dgm:txFillClrLst>
+    <dgm:txEffectClrLst/>
+  </dgm:styleLbl>
+  <dgm:styleLbl name="bgShp">
+    <dgm:fillClrLst meth="repeat">
+      <a:schemeClr val="accent1">
+        <a:tint val="40000"/>
+      </a:schemeClr>
+    </dgm:fillClrLst>
+    <dgm:linClrLst meth="repeat">
+      <a:schemeClr val="accent1"/>
+    </dgm:linClrLst>
+    <dgm:effectClrLst/>
+    <dgm:txLinClrLst/>
+    <dgm:txFillClrLst meth="repeat">
+      <a:schemeClr val="dk1"/>
+    </dgm:txFillClrLst>
+    <dgm:txEffectClrLst/>
+  </dgm:styleLbl>
+  <dgm:styleLbl name="dkBgShp">
+    <dgm:fillClrLst meth="repeat">
+      <a:schemeClr val="accent1">
+        <a:shade val="80000"/>
+      </a:schemeClr>
+    </dgm:fillClrLst>
+    <dgm:linClrLst meth="repeat">
+      <a:schemeClr val="accent1"/>
+    </dgm:linClrLst>
+    <dgm:effectClrLst/>
+    <dgm:txLinClrLst/>
+    <dgm:txFillClrLst meth="repeat">
+      <a:schemeClr val="lt1"/>
+    </dgm:txFillClrLst>
+    <dgm:txEffectClrLst/>
+  </dgm:styleLbl>
+  <dgm:styleLbl name="trBgShp">
+    <dgm:fillClrLst meth="repeat">
+      <a:schemeClr val="accent1">
+        <a:tint val="50000"/>
+        <a:alpha val="40000"/>
+      </a:schemeClr>
+    </dgm:fillClrLst>
+    <dgm:linClrLst meth="repeat">
+      <a:schemeClr val="accent1"/>
+    </dgm:linClrLst>
+    <dgm:effectClrLst/>
+    <dgm:txLinClrLst/>
+    <dgm:txFillClrLst meth="repeat">
+      <a:schemeClr val="lt1"/>
+    </dgm:txFillClrLst>
+    <dgm:txEffectClrLst/>
+  </dgm:styleLbl>
+  <dgm:styleLbl name="fgShp">
+    <dgm:fillClrLst meth="repeat">
+      <a:schemeClr val="accent1">
+        <a:tint val="60000"/>
+      </a:schemeClr>
+    </dgm:fillClrLst>
+    <dgm:linClrLst meth="repeat">
+      <a:schemeClr val="lt1"/>
+    </dgm:linClrLst>
+    <dgm:effectClrLst/>
+    <dgm:txLinClrLst/>
+    <dgm:txFillClrLst meth="repeat">
+      <a:schemeClr val="dk1"/>
+    </dgm:txFillClrLst>
+    <dgm:txEffectClrLst/>
+  </dgm:styleLbl>
+  <dgm:styleLbl name="revTx">
+    <dgm:fillClrLst meth="repeat">
+      <a:schemeClr val="lt1">
+        <a:alpha val="0"/>
+      </a:schemeClr>
+    </dgm:fillClrLst>
+    <dgm:linClrLst meth="repeat">
+      <a:schemeClr val="dk1">
+        <a:alpha val="0"/>
+      </a:schemeClr>
+    </dgm:linClrLst>
+    <dgm:effectClrLst/>
+    <dgm:txLinClrLst/>
+    <dgm:txFillClrLst meth="repeat">
+      <a:schemeClr val="tx1"/>
+    </dgm:txFillClrLst>
+    <dgm:txEffectClrLst/>
+  </dgm:styleLbl>
+</dgm:colorsDef>
+</file>
+
+<file path=ppt/diagrams/colors2.xml><?xml version="1.0" encoding="utf-8"?>
+<dgm:colorsDef xmlns:dgm="http://schemas.openxmlformats.org/drawingml/2006/diagram" xmlns:a="http://schemas.openxmlformats.org/drawingml/2006/main" uniqueId="urn:microsoft.com/office/officeart/2005/8/colors/accent1_2">
+  <dgm:title val=""/>
+  <dgm:desc val=""/>
+  <dgm:catLst>
+    <dgm:cat type="accent1" pri="11200"/>
+  </dgm:catLst>
+  <dgm:styleLbl name="node0">
+    <dgm:fillClrLst meth="repeat">
+      <a:schemeClr val="accent1"/>
+    </dgm:fillClrLst>
+    <dgm:linClrLst meth="repeat">
+      <a:schemeClr val="lt1"/>
+    </dgm:linClrLst>
+    <dgm:effectClrLst/>
+    <dgm:txLinClrLst/>
+    <dgm:txFillClrLst/>
+    <dgm:txEffectClrLst/>
+  </dgm:styleLbl>
+  <dgm:styleLbl name="alignNode1">
+    <dgm:fillClrLst meth="repeat">
+      <a:schemeClr val="accent1"/>
+    </dgm:fillClrLst>
+    <dgm:linClrLst meth="repeat">
+      <a:schemeClr val="accent1"/>
+    </dgm:linClrLst>
+    <dgm:effectClrLst/>
+    <dgm:txLinClrLst/>
+    <dgm:txFillClrLst/>
+    <dgm:txEffectClrLst/>
+  </dgm:styleLbl>
+  <dgm:styleLbl name="node1">
+    <dgm:fillClrLst meth="repeat">
+      <a:schemeClr val="accent1"/>
+    </dgm:fillClrLst>
+    <dgm:linClrLst meth="repeat">
+      <a:schemeClr val="lt1"/>
+    </dgm:linClrLst>
+    <dgm:effectClrLst/>
+    <dgm:txLinClrLst/>
+    <dgm:txFillClrLst/>
+    <dgm:txEffectClrLst/>
+  </dgm:styleLbl>
+  <dgm:styleLbl name="lnNode1">
+    <dgm:fillClrLst meth="repeat">
+      <a:schemeClr val="accent1"/>
+    </dgm:fillClrLst>
+    <dgm:linClrLst meth="repeat">
+      <a:schemeClr val="lt1"/>
+    </dgm:linClrLst>
+    <dgm:effectClrLst/>
+    <dgm:txLinClrLst/>
+    <dgm:txFillClrLst/>
+    <dgm:txEffectClrLst/>
+  </dgm:styleLbl>
+  <dgm:styleLbl name="vennNode1">
+    <dgm:fillClrLst meth="repeat">
+      <a:schemeClr val="accent1">
+        <a:alpha val="50000"/>
+      </a:schemeClr>
+    </dgm:fillClrLst>
+    <dgm:linClrLst meth="repeat">
+      <a:schemeClr val="lt1"/>
+    </dgm:linClrLst>
+    <dgm:effectClrLst/>
+    <dgm:txLinClrLst/>
+    <dgm:txFillClrLst/>
+    <dgm:txEffectClrLst/>
+  </dgm:styleLbl>
+  <dgm:styleLbl name="node2">
+    <dgm:fillClrLst meth="repeat">
+      <a:schemeClr val="accent1"/>
+    </dgm:fillClrLst>
+    <dgm:linClrLst meth="repeat">
+      <a:schemeClr val="lt1"/>
+    </dgm:linClrLst>
+    <dgm:effectClrLst/>
+    <dgm:txLinClrLst/>
+    <dgm:txFillClrLst/>
+    <dgm:txEffectClrLst/>
+  </dgm:styleLbl>
+  <dgm:styleLbl name="node3">
+    <dgm:fillClrLst meth="repeat">
+      <a:schemeClr val="accent1"/>
+    </dgm:fillClrLst>
+    <dgm:linClrLst meth="repeat">
+      <a:schemeClr val="lt1"/>
+    </dgm:linClrLst>
+    <dgm:effectClrLst/>
+    <dgm:txLinClrLst/>
+    <dgm:txFillClrLst/>
+    <dgm:txEffectClrLst/>
+  </dgm:styleLbl>
+  <dgm:styleLbl name="node4">
+    <dgm:fillClrLst meth="repeat">
+      <a:schemeClr val="accent1"/>
+    </dgm:fillClrLst>
+    <dgm:linClrLst meth="repeat">
+      <a:schemeClr val="lt1"/>
+    </dgm:linClrLst>
+    <dgm:effectClrLst/>
+    <dgm:txLinClrLst/>
+    <dgm:txFillClrLst/>
+    <dgm:txEffectClrLst/>
+  </dgm:styleLbl>
+  <dgm:styleLbl name="fgImgPlace1">
+    <dgm:fillClrLst meth="repeat">
+      <a:schemeClr val="accent1">
+        <a:tint val="50000"/>
+      </a:schemeClr>
+    </dgm:fillClrLst>
+    <dgm:linClrLst meth="repeat">
+      <a:schemeClr val="lt1"/>
+    </dgm:linClrLst>
+    <dgm:effectClrLst/>
+    <dgm:txLinClrLst/>
+    <dgm:txFillClrLst meth="repeat">
+      <a:schemeClr val="lt1"/>
+    </dgm:txFillClrLst>
+    <dgm:txEffectClrLst/>
+  </dgm:styleLbl>
+  <dgm:styleLbl name="alignImgPlace1">
+    <dgm:fillClrLst meth="repeat">
+      <a:schemeClr val="accent1">
+        <a:tint val="50000"/>
+      </a:schemeClr>
+    </dgm:fillClrLst>
+    <dgm:linClrLst meth="repeat">
+      <a:schemeClr val="lt1"/>
+    </dgm:linClrLst>
+    <dgm:effectClrLst/>
+    <dgm:txLinClrLst/>
+    <dgm:txFillClrLst meth="repeat">
+      <a:schemeClr val="lt1"/>
+    </dgm:txFillClrLst>
+    <dgm:txEffectClrLst/>
+  </dgm:styleLbl>
+  <dgm:styleLbl name="bgImgPlace1">
+    <dgm:fillClrLst meth="repeat">
+      <a:schemeClr val="accent1">
+        <a:tint val="50000"/>
+      </a:schemeClr>
+    </dgm:fillClrLst>
+    <dgm:linClrLst meth="repeat">
+      <a:schemeClr val="lt1"/>
+    </dgm:linClrLst>
+    <dgm:effectClrLst/>
+    <dgm:txLinClrLst/>
+    <dgm:txFillClrLst meth="repeat">
+      <a:schemeClr val="lt1"/>
+    </dgm:txFillClrLst>
+    <dgm:txEffectClrLst/>
+  </dgm:styleLbl>
+  <dgm:styleLbl name="sibTrans2D1">
+    <dgm:fillClrLst meth="repeat">
+      <a:schemeClr val="accent1">
+        <a:tint val="60000"/>
+      </a:schemeClr>
+    </dgm:fillClrLst>
+    <dgm:linClrLst meth="repeat">
+      <a:schemeClr val="accent1">
+        <a:tint val="60000"/>
+      </a:schemeClr>
+    </dgm:linClrLst>
+    <dgm:effectClrLst/>
+    <dgm:txLinClrLst/>
+    <dgm:txFillClrLst/>
+    <dgm:txEffectClrLst/>
+  </dgm:styleLbl>
+  <dgm:styleLbl name="fgSibTrans2D1">
+    <dgm:fillClrLst meth="repeat">
+      <a:schemeClr val="accent1">
+        <a:tint val="60000"/>
+      </a:schemeClr>
+    </dgm:fillClrLst>
+    <dgm:linClrLst meth="repeat">
+      <a:schemeClr val="accent1">
+        <a:tint val="60000"/>
+      </a:schemeClr>
+    </dgm:linClrLst>
+    <dgm:effectClrLst/>
+    <dgm:txLinClrLst/>
+    <dgm:txFillClrLst/>
+    <dgm:txEffectClrLst/>
+  </dgm:styleLbl>
+  <dgm:styleLbl name="bgSibTrans2D1">
+    <dgm:fillClrLst meth="repeat">
+      <a:schemeClr val="accent1">
+        <a:tint val="60000"/>
+      </a:schemeClr>
+    </dgm:fillClrLst>
+    <dgm:linClrLst meth="repeat">
+      <a:schemeClr val="accent1">
+        <a:tint val="60000"/>
+      </a:schemeClr>
+    </dgm:linClrLst>
+    <dgm:effectClrLst/>
+    <dgm:txLinClrLst/>
+    <dgm:txFillClrLst/>
+    <dgm:txEffectClrLst/>
+  </dgm:styleLbl>
+  <dgm:styleLbl name="sibTrans1D1">
+    <dgm:fillClrLst meth="repeat">
+      <a:schemeClr val="accent1"/>
+    </dgm:fillClrLst>
+    <dgm:linClrLst meth="repeat">
+      <a:schemeClr val="accent1"/>
+    </dgm:linClrLst>
+    <dgm:effectClrLst/>
+    <dgm:txLinClrLst/>
+    <dgm:txFillClrLst meth="repeat">
+      <a:schemeClr val="tx1"/>
+    </dgm:txFillClrLst>
+    <dgm:txEffectClrLst/>
+  </dgm:styleLbl>
+  <dgm:styleLbl name="callout">
+    <dgm:fillClrLst meth="repeat">
+      <a:schemeClr val="accent1"/>
+    </dgm:fillClrLst>
+    <dgm:linClrLst meth="repeat">
+      <a:schemeClr val="accent1">
+        <a:tint val="50000"/>
+      </a:schemeClr>
+    </dgm:linClrLst>
+    <dgm:effectClrLst/>
+    <dgm:txLinClrLst/>
+    <dgm:txFillClrLst meth="repeat">
+      <a:schemeClr val="tx1"/>
+    </dgm:txFillClrLst>
+    <dgm:txEffectClrLst/>
+  </dgm:styleLbl>
+  <dgm:styleLbl name="asst0">
+    <dgm:fillClrLst meth="repeat">
+      <a:schemeClr val="accent1"/>
+    </dgm:fillClrLst>
+    <dgm:linClrLst meth="repeat">
+      <a:schemeClr val="lt1"/>
+    </dgm:linClrLst>
+    <dgm:effectClrLst/>
+    <dgm:txLinClrLst/>
+    <dgm:txFillClrLst/>
+    <dgm:txEffectClrLst/>
+  </dgm:styleLbl>
+  <dgm:styleLbl name="asst1">
+    <dgm:fillClrLst meth="repeat">
+      <a:schemeClr val="accent1"/>
+    </dgm:fillClrLst>
+    <dgm:linClrLst meth="repeat">
+      <a:schemeClr val="lt1"/>
+    </dgm:linClrLst>
+    <dgm:effectClrLst/>
+    <dgm:txLinClrLst/>
+    <dgm:txFillClrLst/>
+    <dgm:txEffectClrLst/>
+  </dgm:styleLbl>
+  <dgm:styleLbl name="asst2">
+    <dgm:fillClrLst meth="repeat">
+      <a:schemeClr val="accent1"/>
+    </dgm:fillClrLst>
+    <dgm:linClrLst meth="repeat">
+      <a:schemeClr val="lt1"/>
+    </dgm:linClrLst>
+    <dgm:effectClrLst/>
+    <dgm:txLinClrLst/>
+    <dgm:txFillClrLst/>
+    <dgm:txEffectClrLst/>
+  </dgm:styleLbl>
+  <dgm:styleLbl name="asst3">
+    <dgm:fillClrLst meth="repeat">
+      <a:schemeClr val="accent1"/>
+    </dgm:fillClrLst>
+    <dgm:linClrLst meth="repeat">
+      <a:schemeClr val="lt1"/>
+    </dgm:linClrLst>
+    <dgm:effectClrLst/>
+    <dgm:txLinClrLst/>
+    <dgm:txFillClrLst/>
+    <dgm:txEffectClrLst/>
+  </dgm:styleLbl>
+  <dgm:styleLbl name="asst4">
+    <dgm:fillClrLst meth="repeat">
+      <a:schemeClr val="accent1"/>
+    </dgm:fillClrLst>
+    <dgm:linClrLst meth="repeat">
+      <a:schemeClr val="lt1"/>
+    </dgm:linClrLst>
+    <dgm:effectClrLst/>
+    <dgm:txLinClrLst/>
+    <dgm:txFillClrLst/>
+    <dgm:txEffectClrLst/>
+  </dgm:styleLbl>
+  <dgm:styleLbl name="parChTrans2D1">
+    <dgm:fillClrLst meth="repeat">
+      <a:schemeClr val="accent1">
+        <a:tint val="60000"/>
+      </a:schemeClr>
+    </dgm:fillClrLst>
+    <dgm:linClrLst meth="repeat">
+      <a:schemeClr val="accent1">
+        <a:tint val="60000"/>
+      </a:schemeClr>
+    </dgm:linClrLst>
+    <dgm:effectClrLst/>
+    <dgm:txLinClrLst/>
+    <dgm:txFillClrLst meth="repeat">
+      <a:schemeClr val="lt1"/>
+    </dgm:txFillClrLst>
+    <dgm:txEffectClrLst/>
+  </dgm:styleLbl>
+  <dgm:styleLbl name="parChTrans2D2">
+    <dgm:fillClrLst meth="repeat">
+      <a:schemeClr val="accent1"/>
+    </dgm:fillClrLst>
+    <dgm:linClrLst meth="repeat">
+      <a:schemeClr val="accent1"/>
+    </dgm:linClrLst>
+    <dgm:effectClrLst/>
+    <dgm:txLinClrLst/>
+    <dgm:txFillClrLst meth="repeat">
+      <a:schemeClr val="lt1"/>
+    </dgm:txFillClrLst>
+    <dgm:txEffectClrLst/>
+  </dgm:styleLbl>
+  <dgm:styleLbl name="parChTrans2D3">
+    <dgm:fillClrLst meth="repeat">
+      <a:schemeClr val="accent1"/>
+    </dgm:fillClrLst>
+    <dgm:linClrLst meth="repeat">
+      <a:schemeClr val="accent1"/>
+    </dgm:linClrLst>
+    <dgm:effectClrLst/>
+    <dgm:txLinClrLst/>
+    <dgm:txFillClrLst meth="repeat">
+      <a:schemeClr val="lt1"/>
+    </dgm:txFillClrLst>
+    <dgm:txEffectClrLst/>
+  </dgm:styleLbl>
+  <dgm:styleLbl name="parChTrans2D4">
+    <dgm:fillClrLst meth="repeat">
+      <a:schemeClr val="accent1"/>
+    </dgm:fillClrLst>
+    <dgm:linClrLst meth="repeat">
+      <a:schemeClr val="accent1"/>
+    </dgm:linClrLst>
+    <dgm:effectClrLst/>
+    <dgm:txLinClrLst/>
+    <dgm:txFillClrLst meth="repeat">
+      <a:schemeClr val="lt1"/>
+    </dgm:txFillClrLst>
+    <dgm:txEffectClrLst/>
+  </dgm:styleLbl>
+  <dgm:styleLbl name="parChTrans1D1">
+    <dgm:fillClrLst meth="repeat">
+      <a:schemeClr val="accent1"/>
+    </dgm:fillClrLst>
+    <dgm:linClrLst meth="repeat">
+      <a:schemeClr val="accent1">
+        <a:shade val="60000"/>
+      </a:schemeClr>
+    </dgm:linClrLst>
+    <dgm:effectClrLst/>
+    <dgm:txLinClrLst/>
+    <dgm:txFillClrLst meth="repeat">
+      <a:schemeClr val="tx1"/>
+    </dgm:txFillClrLst>
+    <dgm:txEffectClrLst/>
+  </dgm:styleLbl>
+  <dgm:styleLbl name="parChTrans1D2">
+    <dgm:fillClrLst meth="repeat">
+      <a:schemeClr val="accent1"/>
+    </dgm:fillClrLst>
+    <dgm:linClrLst meth="repeat">
+      <a:schemeClr val="accent1">
+        <a:shade val="60000"/>
+      </a:schemeClr>
+    </dgm:linClrLst>
+    <dgm:effectClrLst/>
+    <dgm:txLinClrLst/>
+    <dgm:txFillClrLst meth="repeat">
+      <a:schemeClr val="tx1"/>
+    </dgm:txFillClrLst>
+    <dgm:txEffectClrLst/>
+  </dgm:styleLbl>
+  <dgm:styleLbl name="parChTrans1D3">
+    <dgm:fillClrLst meth="repeat">
+      <a:schemeClr val="accent1"/>
+    </dgm:fillClrLst>
+    <dgm:linClrLst meth="repeat">
+      <a:schemeClr val="accent1">
+        <a:shade val="80000"/>
+      </a:schemeClr>
+    </dgm:linClrLst>
+    <dgm:effectClrLst/>
+    <dgm:txLinClrLst/>
+    <dgm:txFillClrLst meth="repeat">
+      <a:schemeClr val="tx1"/>
+    </dgm:txFillClrLst>
+    <dgm:txEffectClrLst/>
+  </dgm:styleLbl>
+  <dgm:styleLbl name="parChTrans1D4">
+    <dgm:fillClrLst meth="repeat">
+      <a:schemeClr val="accent1"/>
+    </dgm:fillClrLst>
+    <dgm:linClrLst meth="repeat">
+      <a:schemeClr val="accent1">
+        <a:shade val="80000"/>
+      </a:schemeClr>
+    </dgm:linClrLst>
+    <dgm:effectClrLst/>
+    <dgm:txLinClrLst/>
+    <dgm:txFillClrLst meth="repeat">
+      <a:schemeClr val="tx1"/>
+    </dgm:txFillClrLst>
+    <dgm:txEffectClrLst/>
+  </dgm:styleLbl>
+  <dgm:styleLbl name="fgAcc1">
+    <dgm:fillClrLst meth="repeat">
+      <a:schemeClr val="lt1">
+        <a:alpha val="90000"/>
+      </a:schemeClr>
+    </dgm:fillClrLst>
+    <dgm:linClrLst meth="repeat">
+      <a:schemeClr val="accent1"/>
+    </dgm:linClrLst>
+    <dgm:effectClrLst/>
+    <dgm:txLinClrLst/>
+    <dgm:txFillClrLst meth="repeat">
+      <a:schemeClr val="dk1"/>
+    </dgm:txFillClrLst>
+    <dgm:txEffectClrLst/>
+  </dgm:styleLbl>
+  <dgm:styleLbl name="conFgAcc1">
+    <dgm:fillClrLst meth="repeat">
+      <a:schemeClr val="lt1">
+        <a:alpha val="90000"/>
+      </a:schemeClr>
+    </dgm:fillClrLst>
+    <dgm:linClrLst meth="repeat">
+      <a:schemeClr val="accent1"/>
+    </dgm:linClrLst>
+    <dgm:effectClrLst/>
+    <dgm:txLinClrLst/>
+    <dgm:txFillClrLst meth="repeat">
+      <a:schemeClr val="dk1"/>
+    </dgm:txFillClrLst>
+    <dgm:txEffectClrLst/>
+  </dgm:styleLbl>
+  <dgm:styleLbl name="alignAcc1">
+    <dgm:fillClrLst meth="repeat">
+      <a:schemeClr val="lt1">
+        <a:alpha val="90000"/>
+      </a:schemeClr>
+    </dgm:fillClrLst>
+    <dgm:linClrLst meth="repeat">
+      <a:schemeClr val="accent1"/>
+    </dgm:linClrLst>
+    <dgm:effectClrLst/>
+    <dgm:txLinClrLst/>
+    <dgm:txFillClrLst meth="repeat">
+      <a:schemeClr val="dk1"/>
+    </dgm:txFillClrLst>
+    <dgm:txEffectClrLst/>
+  </dgm:styleLbl>
+  <dgm:styleLbl name="trAlignAcc1">
+    <dgm:fillClrLst meth="repeat">
+      <a:schemeClr val="lt1">
+        <a:alpha val="40000"/>
+      </a:schemeClr>
+    </dgm:fillClrLst>
+    <dgm:linClrLst meth="repeat">
+      <a:schemeClr val="accent1"/>
+    </dgm:linClrLst>
+    <dgm:effectClrLst/>
+    <dgm:txLinClrLst/>
+    <dgm:txFillClrLst meth="repeat">
+      <a:schemeClr val="dk1"/>
+    </dgm:txFillClrLst>
+    <dgm:txEffectClrLst/>
+  </dgm:styleLbl>
+  <dgm:styleLbl name="bgAcc1">
+    <dgm:fillClrLst meth="repeat">
+      <a:schemeClr val="lt1">
+        <a:alpha val="90000"/>
+      </a:schemeClr>
+    </dgm:fillClrLst>
+    <dgm:linClrLst meth="repeat">
+      <a:schemeClr val="accent1"/>
+    </dgm:linClrLst>
+    <dgm:effectClrLst/>
+    <dgm:txLinClrLst/>
+    <dgm:txFillClrLst meth="repeat">
+      <a:schemeClr val="dk1"/>
+    </dgm:txFillClrLst>
+    <dgm:txEffectClrLst/>
+  </dgm:styleLbl>
+  <dgm:styleLbl name="solidFgAcc1">
+    <dgm:fillClrLst meth="repeat">
+      <a:schemeClr val="lt1"/>
+    </dgm:fillClrLst>
+    <dgm:linClrLst meth="repeat">
+      <a:schemeClr val="accent1"/>
+    </dgm:linClrLst>
+    <dgm:effectClrLst/>
+    <dgm:txLinClrLst/>
+    <dgm:txFillClrLst meth="repeat">
+      <a:schemeClr val="dk1"/>
+    </dgm:txFillClrLst>
+    <dgm:txEffectClrLst/>
+  </dgm:styleLbl>
+  <dgm:styleLbl name="solidAlignAcc1">
+    <dgm:fillClrLst meth="repeat">
+      <a:schemeClr val="lt1"/>
+    </dgm:fillClrLst>
+    <dgm:linClrLst meth="repeat">
+      <a:schemeClr val="accent1"/>
+    </dgm:linClrLst>
+    <dgm:effectClrLst/>
+    <dgm:txLinClrLst/>
+    <dgm:txFillClrLst meth="repeat">
+      <a:schemeClr val="dk1"/>
+    </dgm:txFillClrLst>
+    <dgm:txEffectClrLst/>
+  </dgm:styleLbl>
+  <dgm:styleLbl name="solidBgAcc1">
+    <dgm:fillClrLst meth="repeat">
+      <a:schemeClr val="lt1"/>
+    </dgm:fillClrLst>
+    <dgm:linClrLst meth="repeat">
+      <a:schemeClr val="accent1"/>
+    </dgm:linClrLst>
+    <dgm:effectClrLst/>
+    <dgm:txLinClrLst/>
+    <dgm:txFillClrLst meth="repeat">
+      <a:schemeClr val="dk1"/>
+    </dgm:txFillClrLst>
+    <dgm:txEffectClrLst/>
+  </dgm:styleLbl>
+  <dgm:styleLbl name="fgAccFollowNode1">
+    <dgm:fillClrLst meth="repeat">
+      <a:schemeClr val="accent1">
+        <a:alpha val="90000"/>
+        <a:tint val="40000"/>
+      </a:schemeClr>
+    </dgm:fillClrLst>
+    <dgm:linClrLst meth="repeat">
+      <a:schemeClr val="accent1">
+        <a:alpha val="90000"/>
+        <a:tint val="40000"/>
+      </a:schemeClr>
+    </dgm:linClrLst>
+    <dgm:effectClrLst/>
+    <dgm:txLinClrLst/>
+    <dgm:txFillClrLst meth="repeat">
+      <a:schemeClr val="dk1"/>
+    </dgm:txFillClrLst>
+    <dgm:txEffectClrLst/>
+  </dgm:styleLbl>
+  <dgm:styleLbl name="alignAccFollowNode1">
+    <dgm:fillClrLst meth="repeat">
+      <a:schemeClr val="accent1">
+        <a:alpha val="90000"/>
+        <a:tint val="40000"/>
+      </a:schemeClr>
+    </dgm:fillClrLst>
+    <dgm:linClrLst meth="repeat">
+      <a:schemeClr val="accent1">
+        <a:alpha val="90000"/>
+        <a:tint val="40000"/>
+      </a:schemeClr>
+    </dgm:linClrLst>
+    <dgm:effectClrLst/>
+    <dgm:txLinClrLst/>
+    <dgm:txFillClrLst meth="repeat">
+      <a:schemeClr val="dk1"/>
+    </dgm:txFillClrLst>
+    <dgm:txEffectClrLst/>
+  </dgm:styleLbl>
+  <dgm:styleLbl name="bgAccFollowNode1">
+    <dgm:fillClrLst meth="repeat">
+      <a:schemeClr val="accent1">
+        <a:alpha val="90000"/>
+        <a:tint val="40000"/>
+      </a:schemeClr>
+    </dgm:fillClrLst>
+    <dgm:linClrLst meth="repeat">
+      <a:schemeClr val="accent1">
+        <a:alpha val="90000"/>
+        <a:tint val="40000"/>
+      </a:schemeClr>
+    </dgm:linClrLst>
+    <dgm:effectClrLst/>
+    <dgm:txLinClrLst/>
+    <dgm:txFillClrLst meth="repeat">
+      <a:schemeClr val="dk1"/>
+    </dgm:txFillClrLst>
+    <dgm:txEffectClrLst/>
+  </dgm:styleLbl>
+  <dgm:styleLbl name="fgAcc0">
+    <dgm:fillClrLst meth="repeat">
+      <a:schemeClr val="lt1">
+        <a:alpha val="90000"/>
+      </a:schemeClr>
+    </dgm:fillClrLst>
+    <dgm:linClrLst meth="repeat">
+      <a:schemeClr val="accent1"/>
+    </dgm:linClrLst>
+    <dgm:effectClrLst/>
+    <dgm:txLinClrLst/>
+    <dgm:txFillClrLst meth="repeat">
+      <a:schemeClr val="dk1"/>
+    </dgm:txFillClrLst>
+    <dgm:txEffectClrLst/>
+  </dgm:styleLbl>
+  <dgm:styleLbl name="fgAcc2">
+    <dgm:fillClrLst meth="repeat">
+      <a:schemeClr val="lt1">
+        <a:alpha val="90000"/>
+      </a:schemeClr>
+    </dgm:fillClrLst>
+    <dgm:linClrLst meth="repeat">
+      <a:schemeClr val="accent1"/>
+    </dgm:linClrLst>
+    <dgm:effectClrLst/>
+    <dgm:txLinClrLst/>
+    <dgm:txFillClrLst meth="repeat">
+      <a:schemeClr val="dk1"/>
+    </dgm:txFillClrLst>
+    <dgm:txEffectClrLst/>
+  </dgm:styleLbl>
+  <dgm:styleLbl name="fgAcc3">
+    <dgm:fillClrLst meth="repeat">
+      <a:schemeClr val="lt1">
+        <a:alpha val="90000"/>
+      </a:schemeClr>
+    </dgm:fillClrLst>
+    <dgm:linClrLst meth="repeat">
+      <a:schemeClr val="accent1"/>
+    </dgm:linClrLst>
+    <dgm:effectClrLst/>
+    <dgm:txLinClrLst/>
+    <dgm:txFillClrLst meth="repeat">
+      <a:schemeClr val="dk1"/>
+    </dgm:txFillClrLst>
+    <dgm:txEffectClrLst/>
+  </dgm:styleLbl>
+  <dgm:styleLbl name="fgAcc4">
+    <dgm:fillClrLst meth="repeat">
+      <a:schemeClr val="lt1">
+        <a:alpha val="90000"/>
+      </a:schemeClr>
+    </dgm:fillClrLst>
+    <dgm:linClrLst meth="repeat">
+      <a:schemeClr val="accent1"/>
+    </dgm:linClrLst>
+    <dgm:effectClrLst/>
+    <dgm:txLinClrLst/>
+    <dgm:txFillClrLst meth="repeat">
+      <a:schemeClr val="dk1"/>
+    </dgm:txFillClrLst>
+    <dgm:txEffectClrLst/>
+  </dgm:styleLbl>
+  <dgm:styleLbl name="bgShp">
+    <dgm:fillClrLst meth="repeat">
+      <a:schemeClr val="accent1">
+        <a:tint val="40000"/>
+      </a:schemeClr>
+    </dgm:fillClrLst>
+    <dgm:linClrLst meth="repeat">
+      <a:schemeClr val="accent1"/>
+    </dgm:linClrLst>
+    <dgm:effectClrLst/>
+    <dgm:txLinClrLst/>
+    <dgm:txFillClrLst meth="repeat">
+      <a:schemeClr val="dk1"/>
+    </dgm:txFillClrLst>
+    <dgm:txEffectClrLst/>
+  </dgm:styleLbl>
+  <dgm:styleLbl name="dkBgShp">
+    <dgm:fillClrLst meth="repeat">
+      <a:schemeClr val="accent1">
+        <a:shade val="80000"/>
+      </a:schemeClr>
+    </dgm:fillClrLst>
+    <dgm:linClrLst meth="repeat">
+      <a:schemeClr val="accent1"/>
+    </dgm:linClrLst>
+    <dgm:effectClrLst/>
+    <dgm:txLinClrLst/>
+    <dgm:txFillClrLst meth="repeat">
+      <a:schemeClr val="lt1"/>
+    </dgm:txFillClrLst>
+    <dgm:txEffectClrLst/>
+  </dgm:styleLbl>
+  <dgm:styleLbl name="trBgShp">
+    <dgm:fillClrLst meth="repeat">
+      <a:schemeClr val="accent1">
+        <a:tint val="50000"/>
+        <a:alpha val="40000"/>
+      </a:schemeClr>
+    </dgm:fillClrLst>
+    <dgm:linClrLst meth="repeat">
+      <a:schemeClr val="accent1"/>
+    </dgm:linClrLst>
+    <dgm:effectClrLst/>
+    <dgm:txLinClrLst/>
+    <dgm:txFillClrLst meth="repeat">
+      <a:schemeClr val="lt1"/>
+    </dgm:txFillClrLst>
+    <dgm:txEffectClrLst/>
+  </dgm:styleLbl>
+  <dgm:styleLbl name="fgShp">
+    <dgm:fillClrLst meth="repeat">
+      <a:schemeClr val="accent1">
+        <a:tint val="60000"/>
+      </a:schemeClr>
+    </dgm:fillClrLst>
+    <dgm:linClrLst meth="repeat">
+      <a:schemeClr val="lt1"/>
+    </dgm:linClrLst>
+    <dgm:effectClrLst/>
+    <dgm:txLinClrLst/>
+    <dgm:txFillClrLst meth="repeat">
+      <a:schemeClr val="dk1"/>
+    </dgm:txFillClrLst>
+    <dgm:txEffectClrLst/>
+  </dgm:styleLbl>
+  <dgm:styleLbl name="revTx">
+    <dgm:fillClrLst meth="repeat">
+      <a:schemeClr val="lt1">
+        <a:alpha val="0"/>
+      </a:schemeClr>
+    </dgm:fillClrLst>
+    <dgm:linClrLst meth="repeat">
+      <a:schemeClr val="dk1">
+        <a:alpha val="0"/>
+      </a:schemeClr>
+    </dgm:linClrLst>
+    <dgm:effectClrLst/>
+    <dgm:txLinClrLst/>
+    <dgm:txFillClrLst meth="repeat">
+      <a:schemeClr val="tx1"/>
+    </dgm:txFillClrLst>
+    <dgm:txEffectClrLst/>
+  </dgm:styleLbl>
+</dgm:colorsDef>
+</file>
+
+<file path=ppt/diagrams/data1.xml><?xml version="1.0" encoding="utf-8"?>
+<dgm:dataModel xmlns:dgm="http://schemas.openxmlformats.org/drawingml/2006/diagram" xmlns:a="http://schemas.openxmlformats.org/drawingml/2006/main">
+  <dgm:ptLst>
+    <dgm:pt modelId="{74BEEABD-9DCC-4973-8B52-FF19697848C6}" type="doc">
+      <dgm:prSet loTypeId="urn:microsoft.com/office/officeart/2005/8/layout/hProcess9" loCatId="process" qsTypeId="urn:microsoft.com/office/officeart/2005/8/quickstyle/simple1" qsCatId="simple" csTypeId="urn:microsoft.com/office/officeart/2005/8/colors/accent1_2" csCatId="accent1" phldr="1"/>
+      <dgm:spPr/>
+    </dgm:pt>
+    <dgm:pt modelId="{B584BC9B-9628-4C0C-9AF4-0EB30C983203}">
+      <dgm:prSet phldrT="[Text]"/>
+      <dgm:spPr/>
+      <dgm:t>
+        <a:bodyPr/>
+        <a:lstStyle/>
+        <a:p>
+          <a:r>
+            <a:rPr lang="en-US" dirty="0" smtClean="0"/>
+            <a:t>Admin defines medical profile template</a:t>
+          </a:r>
+          <a:endParaRPr lang="en-US" dirty="0"/>
+        </a:p>
+      </dgm:t>
+    </dgm:pt>
+    <dgm:pt modelId="{BCE2EEAE-5774-4415-9E4B-87E792938C59}" type="parTrans" cxnId="{EF2421B5-98E4-4AFE-90A6-443063155088}">
+      <dgm:prSet/>
+      <dgm:spPr/>
+      <dgm:t>
+        <a:bodyPr/>
+        <a:lstStyle/>
+        <a:p>
+          <a:endParaRPr lang="en-US"/>
+        </a:p>
+      </dgm:t>
+    </dgm:pt>
+    <dgm:pt modelId="{0F16D5C8-0520-4819-BC68-37E7418341E1}" type="sibTrans" cxnId="{EF2421B5-98E4-4AFE-90A6-443063155088}">
+      <dgm:prSet/>
+      <dgm:spPr/>
+      <dgm:t>
+        <a:bodyPr/>
+        <a:lstStyle/>
+        <a:p>
+          <a:endParaRPr lang="en-US"/>
+        </a:p>
+      </dgm:t>
+    </dgm:pt>
+    <dgm:pt modelId="{6616C302-4FBB-4BEC-8B98-D62DB14D346D}">
+      <dgm:prSet phldrT="[Text]"/>
+      <dgm:spPr/>
+      <dgm:t>
+        <a:bodyPr/>
+        <a:lstStyle/>
+        <a:p>
+          <a:r>
+            <a:rPr lang="en-US" dirty="0" smtClean="0"/>
+            <a:t>Doctor creates medical profile for patient</a:t>
+          </a:r>
+          <a:endParaRPr lang="en-US" dirty="0"/>
+        </a:p>
+      </dgm:t>
+    </dgm:pt>
+    <dgm:pt modelId="{53F95CF8-0EAE-4421-8A5E-92CCE520DAF2}" type="parTrans" cxnId="{3FC2C60C-ABCB-43E4-85F8-EF6E41171DBB}">
+      <dgm:prSet/>
+      <dgm:spPr/>
+      <dgm:t>
+        <a:bodyPr/>
+        <a:lstStyle/>
+        <a:p>
+          <a:endParaRPr lang="en-US"/>
+        </a:p>
+      </dgm:t>
+    </dgm:pt>
+    <dgm:pt modelId="{F349FE67-9ED9-494B-82F9-B3CA028936B2}" type="sibTrans" cxnId="{3FC2C60C-ABCB-43E4-85F8-EF6E41171DBB}">
+      <dgm:prSet/>
+      <dgm:spPr/>
+      <dgm:t>
+        <a:bodyPr/>
+        <a:lstStyle/>
+        <a:p>
+          <a:endParaRPr lang="en-US"/>
+        </a:p>
+      </dgm:t>
+    </dgm:pt>
+    <dgm:pt modelId="{73B7E5A5-8633-483C-A304-C9D61FCFF131}">
+      <dgm:prSet phldrT="[Text]"/>
+      <dgm:spPr/>
+      <dgm:t>
+        <a:bodyPr/>
+        <a:lstStyle/>
+        <a:p>
+          <a:r>
+            <a:rPr lang="en-US" dirty="0" smtClean="0"/>
+            <a:t>Patient views medical profile</a:t>
+          </a:r>
+          <a:endParaRPr lang="en-US" dirty="0"/>
+        </a:p>
+      </dgm:t>
+    </dgm:pt>
+    <dgm:pt modelId="{54CC1E88-2C30-4D31-A170-88D174DB608E}" type="parTrans" cxnId="{76534187-6453-497D-8BFC-B1DFBDF9A2AE}">
+      <dgm:prSet/>
+      <dgm:spPr/>
+      <dgm:t>
+        <a:bodyPr/>
+        <a:lstStyle/>
+        <a:p>
+          <a:endParaRPr lang="en-US"/>
+        </a:p>
+      </dgm:t>
+    </dgm:pt>
+    <dgm:pt modelId="{445EAEDA-D026-4317-B29B-DE8DB243F558}" type="sibTrans" cxnId="{76534187-6453-497D-8BFC-B1DFBDF9A2AE}">
+      <dgm:prSet/>
+      <dgm:spPr/>
+      <dgm:t>
+        <a:bodyPr/>
+        <a:lstStyle/>
+        <a:p>
+          <a:endParaRPr lang="en-US"/>
+        </a:p>
+      </dgm:t>
+    </dgm:pt>
+    <dgm:pt modelId="{9966B302-920A-4706-8176-04B8B16EA141}" type="pres">
+      <dgm:prSet presAssocID="{74BEEABD-9DCC-4973-8B52-FF19697848C6}" presName="CompostProcess" presStyleCnt="0">
+        <dgm:presLayoutVars>
+          <dgm:dir/>
+          <dgm:resizeHandles val="exact"/>
+        </dgm:presLayoutVars>
+      </dgm:prSet>
+      <dgm:spPr/>
+    </dgm:pt>
+    <dgm:pt modelId="{99862904-016F-48BE-8B21-79FA89EA9A62}" type="pres">
+      <dgm:prSet presAssocID="{74BEEABD-9DCC-4973-8B52-FF19697848C6}" presName="arrow" presStyleLbl="bgShp" presStyleIdx="0" presStyleCnt="1"/>
+      <dgm:spPr/>
+    </dgm:pt>
+    <dgm:pt modelId="{29F07460-3AF5-4311-870D-0BB388363788}" type="pres">
+      <dgm:prSet presAssocID="{74BEEABD-9DCC-4973-8B52-FF19697848C6}" presName="linearProcess" presStyleCnt="0"/>
+      <dgm:spPr/>
+    </dgm:pt>
+    <dgm:pt modelId="{334D8C23-B8CD-483B-9D9B-9B5B296BFED1}" type="pres">
+      <dgm:prSet presAssocID="{B584BC9B-9628-4C0C-9AF4-0EB30C983203}" presName="textNode" presStyleLbl="node1" presStyleIdx="0" presStyleCnt="3">
+        <dgm:presLayoutVars>
+          <dgm:bulletEnabled val="1"/>
+        </dgm:presLayoutVars>
+      </dgm:prSet>
+      <dgm:spPr/>
+      <dgm:t>
+        <a:bodyPr/>
+        <a:lstStyle/>
+        <a:p>
+          <a:endParaRPr lang="en-US"/>
+        </a:p>
+      </dgm:t>
+    </dgm:pt>
+    <dgm:pt modelId="{4F7A9B1A-9548-4E0C-BFAC-A4462B02CAE2}" type="pres">
+      <dgm:prSet presAssocID="{0F16D5C8-0520-4819-BC68-37E7418341E1}" presName="sibTrans" presStyleCnt="0"/>
+      <dgm:spPr/>
+    </dgm:pt>
+    <dgm:pt modelId="{3BB38D9C-414A-4E63-AD2A-967627B7FAE0}" type="pres">
+      <dgm:prSet presAssocID="{6616C302-4FBB-4BEC-8B98-D62DB14D346D}" presName="textNode" presStyleLbl="node1" presStyleIdx="1" presStyleCnt="3">
+        <dgm:presLayoutVars>
+          <dgm:bulletEnabled val="1"/>
+        </dgm:presLayoutVars>
+      </dgm:prSet>
+      <dgm:spPr/>
+      <dgm:t>
+        <a:bodyPr/>
+        <a:lstStyle/>
+        <a:p>
+          <a:endParaRPr lang="en-US"/>
+        </a:p>
+      </dgm:t>
+    </dgm:pt>
+    <dgm:pt modelId="{70CB1C00-E660-42FD-96D9-CC0E94848B48}" type="pres">
+      <dgm:prSet presAssocID="{F349FE67-9ED9-494B-82F9-B3CA028936B2}" presName="sibTrans" presStyleCnt="0"/>
+      <dgm:spPr/>
+    </dgm:pt>
+    <dgm:pt modelId="{2CC504BD-219C-45BB-A58F-EF48C5857137}" type="pres">
+      <dgm:prSet presAssocID="{73B7E5A5-8633-483C-A304-C9D61FCFF131}" presName="textNode" presStyleLbl="node1" presStyleIdx="2" presStyleCnt="3">
+        <dgm:presLayoutVars>
+          <dgm:bulletEnabled val="1"/>
+        </dgm:presLayoutVars>
+      </dgm:prSet>
+      <dgm:spPr/>
+      <dgm:t>
+        <a:bodyPr/>
+        <a:lstStyle/>
+        <a:p>
+          <a:endParaRPr lang="en-US"/>
+        </a:p>
+      </dgm:t>
+    </dgm:pt>
+  </dgm:ptLst>
+  <dgm:cxnLst>
+    <dgm:cxn modelId="{F1C05EC3-58F7-49A8-A6F2-3FF1F0D01AA7}" type="presOf" srcId="{73B7E5A5-8633-483C-A304-C9D61FCFF131}" destId="{2CC504BD-219C-45BB-A58F-EF48C5857137}" srcOrd="0" destOrd="0" presId="urn:microsoft.com/office/officeart/2005/8/layout/hProcess9"/>
+    <dgm:cxn modelId="{DB85CE04-1498-4298-8654-D041AE8FBE88}" type="presOf" srcId="{74BEEABD-9DCC-4973-8B52-FF19697848C6}" destId="{9966B302-920A-4706-8176-04B8B16EA141}" srcOrd="0" destOrd="0" presId="urn:microsoft.com/office/officeart/2005/8/layout/hProcess9"/>
+    <dgm:cxn modelId="{420C4048-738C-4DCE-ADFD-3A02A38CE26C}" type="presOf" srcId="{6616C302-4FBB-4BEC-8B98-D62DB14D346D}" destId="{3BB38D9C-414A-4E63-AD2A-967627B7FAE0}" srcOrd="0" destOrd="0" presId="urn:microsoft.com/office/officeart/2005/8/layout/hProcess9"/>
+    <dgm:cxn modelId="{23C13B91-2C51-4417-A0C5-DFDE544C0B59}" type="presOf" srcId="{B584BC9B-9628-4C0C-9AF4-0EB30C983203}" destId="{334D8C23-B8CD-483B-9D9B-9B5B296BFED1}" srcOrd="0" destOrd="0" presId="urn:microsoft.com/office/officeart/2005/8/layout/hProcess9"/>
+    <dgm:cxn modelId="{76534187-6453-497D-8BFC-B1DFBDF9A2AE}" srcId="{74BEEABD-9DCC-4973-8B52-FF19697848C6}" destId="{73B7E5A5-8633-483C-A304-C9D61FCFF131}" srcOrd="2" destOrd="0" parTransId="{54CC1E88-2C30-4D31-A170-88D174DB608E}" sibTransId="{445EAEDA-D026-4317-B29B-DE8DB243F558}"/>
+    <dgm:cxn modelId="{EF2421B5-98E4-4AFE-90A6-443063155088}" srcId="{74BEEABD-9DCC-4973-8B52-FF19697848C6}" destId="{B584BC9B-9628-4C0C-9AF4-0EB30C983203}" srcOrd="0" destOrd="0" parTransId="{BCE2EEAE-5774-4415-9E4B-87E792938C59}" sibTransId="{0F16D5C8-0520-4819-BC68-37E7418341E1}"/>
+    <dgm:cxn modelId="{3FC2C60C-ABCB-43E4-85F8-EF6E41171DBB}" srcId="{74BEEABD-9DCC-4973-8B52-FF19697848C6}" destId="{6616C302-4FBB-4BEC-8B98-D62DB14D346D}" srcOrd="1" destOrd="0" parTransId="{53F95CF8-0EAE-4421-8A5E-92CCE520DAF2}" sibTransId="{F349FE67-9ED9-494B-82F9-B3CA028936B2}"/>
+    <dgm:cxn modelId="{2B995F31-5908-4643-B96E-232B7EB960B5}" type="presParOf" srcId="{9966B302-920A-4706-8176-04B8B16EA141}" destId="{99862904-016F-48BE-8B21-79FA89EA9A62}" srcOrd="0" destOrd="0" presId="urn:microsoft.com/office/officeart/2005/8/layout/hProcess9"/>
+    <dgm:cxn modelId="{27F27B7B-AB52-472C-A409-46FDFC96A091}" type="presParOf" srcId="{9966B302-920A-4706-8176-04B8B16EA141}" destId="{29F07460-3AF5-4311-870D-0BB388363788}" srcOrd="1" destOrd="0" presId="urn:microsoft.com/office/officeart/2005/8/layout/hProcess9"/>
+    <dgm:cxn modelId="{2AA186BC-6849-437F-B697-4E8F4EAA5916}" type="presParOf" srcId="{29F07460-3AF5-4311-870D-0BB388363788}" destId="{334D8C23-B8CD-483B-9D9B-9B5B296BFED1}" srcOrd="0" destOrd="0" presId="urn:microsoft.com/office/officeart/2005/8/layout/hProcess9"/>
+    <dgm:cxn modelId="{413A6652-FF7A-49EE-A2D5-595FA6591E70}" type="presParOf" srcId="{29F07460-3AF5-4311-870D-0BB388363788}" destId="{4F7A9B1A-9548-4E0C-BFAC-A4462B02CAE2}" srcOrd="1" destOrd="0" presId="urn:microsoft.com/office/officeart/2005/8/layout/hProcess9"/>
+    <dgm:cxn modelId="{62CDC88A-25B9-480B-AFAE-E7A692B1EFA7}" type="presParOf" srcId="{29F07460-3AF5-4311-870D-0BB388363788}" destId="{3BB38D9C-414A-4E63-AD2A-967627B7FAE0}" srcOrd="2" destOrd="0" presId="urn:microsoft.com/office/officeart/2005/8/layout/hProcess9"/>
+    <dgm:cxn modelId="{F2268891-3D2C-4874-9E6B-AAD1CD75C90A}" type="presParOf" srcId="{29F07460-3AF5-4311-870D-0BB388363788}" destId="{70CB1C00-E660-42FD-96D9-CC0E94848B48}" srcOrd="3" destOrd="0" presId="urn:microsoft.com/office/officeart/2005/8/layout/hProcess9"/>
+    <dgm:cxn modelId="{3971DEF9-FDA8-4E45-8ECB-824E26DEB923}" type="presParOf" srcId="{29F07460-3AF5-4311-870D-0BB388363788}" destId="{2CC504BD-219C-45BB-A58F-EF48C5857137}" srcOrd="4" destOrd="0" presId="urn:microsoft.com/office/officeart/2005/8/layout/hProcess9"/>
+  </dgm:cxnLst>
+  <dgm:bg/>
+  <dgm:whole/>
+  <dgm:extLst>
+    <a:ext uri="http://schemas.microsoft.com/office/drawing/2008/diagram">
+      <dsp:dataModelExt xmlns:dsp="http://schemas.microsoft.com/office/drawing/2008/diagram" relId="rId6" minVer="http://schemas.openxmlformats.org/drawingml/2006/diagram"/>
+    </a:ext>
+  </dgm:extLst>
+</dgm:dataModel>
+</file>
+
+<file path=ppt/diagrams/data2.xml><?xml version="1.0" encoding="utf-8"?>
+<dgm:dataModel xmlns:dgm="http://schemas.openxmlformats.org/drawingml/2006/diagram" xmlns:a="http://schemas.openxmlformats.org/drawingml/2006/main">
+  <dgm:ptLst>
+    <dgm:pt modelId="{74BEEABD-9DCC-4973-8B52-FF19697848C6}" type="doc">
+      <dgm:prSet loTypeId="urn:microsoft.com/office/officeart/2005/8/layout/hProcess9" loCatId="process" qsTypeId="urn:microsoft.com/office/officeart/2005/8/quickstyle/simple1" qsCatId="simple" csTypeId="urn:microsoft.com/office/officeart/2005/8/colors/accent1_2" csCatId="accent1" phldr="1"/>
+      <dgm:spPr/>
+    </dgm:pt>
+    <dgm:pt modelId="{B584BC9B-9628-4C0C-9AF4-0EB30C983203}">
+      <dgm:prSet phldrT="[Text]" custT="1"/>
+      <dgm:spPr/>
+      <dgm:t>
+        <a:bodyPr/>
+        <a:lstStyle/>
+        <a:p>
+          <a:r>
+            <a:rPr lang="en-US" sz="2400" dirty="0" smtClean="0"/>
+            <a:t>Patient requests chatting with doctor</a:t>
+          </a:r>
+          <a:endParaRPr lang="en-US" sz="2400" dirty="0"/>
+        </a:p>
+      </dgm:t>
+    </dgm:pt>
+    <dgm:pt modelId="{BCE2EEAE-5774-4415-9E4B-87E792938C59}" type="parTrans" cxnId="{EF2421B5-98E4-4AFE-90A6-443063155088}">
+      <dgm:prSet/>
+      <dgm:spPr/>
+      <dgm:t>
+        <a:bodyPr/>
+        <a:lstStyle/>
+        <a:p>
+          <a:endParaRPr lang="en-US"/>
+        </a:p>
+      </dgm:t>
+    </dgm:pt>
+    <dgm:pt modelId="{0F16D5C8-0520-4819-BC68-37E7418341E1}" type="sibTrans" cxnId="{EF2421B5-98E4-4AFE-90A6-443063155088}">
+      <dgm:prSet/>
+      <dgm:spPr/>
+      <dgm:t>
+        <a:bodyPr/>
+        <a:lstStyle/>
+        <a:p>
+          <a:endParaRPr lang="en-US"/>
+        </a:p>
+      </dgm:t>
+    </dgm:pt>
+    <dgm:pt modelId="{6616C302-4FBB-4BEC-8B98-D62DB14D346D}">
+      <dgm:prSet phldrT="[Text]" custT="1"/>
+      <dgm:spPr/>
+      <dgm:t>
+        <a:bodyPr/>
+        <a:lstStyle/>
+        <a:p>
+          <a:r>
+            <a:rPr lang="en-US" sz="2400" dirty="0" smtClean="0"/>
+            <a:t>Doctor replies with patient</a:t>
+          </a:r>
+          <a:endParaRPr lang="en-US" sz="2400" dirty="0"/>
+        </a:p>
+      </dgm:t>
+    </dgm:pt>
+    <dgm:pt modelId="{53F95CF8-0EAE-4421-8A5E-92CCE520DAF2}" type="parTrans" cxnId="{3FC2C60C-ABCB-43E4-85F8-EF6E41171DBB}">
+      <dgm:prSet/>
+      <dgm:spPr/>
+      <dgm:t>
+        <a:bodyPr/>
+        <a:lstStyle/>
+        <a:p>
+          <a:endParaRPr lang="en-US"/>
+        </a:p>
+      </dgm:t>
+    </dgm:pt>
+    <dgm:pt modelId="{F349FE67-9ED9-494B-82F9-B3CA028936B2}" type="sibTrans" cxnId="{3FC2C60C-ABCB-43E4-85F8-EF6E41171DBB}">
+      <dgm:prSet/>
+      <dgm:spPr/>
+      <dgm:t>
+        <a:bodyPr/>
+        <a:lstStyle/>
+        <a:p>
+          <a:endParaRPr lang="en-US"/>
+        </a:p>
+      </dgm:t>
+    </dgm:pt>
+    <dgm:pt modelId="{73B7E5A5-8633-483C-A304-C9D61FCFF131}">
+      <dgm:prSet phldrT="[Text]" custT="1"/>
+      <dgm:spPr/>
+      <dgm:t>
+        <a:bodyPr/>
+        <a:lstStyle/>
+        <a:p>
+          <a:r>
+            <a:rPr lang="en-US" sz="2400" dirty="0" smtClean="0"/>
+            <a:t>Doctor update medical profile</a:t>
+          </a:r>
+          <a:endParaRPr lang="en-US" sz="2400" dirty="0"/>
+        </a:p>
+      </dgm:t>
+    </dgm:pt>
+    <dgm:pt modelId="{54CC1E88-2C30-4D31-A170-88D174DB608E}" type="parTrans" cxnId="{76534187-6453-497D-8BFC-B1DFBDF9A2AE}">
+      <dgm:prSet/>
+      <dgm:spPr/>
+      <dgm:t>
+        <a:bodyPr/>
+        <a:lstStyle/>
+        <a:p>
+          <a:endParaRPr lang="en-US"/>
+        </a:p>
+      </dgm:t>
+    </dgm:pt>
+    <dgm:pt modelId="{445EAEDA-D026-4317-B29B-DE8DB243F558}" type="sibTrans" cxnId="{76534187-6453-497D-8BFC-B1DFBDF9A2AE}">
+      <dgm:prSet/>
+      <dgm:spPr/>
+      <dgm:t>
+        <a:bodyPr/>
+        <a:lstStyle/>
+        <a:p>
+          <a:endParaRPr lang="en-US"/>
+        </a:p>
+      </dgm:t>
+    </dgm:pt>
+    <dgm:pt modelId="{FECA2A45-D07C-4BC1-B359-A985E376000A}">
+      <dgm:prSet phldrT="[Text]" custT="1"/>
+      <dgm:spPr/>
+      <dgm:t>
+        <a:bodyPr/>
+        <a:lstStyle/>
+        <a:p>
+          <a:r>
+            <a:rPr lang="en-US" sz="2400" dirty="0" smtClean="0"/>
+            <a:t>Patient rates/ comments on doctor</a:t>
+          </a:r>
+          <a:endParaRPr lang="en-US" sz="2400" dirty="0"/>
+        </a:p>
+      </dgm:t>
+    </dgm:pt>
+    <dgm:pt modelId="{B2079717-FBB6-463D-9C43-804C7628F95E}" type="parTrans" cxnId="{603DB4E5-1F6F-44FB-9EA0-98C0DC4DFCC3}">
+      <dgm:prSet/>
+      <dgm:spPr/>
+      <dgm:t>
+        <a:bodyPr/>
+        <a:lstStyle/>
+        <a:p>
+          <a:endParaRPr lang="en-US"/>
+        </a:p>
+      </dgm:t>
+    </dgm:pt>
+    <dgm:pt modelId="{B3922B56-2165-440B-9D3F-EA73CFEA3985}" type="sibTrans" cxnId="{603DB4E5-1F6F-44FB-9EA0-98C0DC4DFCC3}">
+      <dgm:prSet/>
+      <dgm:spPr/>
+      <dgm:t>
+        <a:bodyPr/>
+        <a:lstStyle/>
+        <a:p>
+          <a:endParaRPr lang="en-US"/>
+        </a:p>
+      </dgm:t>
+    </dgm:pt>
+    <dgm:pt modelId="{9966B302-920A-4706-8176-04B8B16EA141}" type="pres">
+      <dgm:prSet presAssocID="{74BEEABD-9DCC-4973-8B52-FF19697848C6}" presName="CompostProcess" presStyleCnt="0">
+        <dgm:presLayoutVars>
+          <dgm:dir/>
+          <dgm:resizeHandles val="exact"/>
+        </dgm:presLayoutVars>
+      </dgm:prSet>
+      <dgm:spPr/>
+    </dgm:pt>
+    <dgm:pt modelId="{99862904-016F-48BE-8B21-79FA89EA9A62}" type="pres">
+      <dgm:prSet presAssocID="{74BEEABD-9DCC-4973-8B52-FF19697848C6}" presName="arrow" presStyleLbl="bgShp" presStyleIdx="0" presStyleCnt="1"/>
+      <dgm:spPr/>
+    </dgm:pt>
+    <dgm:pt modelId="{29F07460-3AF5-4311-870D-0BB388363788}" type="pres">
+      <dgm:prSet presAssocID="{74BEEABD-9DCC-4973-8B52-FF19697848C6}" presName="linearProcess" presStyleCnt="0"/>
+      <dgm:spPr/>
+    </dgm:pt>
+    <dgm:pt modelId="{334D8C23-B8CD-483B-9D9B-9B5B296BFED1}" type="pres">
+      <dgm:prSet presAssocID="{B584BC9B-9628-4C0C-9AF4-0EB30C983203}" presName="textNode" presStyleLbl="node1" presStyleIdx="0" presStyleCnt="4" custScaleY="127411">
+        <dgm:presLayoutVars>
+          <dgm:bulletEnabled val="1"/>
+        </dgm:presLayoutVars>
+      </dgm:prSet>
+      <dgm:spPr/>
+      <dgm:t>
+        <a:bodyPr/>
+        <a:lstStyle/>
+        <a:p>
+          <a:endParaRPr lang="en-US"/>
+        </a:p>
+      </dgm:t>
+    </dgm:pt>
+    <dgm:pt modelId="{4F7A9B1A-9548-4E0C-BFAC-A4462B02CAE2}" type="pres">
+      <dgm:prSet presAssocID="{0F16D5C8-0520-4819-BC68-37E7418341E1}" presName="sibTrans" presStyleCnt="0"/>
+      <dgm:spPr/>
+    </dgm:pt>
+    <dgm:pt modelId="{3BB38D9C-414A-4E63-AD2A-967627B7FAE0}" type="pres">
+      <dgm:prSet presAssocID="{6616C302-4FBB-4BEC-8B98-D62DB14D346D}" presName="textNode" presStyleLbl="node1" presStyleIdx="1" presStyleCnt="4" custScaleY="127411">
+        <dgm:presLayoutVars>
+          <dgm:bulletEnabled val="1"/>
+        </dgm:presLayoutVars>
+      </dgm:prSet>
+      <dgm:spPr/>
+      <dgm:t>
+        <a:bodyPr/>
+        <a:lstStyle/>
+        <a:p>
+          <a:endParaRPr lang="en-US"/>
+        </a:p>
+      </dgm:t>
+    </dgm:pt>
+    <dgm:pt modelId="{70CB1C00-E660-42FD-96D9-CC0E94848B48}" type="pres">
+      <dgm:prSet presAssocID="{F349FE67-9ED9-494B-82F9-B3CA028936B2}" presName="sibTrans" presStyleCnt="0"/>
+      <dgm:spPr/>
+    </dgm:pt>
+    <dgm:pt modelId="{2CC504BD-219C-45BB-A58F-EF48C5857137}" type="pres">
+      <dgm:prSet presAssocID="{73B7E5A5-8633-483C-A304-C9D61FCFF131}" presName="textNode" presStyleLbl="node1" presStyleIdx="2" presStyleCnt="4" custScaleY="127411">
+        <dgm:presLayoutVars>
+          <dgm:bulletEnabled val="1"/>
+        </dgm:presLayoutVars>
+      </dgm:prSet>
+      <dgm:spPr/>
+      <dgm:t>
+        <a:bodyPr/>
+        <a:lstStyle/>
+        <a:p>
+          <a:endParaRPr lang="en-US"/>
+        </a:p>
+      </dgm:t>
+    </dgm:pt>
+    <dgm:pt modelId="{3F87A20D-9620-44FF-A51A-7FD9478ED953}" type="pres">
+      <dgm:prSet presAssocID="{445EAEDA-D026-4317-B29B-DE8DB243F558}" presName="sibTrans" presStyleCnt="0"/>
+      <dgm:spPr/>
+    </dgm:pt>
+    <dgm:pt modelId="{B8629CCD-F097-43BA-8509-63D73B637CB3}" type="pres">
+      <dgm:prSet presAssocID="{FECA2A45-D07C-4BC1-B359-A985E376000A}" presName="textNode" presStyleLbl="node1" presStyleIdx="3" presStyleCnt="4" custScaleX="112486" custScaleY="127411" custLinFactNeighborX="-44978" custLinFactNeighborY="-648">
+        <dgm:presLayoutVars>
+          <dgm:bulletEnabled val="1"/>
+        </dgm:presLayoutVars>
+      </dgm:prSet>
+      <dgm:spPr/>
+      <dgm:t>
+        <a:bodyPr/>
+        <a:lstStyle/>
+        <a:p>
+          <a:endParaRPr lang="en-US"/>
+        </a:p>
+      </dgm:t>
+    </dgm:pt>
+  </dgm:ptLst>
+  <dgm:cxnLst>
+    <dgm:cxn modelId="{FC5F9F73-989B-4E98-9806-F15B7BE4AAAC}" type="presOf" srcId="{6616C302-4FBB-4BEC-8B98-D62DB14D346D}" destId="{3BB38D9C-414A-4E63-AD2A-967627B7FAE0}" srcOrd="0" destOrd="0" presId="urn:microsoft.com/office/officeart/2005/8/layout/hProcess9"/>
+    <dgm:cxn modelId="{3FC2C60C-ABCB-43E4-85F8-EF6E41171DBB}" srcId="{74BEEABD-9DCC-4973-8B52-FF19697848C6}" destId="{6616C302-4FBB-4BEC-8B98-D62DB14D346D}" srcOrd="1" destOrd="0" parTransId="{53F95CF8-0EAE-4421-8A5E-92CCE520DAF2}" sibTransId="{F349FE67-9ED9-494B-82F9-B3CA028936B2}"/>
+    <dgm:cxn modelId="{8C4D410F-6658-4111-B30B-05C9C544007B}" type="presOf" srcId="{73B7E5A5-8633-483C-A304-C9D61FCFF131}" destId="{2CC504BD-219C-45BB-A58F-EF48C5857137}" srcOrd="0" destOrd="0" presId="urn:microsoft.com/office/officeart/2005/8/layout/hProcess9"/>
+    <dgm:cxn modelId="{81AFB6CB-A06B-4004-BEEA-32FE3ECEB42D}" type="presOf" srcId="{74BEEABD-9DCC-4973-8B52-FF19697848C6}" destId="{9966B302-920A-4706-8176-04B8B16EA141}" srcOrd="0" destOrd="0" presId="urn:microsoft.com/office/officeart/2005/8/layout/hProcess9"/>
+    <dgm:cxn modelId="{EF2421B5-98E4-4AFE-90A6-443063155088}" srcId="{74BEEABD-9DCC-4973-8B52-FF19697848C6}" destId="{B584BC9B-9628-4C0C-9AF4-0EB30C983203}" srcOrd="0" destOrd="0" parTransId="{BCE2EEAE-5774-4415-9E4B-87E792938C59}" sibTransId="{0F16D5C8-0520-4819-BC68-37E7418341E1}"/>
+    <dgm:cxn modelId="{11472A0B-68B6-46E0-A78F-E7F9B3E6769B}" type="presOf" srcId="{FECA2A45-D07C-4BC1-B359-A985E376000A}" destId="{B8629CCD-F097-43BA-8509-63D73B637CB3}" srcOrd="0" destOrd="0" presId="urn:microsoft.com/office/officeart/2005/8/layout/hProcess9"/>
+    <dgm:cxn modelId="{603DB4E5-1F6F-44FB-9EA0-98C0DC4DFCC3}" srcId="{74BEEABD-9DCC-4973-8B52-FF19697848C6}" destId="{FECA2A45-D07C-4BC1-B359-A985E376000A}" srcOrd="3" destOrd="0" parTransId="{B2079717-FBB6-463D-9C43-804C7628F95E}" sibTransId="{B3922B56-2165-440B-9D3F-EA73CFEA3985}"/>
+    <dgm:cxn modelId="{DC53F5BE-9881-4B2C-BE98-AC4E539DEB64}" type="presOf" srcId="{B584BC9B-9628-4C0C-9AF4-0EB30C983203}" destId="{334D8C23-B8CD-483B-9D9B-9B5B296BFED1}" srcOrd="0" destOrd="0" presId="urn:microsoft.com/office/officeart/2005/8/layout/hProcess9"/>
+    <dgm:cxn modelId="{76534187-6453-497D-8BFC-B1DFBDF9A2AE}" srcId="{74BEEABD-9DCC-4973-8B52-FF19697848C6}" destId="{73B7E5A5-8633-483C-A304-C9D61FCFF131}" srcOrd="2" destOrd="0" parTransId="{54CC1E88-2C30-4D31-A170-88D174DB608E}" sibTransId="{445EAEDA-D026-4317-B29B-DE8DB243F558}"/>
+    <dgm:cxn modelId="{974875CE-AD9B-4B1A-B567-0692784301FB}" type="presParOf" srcId="{9966B302-920A-4706-8176-04B8B16EA141}" destId="{99862904-016F-48BE-8B21-79FA89EA9A62}" srcOrd="0" destOrd="0" presId="urn:microsoft.com/office/officeart/2005/8/layout/hProcess9"/>
+    <dgm:cxn modelId="{EFB34F37-270E-4C71-8568-89B5890A3B58}" type="presParOf" srcId="{9966B302-920A-4706-8176-04B8B16EA141}" destId="{29F07460-3AF5-4311-870D-0BB388363788}" srcOrd="1" destOrd="0" presId="urn:microsoft.com/office/officeart/2005/8/layout/hProcess9"/>
+    <dgm:cxn modelId="{77715997-056D-422C-A335-69323B886D0E}" type="presParOf" srcId="{29F07460-3AF5-4311-870D-0BB388363788}" destId="{334D8C23-B8CD-483B-9D9B-9B5B296BFED1}" srcOrd="0" destOrd="0" presId="urn:microsoft.com/office/officeart/2005/8/layout/hProcess9"/>
+    <dgm:cxn modelId="{F8E92F33-6E9B-44AE-8B61-7019E07E9FFA}" type="presParOf" srcId="{29F07460-3AF5-4311-870D-0BB388363788}" destId="{4F7A9B1A-9548-4E0C-BFAC-A4462B02CAE2}" srcOrd="1" destOrd="0" presId="urn:microsoft.com/office/officeart/2005/8/layout/hProcess9"/>
+    <dgm:cxn modelId="{AB3F6444-58AE-4E46-B162-043561F5F4C9}" type="presParOf" srcId="{29F07460-3AF5-4311-870D-0BB388363788}" destId="{3BB38D9C-414A-4E63-AD2A-967627B7FAE0}" srcOrd="2" destOrd="0" presId="urn:microsoft.com/office/officeart/2005/8/layout/hProcess9"/>
+    <dgm:cxn modelId="{FF6CCB99-1175-46CC-9B11-B57DFDD450F0}" type="presParOf" srcId="{29F07460-3AF5-4311-870D-0BB388363788}" destId="{70CB1C00-E660-42FD-96D9-CC0E94848B48}" srcOrd="3" destOrd="0" presId="urn:microsoft.com/office/officeart/2005/8/layout/hProcess9"/>
+    <dgm:cxn modelId="{331002BB-F019-4389-9A69-433E332F5438}" type="presParOf" srcId="{29F07460-3AF5-4311-870D-0BB388363788}" destId="{2CC504BD-219C-45BB-A58F-EF48C5857137}" srcOrd="4" destOrd="0" presId="urn:microsoft.com/office/officeart/2005/8/layout/hProcess9"/>
+    <dgm:cxn modelId="{6FFB9188-E567-4361-A577-49F2A479421E}" type="presParOf" srcId="{29F07460-3AF5-4311-870D-0BB388363788}" destId="{3F87A20D-9620-44FF-A51A-7FD9478ED953}" srcOrd="5" destOrd="0" presId="urn:microsoft.com/office/officeart/2005/8/layout/hProcess9"/>
+    <dgm:cxn modelId="{868D8A67-B251-459B-9336-70196C4D022D}" type="presParOf" srcId="{29F07460-3AF5-4311-870D-0BB388363788}" destId="{B8629CCD-F097-43BA-8509-63D73B637CB3}" srcOrd="6" destOrd="0" presId="urn:microsoft.com/office/officeart/2005/8/layout/hProcess9"/>
+  </dgm:cxnLst>
+  <dgm:bg/>
+  <dgm:whole/>
+  <dgm:extLst>
+    <a:ext uri="http://schemas.microsoft.com/office/drawing/2008/diagram">
+      <dsp:dataModelExt xmlns:dsp="http://schemas.microsoft.com/office/drawing/2008/diagram" relId="rId6" minVer="http://schemas.openxmlformats.org/drawingml/2006/diagram"/>
+    </a:ext>
+  </dgm:extLst>
+</dgm:dataModel>
+</file>
+
+<file path=ppt/diagrams/drawing1.xml><?xml version="1.0" encoding="utf-8"?>
+<dsp:drawing xmlns:dgm="http://schemas.openxmlformats.org/drawingml/2006/diagram" xmlns:dsp="http://schemas.microsoft.com/office/drawing/2008/diagram" xmlns:a="http://schemas.openxmlformats.org/drawingml/2006/main">
+  <dsp:spTree>
+    <dsp:nvGrpSpPr>
+      <dsp:cNvPr id="0" name=""/>
+      <dsp:cNvGrpSpPr/>
+    </dsp:nvGrpSpPr>
+    <dsp:grpSpPr/>
+    <dsp:sp modelId="{99862904-016F-48BE-8B21-79FA89EA9A62}">
+      <dsp:nvSpPr>
+        <dsp:cNvPr id="0" name=""/>
+        <dsp:cNvSpPr/>
+      </dsp:nvSpPr>
+      <dsp:spPr>
+        <a:xfrm>
+          <a:off x="617219" y="0"/>
+          <a:ext cx="6995160" cy="4525962"/>
+        </a:xfrm>
+        <a:prstGeom prst="rightArrow">
+          <a:avLst/>
+        </a:prstGeom>
+        <a:solidFill>
+          <a:schemeClr val="accent1">
+            <a:tint val="40000"/>
+            <a:hueOff val="0"/>
+            <a:satOff val="0"/>
+            <a:lumOff val="0"/>
+            <a:alphaOff val="0"/>
+          </a:schemeClr>
+        </a:solidFill>
+        <a:ln>
+          <a:noFill/>
+        </a:ln>
+        <a:effectLst/>
+      </dsp:spPr>
+      <dsp:style>
+        <a:lnRef idx="0">
+          <a:scrgbClr r="0" g="0" b="0"/>
+        </a:lnRef>
+        <a:fillRef idx="1">
+          <a:scrgbClr r="0" g="0" b="0"/>
+        </a:fillRef>
+        <a:effectRef idx="0">
+          <a:scrgbClr r="0" g="0" b="0"/>
+        </a:effectRef>
+        <a:fontRef idx="minor"/>
+      </dsp:style>
+    </dsp:sp>
+    <dsp:sp modelId="{334D8C23-B8CD-483B-9D9B-9B5B296BFED1}">
+      <dsp:nvSpPr>
+        <dsp:cNvPr id="0" name=""/>
+        <dsp:cNvSpPr/>
+      </dsp:nvSpPr>
+      <dsp:spPr>
+        <a:xfrm>
+          <a:off x="8840" y="1357788"/>
+          <a:ext cx="2648902" cy="1810384"/>
+        </a:xfrm>
+        <a:prstGeom prst="roundRect">
+          <a:avLst/>
+        </a:prstGeom>
+        <a:solidFill>
+          <a:schemeClr val="accent1">
+            <a:hueOff val="0"/>
+            <a:satOff val="0"/>
+            <a:lumOff val="0"/>
+            <a:alphaOff val="0"/>
+          </a:schemeClr>
+        </a:solidFill>
+        <a:ln w="55000" cap="flat" cmpd="thickThin" algn="ctr">
+          <a:solidFill>
+            <a:schemeClr val="lt1">
+              <a:hueOff val="0"/>
+              <a:satOff val="0"/>
+              <a:lumOff val="0"/>
+              <a:alphaOff val="0"/>
+            </a:schemeClr>
+          </a:solidFill>
+          <a:prstDash val="solid"/>
+        </a:ln>
+        <a:effectLst/>
+      </dsp:spPr>
+      <dsp:style>
+        <a:lnRef idx="2">
+          <a:scrgbClr r="0" g="0" b="0"/>
+        </a:lnRef>
+        <a:fillRef idx="1">
+          <a:scrgbClr r="0" g="0" b="0"/>
+        </a:fillRef>
+        <a:effectRef idx="0">
+          <a:scrgbClr r="0" g="0" b="0"/>
+        </a:effectRef>
+        <a:fontRef idx="minor">
+          <a:schemeClr val="lt1"/>
+        </a:fontRef>
+      </dsp:style>
+      <dsp:txBody>
+        <a:bodyPr spcFirstLastPara="0" vert="horz" wrap="square" lIns="91440" tIns="91440" rIns="91440" bIns="91440" numCol="1" spcCol="1270" anchor="ctr" anchorCtr="0">
+          <a:noAutofit/>
+        </a:bodyPr>
+        <a:lstStyle/>
+        <a:p>
+          <a:pPr lvl="0" algn="ctr" defTabSz="1066800">
+            <a:lnSpc>
+              <a:spcPct val="90000"/>
+            </a:lnSpc>
+            <a:spcBef>
+              <a:spcPct val="0"/>
+            </a:spcBef>
+            <a:spcAft>
+              <a:spcPct val="35000"/>
+            </a:spcAft>
+          </a:pPr>
+          <a:r>
+            <a:rPr lang="en-US" sz="2400" kern="1200" dirty="0" smtClean="0"/>
+            <a:t>Admin defines medical profile template</a:t>
+          </a:r>
+          <a:endParaRPr lang="en-US" sz="2400" kern="1200" dirty="0"/>
+        </a:p>
+      </dsp:txBody>
+      <dsp:txXfrm>
+        <a:off x="97216" y="1446164"/>
+        <a:ext cx="2472150" cy="1633632"/>
+      </dsp:txXfrm>
+    </dsp:sp>
+    <dsp:sp modelId="{3BB38D9C-414A-4E63-AD2A-967627B7FAE0}">
+      <dsp:nvSpPr>
+        <dsp:cNvPr id="0" name=""/>
+        <dsp:cNvSpPr/>
+      </dsp:nvSpPr>
+      <dsp:spPr>
+        <a:xfrm>
+          <a:off x="2790348" y="1357788"/>
+          <a:ext cx="2648902" cy="1810384"/>
+        </a:xfrm>
+        <a:prstGeom prst="roundRect">
+          <a:avLst/>
+        </a:prstGeom>
+        <a:solidFill>
+          <a:schemeClr val="accent1">
+            <a:hueOff val="0"/>
+            <a:satOff val="0"/>
+            <a:lumOff val="0"/>
+            <a:alphaOff val="0"/>
+          </a:schemeClr>
+        </a:solidFill>
+        <a:ln w="55000" cap="flat" cmpd="thickThin" algn="ctr">
+          <a:solidFill>
+            <a:schemeClr val="lt1">
+              <a:hueOff val="0"/>
+              <a:satOff val="0"/>
+              <a:lumOff val="0"/>
+              <a:alphaOff val="0"/>
+            </a:schemeClr>
+          </a:solidFill>
+          <a:prstDash val="solid"/>
+        </a:ln>
+        <a:effectLst/>
+      </dsp:spPr>
+      <dsp:style>
+        <a:lnRef idx="2">
+          <a:scrgbClr r="0" g="0" b="0"/>
+        </a:lnRef>
+        <a:fillRef idx="1">
+          <a:scrgbClr r="0" g="0" b="0"/>
+        </a:fillRef>
+        <a:effectRef idx="0">
+          <a:scrgbClr r="0" g="0" b="0"/>
+        </a:effectRef>
+        <a:fontRef idx="minor">
+          <a:schemeClr val="lt1"/>
+        </a:fontRef>
+      </dsp:style>
+      <dsp:txBody>
+        <a:bodyPr spcFirstLastPara="0" vert="horz" wrap="square" lIns="91440" tIns="91440" rIns="91440" bIns="91440" numCol="1" spcCol="1270" anchor="ctr" anchorCtr="0">
+          <a:noAutofit/>
+        </a:bodyPr>
+        <a:lstStyle/>
+        <a:p>
+          <a:pPr lvl="0" algn="ctr" defTabSz="1066800">
+            <a:lnSpc>
+              <a:spcPct val="90000"/>
+            </a:lnSpc>
+            <a:spcBef>
+              <a:spcPct val="0"/>
+            </a:spcBef>
+            <a:spcAft>
+              <a:spcPct val="35000"/>
+            </a:spcAft>
+          </a:pPr>
+          <a:r>
+            <a:rPr lang="en-US" sz="2400" kern="1200" dirty="0" smtClean="0"/>
+            <a:t>Doctor creates medical profile for patient</a:t>
+          </a:r>
+          <a:endParaRPr lang="en-US" sz="2400" kern="1200" dirty="0"/>
+        </a:p>
+      </dsp:txBody>
+      <dsp:txXfrm>
+        <a:off x="2878724" y="1446164"/>
+        <a:ext cx="2472150" cy="1633632"/>
+      </dsp:txXfrm>
+    </dsp:sp>
+    <dsp:sp modelId="{2CC504BD-219C-45BB-A58F-EF48C5857137}">
+      <dsp:nvSpPr>
+        <dsp:cNvPr id="0" name=""/>
+        <dsp:cNvSpPr/>
+      </dsp:nvSpPr>
+      <dsp:spPr>
+        <a:xfrm>
+          <a:off x="5571857" y="1357788"/>
+          <a:ext cx="2648902" cy="1810384"/>
+        </a:xfrm>
+        <a:prstGeom prst="roundRect">
+          <a:avLst/>
+        </a:prstGeom>
+        <a:solidFill>
+          <a:schemeClr val="accent1">
+            <a:hueOff val="0"/>
+            <a:satOff val="0"/>
+            <a:lumOff val="0"/>
+            <a:alphaOff val="0"/>
+          </a:schemeClr>
+        </a:solidFill>
+        <a:ln w="55000" cap="flat" cmpd="thickThin" algn="ctr">
+          <a:solidFill>
+            <a:schemeClr val="lt1">
+              <a:hueOff val="0"/>
+              <a:satOff val="0"/>
+              <a:lumOff val="0"/>
+              <a:alphaOff val="0"/>
+            </a:schemeClr>
+          </a:solidFill>
+          <a:prstDash val="solid"/>
+        </a:ln>
+        <a:effectLst/>
+      </dsp:spPr>
+      <dsp:style>
+        <a:lnRef idx="2">
+          <a:scrgbClr r="0" g="0" b="0"/>
+        </a:lnRef>
+        <a:fillRef idx="1">
+          <a:scrgbClr r="0" g="0" b="0"/>
+        </a:fillRef>
+        <a:effectRef idx="0">
+          <a:scrgbClr r="0" g="0" b="0"/>
+        </a:effectRef>
+        <a:fontRef idx="minor">
+          <a:schemeClr val="lt1"/>
+        </a:fontRef>
+      </dsp:style>
+      <dsp:txBody>
+        <a:bodyPr spcFirstLastPara="0" vert="horz" wrap="square" lIns="91440" tIns="91440" rIns="91440" bIns="91440" numCol="1" spcCol="1270" anchor="ctr" anchorCtr="0">
+          <a:noAutofit/>
+        </a:bodyPr>
+        <a:lstStyle/>
+        <a:p>
+          <a:pPr lvl="0" algn="ctr" defTabSz="1066800">
+            <a:lnSpc>
+              <a:spcPct val="90000"/>
+            </a:lnSpc>
+            <a:spcBef>
+              <a:spcPct val="0"/>
+            </a:spcBef>
+            <a:spcAft>
+              <a:spcPct val="35000"/>
+            </a:spcAft>
+          </a:pPr>
+          <a:r>
+            <a:rPr lang="en-US" sz="2400" kern="1200" dirty="0" smtClean="0"/>
+            <a:t>Patient views medical profile</a:t>
+          </a:r>
+          <a:endParaRPr lang="en-US" sz="2400" kern="1200" dirty="0"/>
+        </a:p>
+      </dsp:txBody>
+      <dsp:txXfrm>
+        <a:off x="5660233" y="1446164"/>
+        <a:ext cx="2472150" cy="1633632"/>
+      </dsp:txXfrm>
+    </dsp:sp>
+  </dsp:spTree>
+</dsp:drawing>
+</file>
+
+<file path=ppt/diagrams/drawing2.xml><?xml version="1.0" encoding="utf-8"?>
+<dsp:drawing xmlns:dgm="http://schemas.openxmlformats.org/drawingml/2006/diagram" xmlns:dsp="http://schemas.microsoft.com/office/drawing/2008/diagram" xmlns:a="http://schemas.openxmlformats.org/drawingml/2006/main">
+  <dsp:spTree>
+    <dsp:nvGrpSpPr>
+      <dsp:cNvPr id="0" name=""/>
+      <dsp:cNvGrpSpPr/>
+    </dsp:nvGrpSpPr>
+    <dsp:grpSpPr/>
+    <dsp:sp modelId="{99862904-016F-48BE-8B21-79FA89EA9A62}">
+      <dsp:nvSpPr>
+        <dsp:cNvPr id="0" name=""/>
+        <dsp:cNvSpPr/>
+      </dsp:nvSpPr>
+      <dsp:spPr>
+        <a:xfrm>
+          <a:off x="617219" y="0"/>
+          <a:ext cx="6995160" cy="4711700"/>
+        </a:xfrm>
+        <a:prstGeom prst="rightArrow">
+          <a:avLst/>
+        </a:prstGeom>
+        <a:solidFill>
+          <a:schemeClr val="accent1">
+            <a:tint val="40000"/>
+            <a:hueOff val="0"/>
+            <a:satOff val="0"/>
+            <a:lumOff val="0"/>
+            <a:alphaOff val="0"/>
+          </a:schemeClr>
+        </a:solidFill>
+        <a:ln>
+          <a:noFill/>
+        </a:ln>
+        <a:effectLst/>
+      </dsp:spPr>
+      <dsp:style>
+        <a:lnRef idx="0">
+          <a:scrgbClr r="0" g="0" b="0"/>
+        </a:lnRef>
+        <a:fillRef idx="1">
+          <a:scrgbClr r="0" g="0" b="0"/>
+        </a:fillRef>
+        <a:effectRef idx="0">
+          <a:scrgbClr r="0" g="0" b="0"/>
+        </a:effectRef>
+        <a:fontRef idx="minor"/>
+      </dsp:style>
+    </dsp:sp>
+    <dsp:sp modelId="{334D8C23-B8CD-483B-9D9B-9B5B296BFED1}">
+      <dsp:nvSpPr>
+        <dsp:cNvPr id="0" name=""/>
+        <dsp:cNvSpPr/>
+      </dsp:nvSpPr>
+      <dsp:spPr>
+        <a:xfrm>
+          <a:off x="5782" y="1155205"/>
+          <a:ext cx="1790078" cy="2401289"/>
+        </a:xfrm>
+        <a:prstGeom prst="roundRect">
+          <a:avLst/>
+        </a:prstGeom>
+        <a:solidFill>
+          <a:schemeClr val="accent1">
+            <a:hueOff val="0"/>
+            <a:satOff val="0"/>
+            <a:lumOff val="0"/>
+            <a:alphaOff val="0"/>
+          </a:schemeClr>
+        </a:solidFill>
+        <a:ln w="55000" cap="flat" cmpd="thickThin" algn="ctr">
+          <a:solidFill>
+            <a:schemeClr val="lt1">
+              <a:hueOff val="0"/>
+              <a:satOff val="0"/>
+              <a:lumOff val="0"/>
+              <a:alphaOff val="0"/>
+            </a:schemeClr>
+          </a:solidFill>
+          <a:prstDash val="solid"/>
+        </a:ln>
+        <a:effectLst/>
+      </dsp:spPr>
+      <dsp:style>
+        <a:lnRef idx="2">
+          <a:scrgbClr r="0" g="0" b="0"/>
+        </a:lnRef>
+        <a:fillRef idx="1">
+          <a:scrgbClr r="0" g="0" b="0"/>
+        </a:fillRef>
+        <a:effectRef idx="0">
+          <a:scrgbClr r="0" g="0" b="0"/>
+        </a:effectRef>
+        <a:fontRef idx="minor">
+          <a:schemeClr val="lt1"/>
+        </a:fontRef>
+      </dsp:style>
+      <dsp:txBody>
+        <a:bodyPr spcFirstLastPara="0" vert="horz" wrap="square" lIns="91440" tIns="91440" rIns="91440" bIns="91440" numCol="1" spcCol="1270" anchor="ctr" anchorCtr="0">
+          <a:noAutofit/>
+        </a:bodyPr>
+        <a:lstStyle/>
+        <a:p>
+          <a:pPr lvl="0" algn="ctr" defTabSz="1066800">
+            <a:lnSpc>
+              <a:spcPct val="90000"/>
+            </a:lnSpc>
+            <a:spcBef>
+              <a:spcPct val="0"/>
+            </a:spcBef>
+            <a:spcAft>
+              <a:spcPct val="35000"/>
+            </a:spcAft>
+          </a:pPr>
+          <a:r>
+            <a:rPr lang="en-US" sz="2400" kern="1200" dirty="0" smtClean="0"/>
+            <a:t>Patient requests chatting with doctor</a:t>
+          </a:r>
+          <a:endParaRPr lang="en-US" sz="2400" kern="1200" dirty="0"/>
+        </a:p>
+      </dsp:txBody>
+      <dsp:txXfrm>
+        <a:off x="93166" y="1242589"/>
+        <a:ext cx="1615310" cy="2226521"/>
+      </dsp:txXfrm>
+    </dsp:sp>
+    <dsp:sp modelId="{3BB38D9C-414A-4E63-AD2A-967627B7FAE0}">
+      <dsp:nvSpPr>
+        <dsp:cNvPr id="0" name=""/>
+        <dsp:cNvSpPr/>
+      </dsp:nvSpPr>
+      <dsp:spPr>
+        <a:xfrm>
+          <a:off x="2073931" y="1155205"/>
+          <a:ext cx="1790078" cy="2401289"/>
+        </a:xfrm>
+        <a:prstGeom prst="roundRect">
+          <a:avLst/>
+        </a:prstGeom>
+        <a:solidFill>
+          <a:schemeClr val="accent1">
+            <a:hueOff val="0"/>
+            <a:satOff val="0"/>
+            <a:lumOff val="0"/>
+            <a:alphaOff val="0"/>
+          </a:schemeClr>
+        </a:solidFill>
+        <a:ln w="55000" cap="flat" cmpd="thickThin" algn="ctr">
+          <a:solidFill>
+            <a:schemeClr val="lt1">
+              <a:hueOff val="0"/>
+              <a:satOff val="0"/>
+              <a:lumOff val="0"/>
+              <a:alphaOff val="0"/>
+            </a:schemeClr>
+          </a:solidFill>
+          <a:prstDash val="solid"/>
+        </a:ln>
+        <a:effectLst/>
+      </dsp:spPr>
+      <dsp:style>
+        <a:lnRef idx="2">
+          <a:scrgbClr r="0" g="0" b="0"/>
+        </a:lnRef>
+        <a:fillRef idx="1">
+          <a:scrgbClr r="0" g="0" b="0"/>
+        </a:fillRef>
+        <a:effectRef idx="0">
+          <a:scrgbClr r="0" g="0" b="0"/>
+        </a:effectRef>
+        <a:fontRef idx="minor">
+          <a:schemeClr val="lt1"/>
+        </a:fontRef>
+      </dsp:style>
+      <dsp:txBody>
+        <a:bodyPr spcFirstLastPara="0" vert="horz" wrap="square" lIns="91440" tIns="91440" rIns="91440" bIns="91440" numCol="1" spcCol="1270" anchor="ctr" anchorCtr="0">
+          <a:noAutofit/>
+        </a:bodyPr>
+        <a:lstStyle/>
+        <a:p>
+          <a:pPr lvl="0" algn="ctr" defTabSz="1066800">
+            <a:lnSpc>
+              <a:spcPct val="90000"/>
+            </a:lnSpc>
+            <a:spcBef>
+              <a:spcPct val="0"/>
+            </a:spcBef>
+            <a:spcAft>
+              <a:spcPct val="35000"/>
+            </a:spcAft>
+          </a:pPr>
+          <a:r>
+            <a:rPr lang="en-US" sz="2400" kern="1200" dirty="0" smtClean="0"/>
+            <a:t>Doctor replies with patient</a:t>
+          </a:r>
+          <a:endParaRPr lang="en-US" sz="2400" kern="1200" dirty="0"/>
+        </a:p>
+      </dsp:txBody>
+      <dsp:txXfrm>
+        <a:off x="2161315" y="1242589"/>
+        <a:ext cx="1615310" cy="2226521"/>
+      </dsp:txXfrm>
+    </dsp:sp>
+    <dsp:sp modelId="{2CC504BD-219C-45BB-A58F-EF48C5857137}">
+      <dsp:nvSpPr>
+        <dsp:cNvPr id="0" name=""/>
+        <dsp:cNvSpPr/>
+      </dsp:nvSpPr>
+      <dsp:spPr>
+        <a:xfrm>
+          <a:off x="4142080" y="1155205"/>
+          <a:ext cx="1790078" cy="2401289"/>
+        </a:xfrm>
+        <a:prstGeom prst="roundRect">
+          <a:avLst/>
+        </a:prstGeom>
+        <a:solidFill>
+          <a:schemeClr val="accent1">
+            <a:hueOff val="0"/>
+            <a:satOff val="0"/>
+            <a:lumOff val="0"/>
+            <a:alphaOff val="0"/>
+          </a:schemeClr>
+        </a:solidFill>
+        <a:ln w="55000" cap="flat" cmpd="thickThin" algn="ctr">
+          <a:solidFill>
+            <a:schemeClr val="lt1">
+              <a:hueOff val="0"/>
+              <a:satOff val="0"/>
+              <a:lumOff val="0"/>
+              <a:alphaOff val="0"/>
+            </a:schemeClr>
+          </a:solidFill>
+          <a:prstDash val="solid"/>
+        </a:ln>
+        <a:effectLst/>
+      </dsp:spPr>
+      <dsp:style>
+        <a:lnRef idx="2">
+          <a:scrgbClr r="0" g="0" b="0"/>
+        </a:lnRef>
+        <a:fillRef idx="1">
+          <a:scrgbClr r="0" g="0" b="0"/>
+        </a:fillRef>
+        <a:effectRef idx="0">
+          <a:scrgbClr r="0" g="0" b="0"/>
+        </a:effectRef>
+        <a:fontRef idx="minor">
+          <a:schemeClr val="lt1"/>
+        </a:fontRef>
+      </dsp:style>
+      <dsp:txBody>
+        <a:bodyPr spcFirstLastPara="0" vert="horz" wrap="square" lIns="91440" tIns="91440" rIns="91440" bIns="91440" numCol="1" spcCol="1270" anchor="ctr" anchorCtr="0">
+          <a:noAutofit/>
+        </a:bodyPr>
+        <a:lstStyle/>
+        <a:p>
+          <a:pPr lvl="0" algn="ctr" defTabSz="1066800">
+            <a:lnSpc>
+              <a:spcPct val="90000"/>
+            </a:lnSpc>
+            <a:spcBef>
+              <a:spcPct val="0"/>
+            </a:spcBef>
+            <a:spcAft>
+              <a:spcPct val="35000"/>
+            </a:spcAft>
+          </a:pPr>
+          <a:r>
+            <a:rPr lang="en-US" sz="2400" kern="1200" dirty="0" smtClean="0"/>
+            <a:t>Doctor update medical profile</a:t>
+          </a:r>
+          <a:endParaRPr lang="en-US" sz="2400" kern="1200" dirty="0"/>
+        </a:p>
+      </dsp:txBody>
+      <dsp:txXfrm>
+        <a:off x="4229464" y="1242589"/>
+        <a:ext cx="1615310" cy="2226521"/>
+      </dsp:txXfrm>
+    </dsp:sp>
+    <dsp:sp modelId="{B8629CCD-F097-43BA-8509-63D73B637CB3}">
+      <dsp:nvSpPr>
+        <dsp:cNvPr id="0" name=""/>
+        <dsp:cNvSpPr/>
+      </dsp:nvSpPr>
+      <dsp:spPr>
+        <a:xfrm>
+          <a:off x="6085159" y="1142992"/>
+          <a:ext cx="2013587" cy="2401289"/>
+        </a:xfrm>
+        <a:prstGeom prst="roundRect">
+          <a:avLst/>
+        </a:prstGeom>
+        <a:solidFill>
+          <a:schemeClr val="accent1">
+            <a:hueOff val="0"/>
+            <a:satOff val="0"/>
+            <a:lumOff val="0"/>
+            <a:alphaOff val="0"/>
+          </a:schemeClr>
+        </a:solidFill>
+        <a:ln w="55000" cap="flat" cmpd="thickThin" algn="ctr">
+          <a:solidFill>
+            <a:schemeClr val="lt1">
+              <a:hueOff val="0"/>
+              <a:satOff val="0"/>
+              <a:lumOff val="0"/>
+              <a:alphaOff val="0"/>
+            </a:schemeClr>
+          </a:solidFill>
+          <a:prstDash val="solid"/>
+        </a:ln>
+        <a:effectLst/>
+      </dsp:spPr>
+      <dsp:style>
+        <a:lnRef idx="2">
+          <a:scrgbClr r="0" g="0" b="0"/>
+        </a:lnRef>
+        <a:fillRef idx="1">
+          <a:scrgbClr r="0" g="0" b="0"/>
+        </a:fillRef>
+        <a:effectRef idx="0">
+          <a:scrgbClr r="0" g="0" b="0"/>
+        </a:effectRef>
+        <a:fontRef idx="minor">
+          <a:schemeClr val="lt1"/>
+        </a:fontRef>
+      </dsp:style>
+      <dsp:txBody>
+        <a:bodyPr spcFirstLastPara="0" vert="horz" wrap="square" lIns="91440" tIns="91440" rIns="91440" bIns="91440" numCol="1" spcCol="1270" anchor="ctr" anchorCtr="0">
+          <a:noAutofit/>
+        </a:bodyPr>
+        <a:lstStyle/>
+        <a:p>
+          <a:pPr lvl="0" algn="ctr" defTabSz="1066800">
+            <a:lnSpc>
+              <a:spcPct val="90000"/>
+            </a:lnSpc>
+            <a:spcBef>
+              <a:spcPct val="0"/>
+            </a:spcBef>
+            <a:spcAft>
+              <a:spcPct val="35000"/>
+            </a:spcAft>
+          </a:pPr>
+          <a:r>
+            <a:rPr lang="en-US" sz="2400" kern="1200" dirty="0" smtClean="0"/>
+            <a:t>Patient rates/ comments on doctor</a:t>
+          </a:r>
+          <a:endParaRPr lang="en-US" sz="2400" kern="1200" dirty="0"/>
+        </a:p>
+      </dsp:txBody>
+      <dsp:txXfrm>
+        <a:off x="6183454" y="1241287"/>
+        <a:ext cx="1816997" cy="2204699"/>
+      </dsp:txXfrm>
+    </dsp:sp>
+  </dsp:spTree>
+</dsp:drawing>
+</file>
+
+<file path=ppt/diagrams/layout1.xml><?xml version="1.0" encoding="utf-8"?>
+<dgm:layoutDef xmlns:dgm="http://schemas.openxmlformats.org/drawingml/2006/diagram" xmlns:a="http://schemas.openxmlformats.org/drawingml/2006/main" uniqueId="urn:microsoft.com/office/officeart/2005/8/layout/hProcess9">
+  <dgm:title val=""/>
+  <dgm:desc val=""/>
+  <dgm:catLst>
+    <dgm:cat type="process" pri="5000"/>
+    <dgm:cat type="convert" pri="13000"/>
+  </dgm:catLst>
+  <dgm:sampData useDef="1">
+    <dgm:dataModel>
+      <dgm:ptLst/>
+      <dgm:bg/>
+      <dgm:whole/>
+    </dgm:dataModel>
+  </dgm:sampData>
+  <dgm:styleData>
+    <dgm:dataModel>
+      <dgm:ptLst>
+        <dgm:pt modelId="0" type="doc"/>
+        <dgm:pt modelId="1"/>
+        <dgm:pt modelId="2"/>
+      </dgm:ptLst>
+      <dgm:cxnLst>
+        <dgm:cxn modelId="3" srcId="0" destId="1" srcOrd="0" destOrd="0"/>
+        <dgm:cxn modelId="4" srcId="0" destId="2" srcOrd="1" destOrd="0"/>
+      </dgm:cxnLst>
+      <dgm:bg/>
+      <dgm:whole/>
+    </dgm:dataModel>
+  </dgm:styleData>
+  <dgm:clrData>
+    <dgm:dataModel>
+      <dgm:ptLst>
+        <dgm:pt modelId="0" type="doc"/>
+        <dgm:pt modelId="1"/>
+        <dgm:pt modelId="2"/>
+        <dgm:pt modelId="3"/>
+        <dgm:pt modelId="4"/>
+      </dgm:ptLst>
+      <dgm:cxnLst>
+        <dgm:cxn modelId="5" srcId="0" destId="1" srcOrd="0" destOrd="0"/>
+        <dgm:cxn modelId="6" srcId="0" destId="2" srcOrd="1" destOrd="0"/>
+        <dgm:cxn modelId="7" srcId="0" destId="3" srcOrd="2" destOrd="0"/>
+        <dgm:cxn modelId="8" srcId="0" destId="4" srcOrd="3" destOrd="0"/>
+      </dgm:cxnLst>
+      <dgm:bg/>
+      <dgm:whole/>
+    </dgm:dataModel>
+  </dgm:clrData>
+  <dgm:layoutNode name="CompostProcess">
+    <dgm:varLst>
+      <dgm:dir/>
+      <dgm:resizeHandles val="exact"/>
+    </dgm:varLst>
+    <dgm:alg type="composite">
+      <dgm:param type="horzAlign" val="ctr"/>
+      <dgm:param type="vertAlign" val="mid"/>
+    </dgm:alg>
+    <dgm:shape xmlns:r="http://schemas.openxmlformats.org/officeDocument/2006/relationships" r:blip="">
+      <dgm:adjLst/>
+    </dgm:shape>
+    <dgm:presOf/>
+    <dgm:constrLst>
+      <dgm:constr type="w" for="ch" forName="arrow" refType="w" fact="0.85"/>
+      <dgm:constr type="h" for="ch" forName="arrow" refType="h"/>
+      <dgm:constr type="ctrX" for="ch" forName="arrow" refType="w" fact="0.5"/>
+      <dgm:constr type="ctrY" for="ch" forName="arrow" refType="h" fact="0.5"/>
+      <dgm:constr type="w" for="ch" forName="linearProcess" refType="w"/>
+      <dgm:constr type="h" for="ch" forName="linearProcess" refType="h" fact="0.4"/>
+      <dgm:constr type="ctrX" for="ch" forName="linearProcess" refType="w" fact="0.5"/>
+      <dgm:constr type="ctrY" for="ch" forName="linearProcess" refType="h" fact="0.5"/>
+    </dgm:constrLst>
+    <dgm:ruleLst/>
+    <dgm:layoutNode name="arrow" styleLbl="bgShp">
+      <dgm:alg type="sp"/>
+      <dgm:choose name="Name0">
+        <dgm:if name="Name1" func="var" arg="dir" op="equ" val="norm">
+          <dgm:shape xmlns:r="http://schemas.openxmlformats.org/officeDocument/2006/relationships" type="rightArrow" r:blip="">
+            <dgm:adjLst/>
+          </dgm:shape>
+        </dgm:if>
+        <dgm:else name="Name2">
+          <dgm:shape xmlns:r="http://schemas.openxmlformats.org/officeDocument/2006/relationships" type="leftArrow" r:blip="">
+            <dgm:adjLst/>
+          </dgm:shape>
+        </dgm:else>
+      </dgm:choose>
+      <dgm:presOf/>
+      <dgm:constrLst/>
+      <dgm:ruleLst/>
+    </dgm:layoutNode>
+    <dgm:layoutNode name="linearProcess">
+      <dgm:choose name="Name3">
+        <dgm:if name="Name4" func="var" arg="dir" op="equ" val="norm">
+          <dgm:alg type="lin"/>
+        </dgm:if>
+        <dgm:else name="Name5">
+          <dgm:alg type="lin">
+            <dgm:param type="linDir" val="fromR"/>
+          </dgm:alg>
+        </dgm:else>
+      </dgm:choose>
+      <dgm:shape xmlns:r="http://schemas.openxmlformats.org/officeDocument/2006/relationships" r:blip="">
+        <dgm:adjLst/>
+      </dgm:shape>
+      <dgm:presOf/>
+      <dgm:constrLst>
+        <dgm:constr type="userA" for="ch" ptType="node" refType="w"/>
+        <dgm:constr type="h" for="ch" ptType="node" refType="h"/>
+        <dgm:constr type="w" for="ch" ptType="node" op="equ"/>
+        <dgm:constr type="w" for="ch" forName="sibTrans" refType="w" fact="0.05"/>
+        <dgm:constr type="primFontSz" for="ch" ptType="node" op="equ" val="65"/>
+      </dgm:constrLst>
+      <dgm:ruleLst/>
+      <dgm:forEach name="Name6" axis="ch" ptType="node">
+        <dgm:layoutNode name="textNode" styleLbl="node1">
+          <dgm:varLst>
+            <dgm:bulletEnabled val="1"/>
+          </dgm:varLst>
+          <dgm:alg type="tx"/>
+          <dgm:shape xmlns:r="http://schemas.openxmlformats.org/officeDocument/2006/relationships" type="roundRect" r:blip="">
+            <dgm:adjLst/>
+          </dgm:shape>
+          <dgm:presOf axis="desOrSelf" ptType="node"/>
+          <dgm:constrLst>
+            <dgm:constr type="userA"/>
+            <dgm:constr type="w" refType="userA" fact="0.3"/>
+            <dgm:constr type="tMarg" refType="primFontSz" fact="0.3"/>
+            <dgm:constr type="bMarg" refType="primFontSz" fact="0.3"/>
+            <dgm:constr type="lMarg" refType="primFontSz" fact="0.3"/>
+            <dgm:constr type="rMarg" refType="primFontSz" fact="0.3"/>
+          </dgm:constrLst>
+          <dgm:ruleLst>
+            <dgm:rule type="w" val="NaN" fact="1" max="NaN"/>
+            <dgm:rule type="primFontSz" val="5" fact="NaN" max="NaN"/>
+          </dgm:ruleLst>
+        </dgm:layoutNode>
+        <dgm:forEach name="Name7" axis="followSib" ptType="sibTrans" cnt="1">
+          <dgm:layoutNode name="sibTrans">
+            <dgm:alg type="sp"/>
+            <dgm:shape xmlns:r="http://schemas.openxmlformats.org/officeDocument/2006/relationships" r:blip="">
+              <dgm:adjLst/>
+            </dgm:shape>
+            <dgm:presOf/>
+            <dgm:constrLst/>
+            <dgm:ruleLst/>
+          </dgm:layoutNode>
+        </dgm:forEach>
+      </dgm:forEach>
+    </dgm:layoutNode>
+  </dgm:layoutNode>
+</dgm:layoutDef>
+</file>
+
+<file path=ppt/diagrams/layout2.xml><?xml version="1.0" encoding="utf-8"?>
+<dgm:layoutDef xmlns:dgm="http://schemas.openxmlformats.org/drawingml/2006/diagram" xmlns:a="http://schemas.openxmlformats.org/drawingml/2006/main" uniqueId="urn:microsoft.com/office/officeart/2005/8/layout/hProcess9">
+  <dgm:title val=""/>
+  <dgm:desc val=""/>
+  <dgm:catLst>
+    <dgm:cat type="process" pri="5000"/>
+    <dgm:cat type="convert" pri="13000"/>
+  </dgm:catLst>
+  <dgm:sampData useDef="1">
+    <dgm:dataModel>
+      <dgm:ptLst/>
+      <dgm:bg/>
+      <dgm:whole/>
+    </dgm:dataModel>
+  </dgm:sampData>
+  <dgm:styleData>
+    <dgm:dataModel>
+      <dgm:ptLst>
+        <dgm:pt modelId="0" type="doc"/>
+        <dgm:pt modelId="1"/>
+        <dgm:pt modelId="2"/>
+      </dgm:ptLst>
+      <dgm:cxnLst>
+        <dgm:cxn modelId="3" srcId="0" destId="1" srcOrd="0" destOrd="0"/>
+        <dgm:cxn modelId="4" srcId="0" destId="2" srcOrd="1" destOrd="0"/>
+      </dgm:cxnLst>
+      <dgm:bg/>
+      <dgm:whole/>
+    </dgm:dataModel>
+  </dgm:styleData>
+  <dgm:clrData>
+    <dgm:dataModel>
+      <dgm:ptLst>
+        <dgm:pt modelId="0" type="doc"/>
+        <dgm:pt modelId="1"/>
+        <dgm:pt modelId="2"/>
+        <dgm:pt modelId="3"/>
+        <dgm:pt modelId="4"/>
+      </dgm:ptLst>
+      <dgm:cxnLst>
+        <dgm:cxn modelId="5" srcId="0" destId="1" srcOrd="0" destOrd="0"/>
+        <dgm:cxn modelId="6" srcId="0" destId="2" srcOrd="1" destOrd="0"/>
+        <dgm:cxn modelId="7" srcId="0" destId="3" srcOrd="2" destOrd="0"/>
+        <dgm:cxn modelId="8" srcId="0" destId="4" srcOrd="3" destOrd="0"/>
+      </dgm:cxnLst>
+      <dgm:bg/>
+      <dgm:whole/>
+    </dgm:dataModel>
+  </dgm:clrData>
+  <dgm:layoutNode name="CompostProcess">
+    <dgm:varLst>
+      <dgm:dir/>
+      <dgm:resizeHandles val="exact"/>
+    </dgm:varLst>
+    <dgm:alg type="composite">
+      <dgm:param type="horzAlign" val="ctr"/>
+      <dgm:param type="vertAlign" val="mid"/>
+    </dgm:alg>
+    <dgm:shape xmlns:r="http://schemas.openxmlformats.org/officeDocument/2006/relationships" r:blip="">
+      <dgm:adjLst/>
+    </dgm:shape>
+    <dgm:presOf/>
+    <dgm:constrLst>
+      <dgm:constr type="w" for="ch" forName="arrow" refType="w" fact="0.85"/>
+      <dgm:constr type="h" for="ch" forName="arrow" refType="h"/>
+      <dgm:constr type="ctrX" for="ch" forName="arrow" refType="w" fact="0.5"/>
+      <dgm:constr type="ctrY" for="ch" forName="arrow" refType="h" fact="0.5"/>
+      <dgm:constr type="w" for="ch" forName="linearProcess" refType="w"/>
+      <dgm:constr type="h" for="ch" forName="linearProcess" refType="h" fact="0.4"/>
+      <dgm:constr type="ctrX" for="ch" forName="linearProcess" refType="w" fact="0.5"/>
+      <dgm:constr type="ctrY" for="ch" forName="linearProcess" refType="h" fact="0.5"/>
+    </dgm:constrLst>
+    <dgm:ruleLst/>
+    <dgm:layoutNode name="arrow" styleLbl="bgShp">
+      <dgm:alg type="sp"/>
+      <dgm:choose name="Name0">
+        <dgm:if name="Name1" func="var" arg="dir" op="equ" val="norm">
+          <dgm:shape xmlns:r="http://schemas.openxmlformats.org/officeDocument/2006/relationships" type="rightArrow" r:blip="">
+            <dgm:adjLst/>
+          </dgm:shape>
+        </dgm:if>
+        <dgm:else name="Name2">
+          <dgm:shape xmlns:r="http://schemas.openxmlformats.org/officeDocument/2006/relationships" type="leftArrow" r:blip="">
+            <dgm:adjLst/>
+          </dgm:shape>
+        </dgm:else>
+      </dgm:choose>
+      <dgm:presOf/>
+      <dgm:constrLst/>
+      <dgm:ruleLst/>
+    </dgm:layoutNode>
+    <dgm:layoutNode name="linearProcess">
+      <dgm:choose name="Name3">
+        <dgm:if name="Name4" func="var" arg="dir" op="equ" val="norm">
+          <dgm:alg type="lin"/>
+        </dgm:if>
+        <dgm:else name="Name5">
+          <dgm:alg type="lin">
+            <dgm:param type="linDir" val="fromR"/>
+          </dgm:alg>
+        </dgm:else>
+      </dgm:choose>
+      <dgm:shape xmlns:r="http://schemas.openxmlformats.org/officeDocument/2006/relationships" r:blip="">
+        <dgm:adjLst/>
+      </dgm:shape>
+      <dgm:presOf/>
+      <dgm:constrLst>
+        <dgm:constr type="userA" for="ch" ptType="node" refType="w"/>
+        <dgm:constr type="h" for="ch" ptType="node" refType="h"/>
+        <dgm:constr type="w" for="ch" ptType="node" op="equ"/>
+        <dgm:constr type="w" for="ch" forName="sibTrans" refType="w" fact="0.05"/>
+        <dgm:constr type="primFontSz" for="ch" ptType="node" op="equ" val="65"/>
+      </dgm:constrLst>
+      <dgm:ruleLst/>
+      <dgm:forEach name="Name6" axis="ch" ptType="node">
+        <dgm:layoutNode name="textNode" styleLbl="node1">
+          <dgm:varLst>
+            <dgm:bulletEnabled val="1"/>
+          </dgm:varLst>
+          <dgm:alg type="tx"/>
+          <dgm:shape xmlns:r="http://schemas.openxmlformats.org/officeDocument/2006/relationships" type="roundRect" r:blip="">
+            <dgm:adjLst/>
+          </dgm:shape>
+          <dgm:presOf axis="desOrSelf" ptType="node"/>
+          <dgm:constrLst>
+            <dgm:constr type="userA"/>
+            <dgm:constr type="w" refType="userA" fact="0.3"/>
+            <dgm:constr type="tMarg" refType="primFontSz" fact="0.3"/>
+            <dgm:constr type="bMarg" refType="primFontSz" fact="0.3"/>
+            <dgm:constr type="lMarg" refType="primFontSz" fact="0.3"/>
+            <dgm:constr type="rMarg" refType="primFontSz" fact="0.3"/>
+          </dgm:constrLst>
+          <dgm:ruleLst>
+            <dgm:rule type="w" val="NaN" fact="1" max="NaN"/>
+            <dgm:rule type="primFontSz" val="5" fact="NaN" max="NaN"/>
+          </dgm:ruleLst>
+        </dgm:layoutNode>
+        <dgm:forEach name="Name7" axis="followSib" ptType="sibTrans" cnt="1">
+          <dgm:layoutNode name="sibTrans">
+            <dgm:alg type="sp"/>
+            <dgm:shape xmlns:r="http://schemas.openxmlformats.org/officeDocument/2006/relationships" r:blip="">
+              <dgm:adjLst/>
+            </dgm:shape>
+            <dgm:presOf/>
+            <dgm:constrLst/>
+            <dgm:ruleLst/>
+          </dgm:layoutNode>
+        </dgm:forEach>
+      </dgm:forEach>
+    </dgm:layoutNode>
+  </dgm:layoutNode>
+</dgm:layoutDef>
+</file>
+
+<file path=ppt/diagrams/quickStyle1.xml><?xml version="1.0" encoding="utf-8"?>
+<dgm:styleDef xmlns:dgm="http://schemas.openxmlformats.org/drawingml/2006/diagram" xmlns:a="http://schemas.openxmlformats.org/drawingml/2006/main" uniqueId="urn:microsoft.com/office/officeart/2005/8/quickstyle/simple1">
+  <dgm:title val=""/>
+  <dgm:desc val=""/>
+  <dgm:catLst>
+    <dgm:cat type="simple" pri="10100"/>
+  </dgm:catLst>
+  <dgm:scene3d>
+    <a:camera prst="orthographicFront"/>
+    <a:lightRig rig="threePt" dir="t"/>
+  </dgm:scene3d>
+  <dgm:styleLbl name="node0">
+    <dgm:scene3d>
+      <a:camera prst="orthographicFront"/>
+      <a:lightRig rig="threePt" dir="t"/>
+    </dgm:scene3d>
+    <dgm:sp3d/>
+    <dgm:txPr/>
+    <dgm:style>
+      <a:lnRef idx="2">
+        <a:scrgbClr r="0" g="0" b="0"/>
+      </a:lnRef>
+      <a:fillRef idx="1">
+        <a:scrgbClr r="0" g="0" b="0"/>
+      </a:fillRef>
+      <a:effectRef idx="0">
+        <a:scrgbClr r="0" g="0" b="0"/>
+      </a:effectRef>
+      <a:fontRef idx="minor">
+        <a:schemeClr val="lt1"/>
+      </a:fontRef>
+    </dgm:style>
+  </dgm:styleLbl>
+  <dgm:styleLbl name="lnNode1">
+    <dgm:scene3d>
+      <a:camera prst="orthographicFront"/>
+      <a:lightRig rig="threePt" dir="t"/>
+    </dgm:scene3d>
+    <dgm:sp3d/>
+    <dgm:txPr/>
+    <dgm:style>
+      <a:lnRef idx="2">
+        <a:scrgbClr r="0" g="0" b="0"/>
+      </a:lnRef>
+      <a:fillRef idx="1">
+        <a:scrgbClr r="0" g="0" b="0"/>
+      </a:fillRef>
+      <a:effectRef idx="0">
+        <a:scrgbClr r="0" g="0" b="0"/>
+      </a:effectRef>
+      <a:fontRef idx="minor">
+        <a:schemeClr val="lt1"/>
+      </a:fontRef>
+    </dgm:style>
+  </dgm:styleLbl>
+  <dgm:styleLbl name="vennNode1">
+    <dgm:scene3d>
+      <a:camera prst="orthographicFront"/>
+      <a:lightRig rig="threePt" dir="t"/>
+    </dgm:scene3d>
+    <dgm:sp3d/>
+    <dgm:txPr/>
+    <dgm:style>
+      <a:lnRef idx="2">
+        <a:scrgbClr r="0" g="0" b="0"/>
+      </a:lnRef>
+      <a:fillRef idx="1">
+        <a:scrgbClr r="0" g="0" b="0"/>
+      </a:fillRef>
+      <a:effectRef idx="0">
+        <a:scrgbClr r="0" g="0" b="0"/>
+      </a:effectRef>
+      <a:fontRef idx="minor">
+        <a:schemeClr val="tx1"/>
+      </a:fontRef>
+    </dgm:style>
+  </dgm:styleLbl>
+  <dgm:styleLbl name="alignNode1">
+    <dgm:scene3d>
+      <a:camera prst="orthographicFront"/>
+      <a:lightRig rig="threePt" dir="t"/>
+    </dgm:scene3d>
+    <dgm:sp3d/>
+    <dgm:txPr/>
+    <dgm:style>
+      <a:lnRef idx="2">
+        <a:scrgbClr r="0" g="0" b="0"/>
+      </a:lnRef>
+      <a:fillRef idx="1">
+        <a:scrgbClr r="0" g="0" b="0"/>
+      </a:fillRef>
+      <a:effectRef idx="0">
+        <a:scrgbClr r="0" g="0" b="0"/>
+      </a:effectRef>
+      <a:fontRef idx="minor">
+        <a:schemeClr val="lt1"/>
+      </a:fontRef>
+    </dgm:style>
+  </dgm:styleLbl>
+  <dgm:styleLbl name="node1">
+    <dgm:scene3d>
+      <a:camera prst="orthographicFront"/>
+      <a:lightRig rig="threePt" dir="t"/>
+    </dgm:scene3d>
+    <dgm:sp3d/>
+    <dgm:txPr/>
+    <dgm:style>
+      <a:lnRef idx="2">
+        <a:scrgbClr r="0" g="0" b="0"/>
+      </a:lnRef>
+      <a:fillRef idx="1">
+        <a:scrgbClr r="0" g="0" b="0"/>
+      </a:fillRef>
+      <a:effectRef idx="0">
+        <a:scrgbClr r="0" g="0" b="0"/>
+      </a:effectRef>
+      <a:fontRef idx="minor">
+        <a:schemeClr val="lt1"/>
+      </a:fontRef>
+    </dgm:style>
+  </dgm:styleLbl>
+  <dgm:styleLbl name="node2">
+    <dgm:scene3d>
+      <a:camera prst="orthographicFront"/>
+      <a:lightRig rig="threePt" dir="t"/>
+    </dgm:scene3d>
+    <dgm:sp3d/>
+    <dgm:txPr/>
+    <dgm:style>
+      <a:lnRef idx="2">
+        <a:scrgbClr r="0" g="0" b="0"/>
+      </a:lnRef>
+      <a:fillRef idx="1">
+        <a:scrgbClr r="0" g="0" b="0"/>
+      </a:fillRef>
+      <a:effectRef idx="0">
+        <a:scrgbClr r="0" g="0" b="0"/>
+      </a:effectRef>
+      <a:fontRef idx="minor">
+        <a:schemeClr val="lt1"/>
+      </a:fontRef>
+    </dgm:style>
+  </dgm:styleLbl>
+  <dgm:styleLbl name="node3">
+    <dgm:scene3d>
+      <a:camera prst="orthographicFront"/>
+      <a:lightRig rig="threePt" dir="t"/>
+    </dgm:scene3d>
+    <dgm:sp3d/>
+    <dgm:txPr/>
+    <dgm:style>
+      <a:lnRef idx="2">
+        <a:scrgbClr r="0" g="0" b="0"/>
+      </a:lnRef>
+      <a:fillRef idx="1">
+        <a:scrgbClr r="0" g="0" b="0"/>
+      </a:fillRef>
+      <a:effectRef idx="0">
+        <a:scrgbClr r="0" g="0" b="0"/>
+      </a:effectRef>
+      <a:fontRef idx="minor">
+        <a:schemeClr val="lt1"/>
+      </a:fontRef>
+    </dgm:style>
+  </dgm:styleLbl>
+  <dgm:styleLbl name="node4">
+    <dgm:scene3d>
+      <a:camera prst="orthographicFront"/>
+      <a:lightRig rig="threePt" dir="t"/>
+    </dgm:scene3d>
+    <dgm:sp3d/>
+    <dgm:txPr/>
+    <dgm:style>
+      <a:lnRef idx="2">
+        <a:scrgbClr r="0" g="0" b="0"/>
+      </a:lnRef>
+      <a:fillRef idx="1">
+        <a:scrgbClr r="0" g="0" b="0"/>
+      </a:fillRef>
+      <a:effectRef idx="0">
+        <a:scrgbClr r="0" g="0" b="0"/>
+      </a:effectRef>
+      <a:fontRef idx="minor">
+        <a:schemeClr val="lt1"/>
+      </a:fontRef>
+    </dgm:style>
+  </dgm:styleLbl>
+  <dgm:styleLbl name="fgImgPlace1">
+    <dgm:scene3d>
+      <a:camera prst="orthographicFront"/>
+      <a:lightRig rig="threePt" dir="t"/>
+    </dgm:scene3d>
+    <dgm:sp3d/>
+    <dgm:txPr/>
+    <dgm:style>
+      <a:lnRef idx="2">
+        <a:scrgbClr r="0" g="0" b="0"/>
+      </a:lnRef>
+      <a:fillRef idx="1">
+        <a:scrgbClr r="0" g="0" b="0"/>
+      </a:fillRef>
+      <a:effectRef idx="0">
+        <a:scrgbClr r="0" g="0" b="0"/>
+      </a:effectRef>
+      <a:fontRef idx="minor"/>
+    </dgm:style>
+  </dgm:styleLbl>
+  <dgm:styleLbl name="alignImgPlace1">
+    <dgm:scene3d>
+      <a:camera prst="orthographicFront"/>
+      <a:lightRig rig="threePt" dir="t"/>
+    </dgm:scene3d>
+    <dgm:sp3d/>
+    <dgm:txPr/>
+    <dgm:style>
+      <a:lnRef idx="2">
+        <a:scrgbClr r="0" g="0" b="0"/>
+      </a:lnRef>
+      <a:fillRef idx="1">
+        <a:scrgbClr r="0" g="0" b="0"/>
+      </a:fillRef>
+      <a:effectRef idx="0">
+        <a:scrgbClr r="0" g="0" b="0"/>
+      </a:effectRef>
+      <a:fontRef idx="minor"/>
+    </dgm:style>
+  </dgm:styleLbl>
+  <dgm:styleLbl name="bgImgPlace1">
+    <dgm:scene3d>
+      <a:camera prst="orthographicFront"/>
+      <a:lightRig rig="threePt" dir="t"/>
+    </dgm:scene3d>
+    <dgm:sp3d/>
+    <dgm:txPr/>
+    <dgm:style>
+      <a:lnRef idx="2">
+        <a:scrgbClr r="0" g="0" b="0"/>
+      </a:lnRef>
+      <a:fillRef idx="1">
+        <a:scrgbClr r="0" g="0" b="0"/>
+      </a:fillRef>
+      <a:effectRef idx="0">
+        <a:scrgbClr r="0" g="0" b="0"/>
+      </a:effectRef>
+      <a:fontRef idx="minor"/>
+    </dgm:style>
+  </dgm:styleLbl>
+  <dgm:styleLbl name="sibTrans2D1">
+    <dgm:scene3d>
+      <a:camera prst="orthographicFront"/>
+      <a:lightRig rig="threePt" dir="t"/>
+    </dgm:scene3d>
+    <dgm:sp3d/>
+    <dgm:txPr/>
+    <dgm:style>
+      <a:lnRef idx="0">
+        <a:scrgbClr r="0" g="0" b="0"/>
+      </a:lnRef>
+      <a:fillRef idx="1">
+        <a:scrgbClr r="0" g="0" b="0"/>
+      </a:fillRef>
+      <a:effectRef idx="0">
+        <a:scrgbClr r="0" g="0" b="0"/>
+      </a:effectRef>
+      <a:fontRef idx="minor">
+        <a:schemeClr val="lt1"/>
+      </a:fontRef>
+    </dgm:style>
+  </dgm:styleLbl>
+  <dgm:styleLbl name="fgSibTrans2D1">
+    <dgm:scene3d>
+      <a:camera prst="orthographicFront"/>
+      <a:lightRig rig="threePt" dir="t"/>
+    </dgm:scene3d>
+    <dgm:sp3d/>
+    <dgm:txPr/>
+    <dgm:style>
+      <a:lnRef idx="0">
+        <a:scrgbClr r="0" g="0" b="0"/>
+      </a:lnRef>
+      <a:fillRef idx="1">
+        <a:scrgbClr r="0" g="0" b="0"/>
+      </a:fillRef>
+      <a:effectRef idx="0">
+        <a:scrgbClr r="0" g="0" b="0"/>
+      </a:effectRef>
+      <a:fontRef idx="minor">
+        <a:schemeClr val="lt1"/>
+      </a:fontRef>
+    </dgm:style>
+  </dgm:styleLbl>
+  <dgm:styleLbl name="bgSibTrans2D1">
+    <dgm:scene3d>
+      <a:camera prst="orthographicFront"/>
+      <a:lightRig rig="threePt" dir="t"/>
+    </dgm:scene3d>
+    <dgm:sp3d/>
+    <dgm:txPr/>
+    <dgm:style>
+      <a:lnRef idx="0">
+        <a:scrgbClr r="0" g="0" b="0"/>
+      </a:lnRef>
+      <a:fillRef idx="1">
+        <a:scrgbClr r="0" g="0" b="0"/>
+      </a:fillRef>
+      <a:effectRef idx="0">
+        <a:scrgbClr r="0" g="0" b="0"/>
+      </a:effectRef>
+      <a:fontRef idx="minor">
+        <a:schemeClr val="lt1"/>
+      </a:fontRef>
+    </dgm:style>
+  </dgm:styleLbl>
+  <dgm:styleLbl name="sibTrans1D1">
+    <dgm:scene3d>
+      <a:camera prst="orthographicFront"/>
+      <a:lightRig rig="threePt" dir="t"/>
+    </dgm:scene3d>
+    <dgm:sp3d/>
+    <dgm:txPr/>
+    <dgm:style>
+      <a:lnRef idx="1">
+        <a:scrgbClr r="0" g="0" b="0"/>
+      </a:lnRef>
+      <a:fillRef idx="0">
+        <a:scrgbClr r="0" g="0" b="0"/>
+      </a:fillRef>
+      <a:effectRef idx="0">
+        <a:scrgbClr r="0" g="0" b="0"/>
+      </a:effectRef>
+      <a:fontRef idx="minor"/>
+    </dgm:style>
+  </dgm:styleLbl>
+  <dgm:styleLbl name="callout">
+    <dgm:scene3d>
+      <a:camera prst="orthographicFront"/>
+      <a:lightRig rig="threePt" dir="t"/>
+    </dgm:scene3d>
+    <dgm:sp3d/>
+    <dgm:txPr/>
+    <dgm:style>
+      <a:lnRef idx="2">
+        <a:scrgbClr r="0" g="0" b="0"/>
+      </a:lnRef>
+      <a:fillRef idx="1">
+        <a:scrgbClr r="0" g="0" b="0"/>
+      </a:fillRef>
+      <a:effectRef idx="0">
+        <a:scrgbClr r="0" g="0" b="0"/>
+      </a:effectRef>
+      <a:fontRef idx="minor"/>
+    </dgm:style>
+  </dgm:styleLbl>
+  <dgm:styleLbl name="asst0">
+    <dgm:scene3d>
+      <a:camera prst="orthographicFront"/>
+      <a:lightRig rig="threePt" dir="t"/>
+    </dgm:scene3d>
+    <dgm:sp3d/>
+    <dgm:txPr/>
+    <dgm:style>
+      <a:lnRef idx="2">
+        <a:scrgbClr r="0" g="0" b="0"/>
+      </a:lnRef>
+      <a:fillRef idx="1">
+        <a:scrgbClr r="0" g="0" b="0"/>
+      </a:fillRef>
+      <a:effectRef idx="0">
+        <a:scrgbClr r="0" g="0" b="0"/>
+      </a:effectRef>
+      <a:fontRef idx="minor">
+        <a:schemeClr val="lt1"/>
+      </a:fontRef>
+    </dgm:style>
+  </dgm:styleLbl>
+  <dgm:styleLbl name="asst1">
+    <dgm:scene3d>
+      <a:camera prst="orthographicFront"/>
+      <a:lightRig rig="threePt" dir="t"/>
+    </dgm:scene3d>
+    <dgm:sp3d/>
+    <dgm:txPr/>
+    <dgm:style>
+      <a:lnRef idx="2">
+        <a:scrgbClr r="0" g="0" b="0"/>
+      </a:lnRef>
+      <a:fillRef idx="1">
+        <a:scrgbClr r="0" g="0" b="0"/>
+      </a:fillRef>
+      <a:effectRef idx="0">
+        <a:scrgbClr r="0" g="0" b="0"/>
+      </a:effectRef>
+      <a:fontRef idx="minor">
+        <a:schemeClr val="lt1"/>
+      </a:fontRef>
+    </dgm:style>
+  </dgm:styleLbl>
+  <dgm:styleLbl name="asst2">
+    <dgm:scene3d>
+      <a:camera prst="orthographicFront"/>
+      <a:lightRig rig="threePt" dir="t"/>
+    </dgm:scene3d>
+    <dgm:sp3d/>
+    <dgm:txPr/>
+    <dgm:style>
+      <a:lnRef idx="2">
+        <a:scrgbClr r="0" g="0" b="0"/>
+      </a:lnRef>
+      <a:fillRef idx="1">
+        <a:scrgbClr r="0" g="0" b="0"/>
+      </a:fillRef>
+      <a:effectRef idx="0">
+        <a:scrgbClr r="0" g="0" b="0"/>
+      </a:effectRef>
+      <a:fontRef idx="minor">
+        <a:schemeClr val="lt1"/>
+      </a:fontRef>
+    </dgm:style>
+  </dgm:styleLbl>
+  <dgm:styleLbl name="asst3">
+    <dgm:scene3d>
+      <a:camera prst="orthographicFront"/>
+      <a:lightRig rig="threePt" dir="t"/>
+    </dgm:scene3d>
+    <dgm:sp3d/>
+    <dgm:txPr/>
+    <dgm:style>
+      <a:lnRef idx="2">
+        <a:scrgbClr r="0" g="0" b="0"/>
+      </a:lnRef>
+      <a:fillRef idx="1">
+        <a:scrgbClr r="0" g="0" b="0"/>
+      </a:fillRef>
+      <a:effectRef idx="0">
+        <a:scrgbClr r="0" g="0" b="0"/>
+      </a:effectRef>
+      <a:fontRef idx="minor">
+        <a:schemeClr val="lt1"/>
+      </a:fontRef>
+    </dgm:style>
+  </dgm:styleLbl>
+  <dgm:styleLbl name="asst4">
+    <dgm:scene3d>
+      <a:camera prst="orthographicFront"/>
+      <a:lightRig rig="threePt" dir="t"/>
+    </dgm:scene3d>
+    <dgm:sp3d/>
+    <dgm:txPr/>
+    <dgm:style>
+      <a:lnRef idx="2">
+        <a:scrgbClr r="0" g="0" b="0"/>
+      </a:lnRef>
+      <a:fillRef idx="1">
+        <a:scrgbClr r="0" g="0" b="0"/>
+      </a:fillRef>
+      <a:effectRef idx="0">
+        <a:scrgbClr r="0" g="0" b="0"/>
+      </a:effectRef>
+      <a:fontRef idx="minor">
+        <a:schemeClr val="lt1"/>
+      </a:fontRef>
+    </dgm:style>
+  </dgm:styleLbl>
+  <dgm:styleLbl name="parChTrans2D1">
+    <dgm:scene3d>
+      <a:camera prst="orthographicFront"/>
+      <a:lightRig rig="threePt" dir="t"/>
+    </dgm:scene3d>
+    <dgm:sp3d/>
+    <dgm:txPr/>
+    <dgm:style>
+      <a:lnRef idx="2">
+        <a:scrgbClr r="0" g="0" b="0"/>
+      </a:lnRef>
+      <a:fillRef idx="1">
+        <a:scrgbClr r="0" g="0" b="0"/>
+      </a:fillRef>
+      <a:effectRef idx="0">
+        <a:scrgbClr r="0" g="0" b="0"/>
+      </a:effectRef>
+      <a:fontRef idx="minor">
+        <a:schemeClr val="lt1"/>
+      </a:fontRef>
+    </dgm:style>
+  </dgm:styleLbl>
+  <dgm:styleLbl name="parChTrans2D2">
+    <dgm:scene3d>
+      <a:camera prst="orthographicFront"/>
+      <a:lightRig rig="threePt" dir="t"/>
+    </dgm:scene3d>
+    <dgm:sp3d/>
+    <dgm:txPr/>
+    <dgm:style>
+      <a:lnRef idx="2">
+        <a:scrgbClr r="0" g="0" b="0"/>
+      </a:lnRef>
+      <a:fillRef idx="1">
+        <a:scrgbClr r="0" g="0" b="0"/>
+      </a:fillRef>
+      <a:effectRef idx="0">
+        <a:scrgbClr r="0" g="0" b="0"/>
+      </a:effectRef>
+      <a:fontRef idx="minor">
+        <a:schemeClr val="lt1"/>
+      </a:fontRef>
+    </dgm:style>
+  </dgm:styleLbl>
+  <dgm:styleLbl name="parChTrans2D3">
+    <dgm:scene3d>
+      <a:camera prst="orthographicFront"/>
+      <a:lightRig rig="threePt" dir="t"/>
+    </dgm:scene3d>
+    <dgm:sp3d/>
+    <dgm:txPr/>
+    <dgm:style>
+      <a:lnRef idx="2">
+        <a:scrgbClr r="0" g="0" b="0"/>
+      </a:lnRef>
+      <a:fillRef idx="1">
+        <a:scrgbClr r="0" g="0" b="0"/>
+      </a:fillRef>
+      <a:effectRef idx="0">
+        <a:scrgbClr r="0" g="0" b="0"/>
+      </a:effectRef>
+      <a:fontRef idx="minor">
+        <a:schemeClr val="lt1"/>
+      </a:fontRef>
+    </dgm:style>
+  </dgm:styleLbl>
+  <dgm:styleLbl name="parChTrans2D4">
+    <dgm:scene3d>
+      <a:camera prst="orthographicFront"/>
+      <a:lightRig rig="threePt" dir="t"/>
+    </dgm:scene3d>
+    <dgm:sp3d/>
+    <dgm:txPr/>
+    <dgm:style>
+      <a:lnRef idx="2">
+        <a:scrgbClr r="0" g="0" b="0"/>
+      </a:lnRef>
+      <a:fillRef idx="1">
+        <a:scrgbClr r="0" g="0" b="0"/>
+      </a:fillRef>
+      <a:effectRef idx="0">
+        <a:scrgbClr r="0" g="0" b="0"/>
+      </a:effectRef>
+      <a:fontRef idx="minor">
+        <a:schemeClr val="lt1"/>
+      </a:fontRef>
+    </dgm:style>
+  </dgm:styleLbl>
+  <dgm:styleLbl name="parChTrans1D1">
+    <dgm:scene3d>
+      <a:camera prst="orthographicFront"/>
+      <a:lightRig rig="threePt" dir="t"/>
+    </dgm:scene3d>
+    <dgm:sp3d/>
+    <dgm:txPr/>
+    <dgm:style>
+      <a:lnRef idx="2">
+        <a:scrgbClr r="0" g="0" b="0"/>
+      </a:lnRef>
+      <a:fillRef idx="0">
+        <a:scrgbClr r="0" g="0" b="0"/>
+      </a:fillRef>
+      <a:effectRef idx="0">
+        <a:scrgbClr r="0" g="0" b="0"/>
+      </a:effectRef>
+      <a:fontRef idx="minor"/>
+    </dgm:style>
+  </dgm:styleLbl>
+  <dgm:styleLbl name="parChTrans1D2">
+    <dgm:scene3d>
+      <a:camera prst="orthographicFront"/>
+      <a:lightRig rig="threePt" dir="t"/>
+    </dgm:scene3d>
+    <dgm:sp3d/>
+    <dgm:txPr/>
+    <dgm:style>
+      <a:lnRef idx="2">
+        <a:scrgbClr r="0" g="0" b="0"/>
+      </a:lnRef>
+      <a:fillRef idx="0">
+        <a:scrgbClr r="0" g="0" b="0"/>
+      </a:fillRef>
+      <a:effectRef idx="0">
+        <a:scrgbClr r="0" g="0" b="0"/>
+      </a:effectRef>
+      <a:fontRef idx="minor"/>
+    </dgm:style>
+  </dgm:styleLbl>
+  <dgm:styleLbl name="parChTrans1D3">
+    <dgm:scene3d>
+      <a:camera prst="orthographicFront"/>
+      <a:lightRig rig="threePt" dir="t"/>
+    </dgm:scene3d>
+    <dgm:sp3d/>
+    <dgm:txPr/>
+    <dgm:style>
+      <a:lnRef idx="2">
+        <a:scrgbClr r="0" g="0" b="0"/>
+      </a:lnRef>
+      <a:fillRef idx="0">
+        <a:scrgbClr r="0" g="0" b="0"/>
+      </a:fillRef>
+      <a:effectRef idx="0">
+        <a:scrgbClr r="0" g="0" b="0"/>
+      </a:effectRef>
+      <a:fontRef idx="minor"/>
+    </dgm:style>
+  </dgm:styleLbl>
+  <dgm:styleLbl name="parChTrans1D4">
+    <dgm:scene3d>
+      <a:camera prst="orthographicFront"/>
+      <a:lightRig rig="threePt" dir="t"/>
+    </dgm:scene3d>
+    <dgm:sp3d/>
+    <dgm:txPr/>
+    <dgm:style>
+      <a:lnRef idx="2">
+        <a:scrgbClr r="0" g="0" b="0"/>
+      </a:lnRef>
+      <a:fillRef idx="0">
+        <a:scrgbClr r="0" g="0" b="0"/>
+      </a:fillRef>
+      <a:effectRef idx="0">
+        <a:scrgbClr r="0" g="0" b="0"/>
+      </a:effectRef>
+      <a:fontRef idx="minor"/>
+    </dgm:style>
+  </dgm:styleLbl>
+  <dgm:styleLbl name="fgAcc1">
+    <dgm:scene3d>
+      <a:camera prst="orthographicFront"/>
+      <a:lightRig rig="threePt" dir="t"/>
+    </dgm:scene3d>
+    <dgm:sp3d/>
+    <dgm:txPr/>
+    <dgm:style>
+      <a:lnRef idx="2">
+        <a:scrgbClr r="0" g="0" b="0"/>
+      </a:lnRef>
+      <a:fillRef idx="1">
+        <a:scrgbClr r="0" g="0" b="0"/>
+      </a:fillRef>
+      <a:effectRef idx="0">
+        <a:scrgbClr r="0" g="0" b="0"/>
+      </a:effectRef>
+      <a:fontRef idx="minor"/>
+    </dgm:style>
+  </dgm:styleLbl>
+  <dgm:styleLbl name="conFgAcc1">
+    <dgm:scene3d>
+      <a:camera prst="orthographicFront"/>
+      <a:lightRig rig="threePt" dir="t"/>
+    </dgm:scene3d>
+    <dgm:sp3d/>
+    <dgm:txPr/>
+    <dgm:style>
+      <a:lnRef idx="2">
+        <a:scrgbClr r="0" g="0" b="0"/>
+      </a:lnRef>
+      <a:fillRef idx="1">
+        <a:scrgbClr r="0" g="0" b="0"/>
+      </a:fillRef>
+      <a:effectRef idx="0">
+        <a:scrgbClr r="0" g="0" b="0"/>
+      </a:effectRef>
+      <a:fontRef idx="minor"/>
+    </dgm:style>
+  </dgm:styleLbl>
+  <dgm:styleLbl name="alignAcc1">
+    <dgm:scene3d>
+      <a:camera prst="orthographicFront"/>
+      <a:lightRig rig="threePt" dir="t"/>
+    </dgm:scene3d>
+    <dgm:sp3d/>
+    <dgm:txPr/>
+    <dgm:style>
+      <a:lnRef idx="2">
+        <a:scrgbClr r="0" g="0" b="0"/>
+      </a:lnRef>
+      <a:fillRef idx="1">
+        <a:scrgbClr r="0" g="0" b="0"/>
+      </a:fillRef>
+      <a:effectRef idx="0">
+        <a:scrgbClr r="0" g="0" b="0"/>
+      </a:effectRef>
+      <a:fontRef idx="minor"/>
+    </dgm:style>
+  </dgm:styleLbl>
+  <dgm:styleLbl name="trAlignAcc1">
+    <dgm:scene3d>
+      <a:camera prst="orthographicFront"/>
+      <a:lightRig rig="threePt" dir="t"/>
+    </dgm:scene3d>
+    <dgm:sp3d/>
+    <dgm:txPr/>
+    <dgm:style>
+      <a:lnRef idx="1">
+        <a:scrgbClr r="0" g="0" b="0"/>
+      </a:lnRef>
+      <a:fillRef idx="1">
+        <a:scrgbClr r="0" g="0" b="0"/>
+      </a:fillRef>
+      <a:effectRef idx="0">
+        <a:scrgbClr r="0" g="0" b="0"/>
+      </a:effectRef>
+      <a:fontRef idx="minor"/>
+    </dgm:style>
+  </dgm:styleLbl>
+  <dgm:styleLbl name="bgAcc1">
+    <dgm:scene3d>
+      <a:camera prst="orthographicFront"/>
+      <a:lightRig rig="threePt" dir="t"/>
+    </dgm:scene3d>
+    <dgm:sp3d/>
+    <dgm:txPr/>
+    <dgm:style>
+      <a:lnRef idx="2">
+        <a:scrgbClr r="0" g="0" b="0"/>
+      </a:lnRef>
+      <a:fillRef idx="1">
+        <a:scrgbClr r="0" g="0" b="0"/>
+      </a:fillRef>
+      <a:effectRef idx="0">
+        <a:scrgbClr r="0" g="0" b="0"/>
+      </a:effectRef>
+      <a:fontRef idx="minor"/>
+    </dgm:style>
+  </dgm:styleLbl>
+  <dgm:styleLbl name="solidFgAcc1">
+    <dgm:scene3d>
+      <a:camera prst="orthographicFront"/>
+      <a:lightRig rig="threePt" dir="t"/>
+    </dgm:scene3d>
+    <dgm:sp3d/>
+    <dgm:txPr/>
+    <dgm:style>
+      <a:lnRef idx="2">
+        <a:scrgbClr r="0" g="0" b="0"/>
+      </a:lnRef>
+      <a:fillRef idx="1">
+        <a:scrgbClr r="0" g="0" b="0"/>
+      </a:fillRef>
+      <a:effectRef idx="0">
+        <a:scrgbClr r="0" g="0" b="0"/>
+      </a:effectRef>
+      <a:fontRef idx="minor"/>
+    </dgm:style>
+  </dgm:styleLbl>
+  <dgm:styleLbl name="solidAlignAcc1">
+    <dgm:scene3d>
+      <a:camera prst="orthographicFront"/>
+      <a:lightRig rig="threePt" dir="t"/>
+    </dgm:scene3d>
+    <dgm:sp3d/>
+    <dgm:txPr/>
+    <dgm:style>
+      <a:lnRef idx="2">
+        <a:scrgbClr r="0" g="0" b="0"/>
+      </a:lnRef>
+      <a:fillRef idx="1">
+        <a:scrgbClr r="0" g="0" b="0"/>
+      </a:fillRef>
+      <a:effectRef idx="0">
+        <a:scrgbClr r="0" g="0" b="0"/>
+      </a:effectRef>
+      <a:fontRef idx="minor"/>
+    </dgm:style>
+  </dgm:styleLbl>
+  <dgm:styleLbl name="solidBgAcc1">
+    <dgm:scene3d>
+      <a:camera prst="orthographicFront"/>
+      <a:lightRig rig="threePt" dir="t"/>
+    </dgm:scene3d>
+    <dgm:sp3d/>
+    <dgm:txPr/>
+    <dgm:style>
+      <a:lnRef idx="2">
+        <a:scrgbClr r="0" g="0" b="0"/>
+      </a:lnRef>
+      <a:fillRef idx="1">
+        <a:scrgbClr r="0" g="0" b="0"/>
+      </a:fillRef>
+      <a:effectRef idx="0">
+        <a:scrgbClr r="0" g="0" b="0"/>
+      </a:effectRef>
+      <a:fontRef idx="minor"/>
+    </dgm:style>
+  </dgm:styleLbl>
+  <dgm:styleLbl name="fgAccFollowNode1">
+    <dgm:scene3d>
+      <a:camera prst="orthographicFront"/>
+      <a:lightRig rig="threePt" dir="t"/>
+    </dgm:scene3d>
+    <dgm:sp3d/>
+    <dgm:txPr/>
+    <dgm:style>
+      <a:lnRef idx="2">
+        <a:scrgbClr r="0" g="0" b="0"/>
+      </a:lnRef>
+      <a:fillRef idx="1">
+        <a:scrgbClr r="0" g="0" b="0"/>
+      </a:fillRef>
+      <a:effectRef idx="0">
+        <a:scrgbClr r="0" g="0" b="0"/>
+      </a:effectRef>
+      <a:fontRef idx="minor"/>
+    </dgm:style>
+  </dgm:styleLbl>
+  <dgm:styleLbl name="alignAccFollowNode1">
+    <dgm:scene3d>
+      <a:camera prst="orthographicFront"/>
+      <a:lightRig rig="threePt" dir="t"/>
+    </dgm:scene3d>
+    <dgm:sp3d/>
+    <dgm:txPr/>
+    <dgm:style>
+      <a:lnRef idx="2">
+        <a:scrgbClr r="0" g="0" b="0"/>
+      </a:lnRef>
+      <a:fillRef idx="1">
+        <a:scrgbClr r="0" g="0" b="0"/>
+      </a:fillRef>
+      <a:effectRef idx="0">
+        <a:scrgbClr r="0" g="0" b="0"/>
+      </a:effectRef>
+      <a:fontRef idx="minor"/>
+    </dgm:style>
+  </dgm:styleLbl>
+  <dgm:styleLbl name="bgAccFollowNode1">
+    <dgm:scene3d>
+      <a:camera prst="orthographicFront"/>
+      <a:lightRig rig="threePt" dir="t"/>
+    </dgm:scene3d>
+    <dgm:sp3d/>
+    <dgm:txPr/>
+    <dgm:style>
+      <a:lnRef idx="2">
+        <a:scrgbClr r="0" g="0" b="0"/>
+      </a:lnRef>
+      <a:fillRef idx="1">
+        <a:scrgbClr r="0" g="0" b="0"/>
+      </a:fillRef>
+      <a:effectRef idx="0">
+        <a:scrgbClr r="0" g="0" b="0"/>
+      </a:effectRef>
+      <a:fontRef idx="minor"/>
+    </dgm:style>
+  </dgm:styleLbl>
+  <dgm:styleLbl name="fgAcc0">
+    <dgm:scene3d>
+      <a:camera prst="orthographicFront"/>
+      <a:lightRig rig="threePt" dir="t"/>
+    </dgm:scene3d>
+    <dgm:sp3d/>
+    <dgm:txPr/>
+    <dgm:style>
+      <a:lnRef idx="2">
+        <a:scrgbClr r="0" g="0" b="0"/>
+      </a:lnRef>
+      <a:fillRef idx="1">
+        <a:scrgbClr r="0" g="0" b="0"/>
+      </a:fillRef>
+      <a:effectRef idx="0">
+        <a:scrgbClr r="0" g="0" b="0"/>
+      </a:effectRef>
+      <a:fontRef idx="minor"/>
+    </dgm:style>
+  </dgm:styleLbl>
+  <dgm:styleLbl name="fgAcc2">
+    <dgm:scene3d>
+      <a:camera prst="orthographicFront"/>
+      <a:lightRig rig="threePt" dir="t"/>
+    </dgm:scene3d>
+    <dgm:sp3d/>
+    <dgm:txPr/>
+    <dgm:style>
+      <a:lnRef idx="2">
+        <a:scrgbClr r="0" g="0" b="0"/>
+      </a:lnRef>
+      <a:fillRef idx="1">
+        <a:scrgbClr r="0" g="0" b="0"/>
+      </a:fillRef>
+      <a:effectRef idx="0">
+        <a:scrgbClr r="0" g="0" b="0"/>
+      </a:effectRef>
+      <a:fontRef idx="minor"/>
+    </dgm:style>
+  </dgm:styleLbl>
+  <dgm:styleLbl name="fgAcc3">
+    <dgm:scene3d>
+      <a:camera prst="orthographicFront"/>
+      <a:lightRig rig="threePt" dir="t"/>
+    </dgm:scene3d>
+    <dgm:sp3d/>
+    <dgm:txPr/>
+    <dgm:style>
+      <a:lnRef idx="2">
+        <a:scrgbClr r="0" g="0" b="0"/>
+      </a:lnRef>
+      <a:fillRef idx="1">
+        <a:scrgbClr r="0" g="0" b="0"/>
+      </a:fillRef>
+      <a:effectRef idx="0">
+        <a:scrgbClr r="0" g="0" b="0"/>
+      </a:effectRef>
+      <a:fontRef idx="minor"/>
+    </dgm:style>
+  </dgm:styleLbl>
+  <dgm:styleLbl name="fgAcc4">
+    <dgm:scene3d>
+      <a:camera prst="orthographicFront"/>
+      <a:lightRig rig="threePt" dir="t"/>
+    </dgm:scene3d>
+    <dgm:sp3d/>
+    <dgm:txPr/>
+    <dgm:style>
+      <a:lnRef idx="2">
+        <a:scrgbClr r="0" g="0" b="0"/>
+      </a:lnRef>
+      <a:fillRef idx="1">
+        <a:scrgbClr r="0" g="0" b="0"/>
+      </a:fillRef>
+      <a:effectRef idx="0">
+        <a:scrgbClr r="0" g="0" b="0"/>
+      </a:effectRef>
+      <a:fontRef idx="minor"/>
+    </dgm:style>
+  </dgm:styleLbl>
+  <dgm:styleLbl name="bgShp">
+    <dgm:scene3d>
+      <a:camera prst="orthographicFront"/>
+      <a:lightRig rig="threePt" dir="t"/>
+    </dgm:scene3d>
+    <dgm:sp3d/>
+    <dgm:txPr/>
+    <dgm:style>
+      <a:lnRef idx="0">
+        <a:scrgbClr r="0" g="0" b="0"/>
+      </a:lnRef>
+      <a:fillRef idx="1">
+        <a:scrgbClr r="0" g="0" b="0"/>
+      </a:fillRef>
+      <a:effectRef idx="0">
+        <a:scrgbClr r="0" g="0" b="0"/>
+      </a:effectRef>
+      <a:fontRef idx="minor"/>
+    </dgm:style>
+  </dgm:styleLbl>
+  <dgm:styleLbl name="dkBgShp">
+    <dgm:scene3d>
+      <a:camera prst="orthographicFront"/>
+      <a:lightRig rig="threePt" dir="t"/>
+    </dgm:scene3d>
+    <dgm:sp3d/>
+    <dgm:txPr/>
+    <dgm:style>
+      <a:lnRef idx="0">
+        <a:scrgbClr r="0" g="0" b="0"/>
+      </a:lnRef>
+      <a:fillRef idx="1">
+        <a:scrgbClr r="0" g="0" b="0"/>
+      </a:fillRef>
+      <a:effectRef idx="0">
+        <a:scrgbClr r="0" g="0" b="0"/>
+      </a:effectRef>
+      <a:fontRef idx="minor"/>
+    </dgm:style>
+  </dgm:styleLbl>
+  <dgm:styleLbl name="trBgShp">
+    <dgm:scene3d>
+      <a:camera prst="orthographicFront"/>
+      <a:lightRig rig="threePt" dir="t"/>
+    </dgm:scene3d>
+    <dgm:sp3d/>
+    <dgm:txPr/>
+    <dgm:style>
+      <a:lnRef idx="0">
+        <a:scrgbClr r="0" g="0" b="0"/>
+      </a:lnRef>
+      <a:fillRef idx="1">
+        <a:scrgbClr r="0" g="0" b="0"/>
+      </a:fillRef>
+      <a:effectRef idx="0">
+        <a:scrgbClr r="0" g="0" b="0"/>
+      </a:effectRef>
+      <a:fontRef idx="minor"/>
+    </dgm:style>
+  </dgm:styleLbl>
+  <dgm:styleLbl name="fgShp">
+    <dgm:scene3d>
+      <a:camera prst="orthographicFront"/>
+      <a:lightRig rig="threePt" dir="t"/>
+    </dgm:scene3d>
+    <dgm:sp3d/>
+    <dgm:txPr/>
+    <dgm:style>
+      <a:lnRef idx="2">
+        <a:scrgbClr r="0" g="0" b="0"/>
+      </a:lnRef>
+      <a:fillRef idx="1">
+        <a:scrgbClr r="0" g="0" b="0"/>
+      </a:fillRef>
+      <a:effectRef idx="0">
+        <a:scrgbClr r="0" g="0" b="0"/>
+      </a:effectRef>
+      <a:fontRef idx="minor"/>
+    </dgm:style>
+  </dgm:styleLbl>
+  <dgm:styleLbl name="revTx">
+    <dgm:scene3d>
+      <a:camera prst="orthographicFront"/>
+      <a:lightRig rig="threePt" dir="t"/>
+    </dgm:scene3d>
+    <dgm:sp3d/>
+    <dgm:txPr/>
+    <dgm:style>
+      <a:lnRef idx="0">
+        <a:scrgbClr r="0" g="0" b="0"/>
+      </a:lnRef>
+      <a:fillRef idx="0">
+        <a:scrgbClr r="0" g="0" b="0"/>
+      </a:fillRef>
+      <a:effectRef idx="0">
+        <a:scrgbClr r="0" g="0" b="0"/>
+      </a:effectRef>
+      <a:fontRef idx="minor"/>
+    </dgm:style>
+  </dgm:styleLbl>
+</dgm:styleDef>
+</file>
+
+<file path=ppt/diagrams/quickStyle2.xml><?xml version="1.0" encoding="utf-8"?>
+<dgm:styleDef xmlns:dgm="http://schemas.openxmlformats.org/drawingml/2006/diagram" xmlns:a="http://schemas.openxmlformats.org/drawingml/2006/main" uniqueId="urn:microsoft.com/office/officeart/2005/8/quickstyle/simple1">
+  <dgm:title val=""/>
+  <dgm:desc val=""/>
+  <dgm:catLst>
+    <dgm:cat type="simple" pri="10100"/>
+  </dgm:catLst>
+  <dgm:scene3d>
+    <a:camera prst="orthographicFront"/>
+    <a:lightRig rig="threePt" dir="t"/>
+  </dgm:scene3d>
+  <dgm:styleLbl name="node0">
+    <dgm:scene3d>
+      <a:camera prst="orthographicFront"/>
+      <a:lightRig rig="threePt" dir="t"/>
+    </dgm:scene3d>
+    <dgm:sp3d/>
+    <dgm:txPr/>
+    <dgm:style>
+      <a:lnRef idx="2">
+        <a:scrgbClr r="0" g="0" b="0"/>
+      </a:lnRef>
+      <a:fillRef idx="1">
+        <a:scrgbClr r="0" g="0" b="0"/>
+      </a:fillRef>
+      <a:effectRef idx="0">
+        <a:scrgbClr r="0" g="0" b="0"/>
+      </a:effectRef>
+      <a:fontRef idx="minor">
+        <a:schemeClr val="lt1"/>
+      </a:fontRef>
+    </dgm:style>
+  </dgm:styleLbl>
+  <dgm:styleLbl name="lnNode1">
+    <dgm:scene3d>
+      <a:camera prst="orthographicFront"/>
+      <a:lightRig rig="threePt" dir="t"/>
+    </dgm:scene3d>
+    <dgm:sp3d/>
+    <dgm:txPr/>
+    <dgm:style>
+      <a:lnRef idx="2">
+        <a:scrgbClr r="0" g="0" b="0"/>
+      </a:lnRef>
+      <a:fillRef idx="1">
+        <a:scrgbClr r="0" g="0" b="0"/>
+      </a:fillRef>
+      <a:effectRef idx="0">
+        <a:scrgbClr r="0" g="0" b="0"/>
+      </a:effectRef>
+      <a:fontRef idx="minor">
+        <a:schemeClr val="lt1"/>
+      </a:fontRef>
+    </dgm:style>
+  </dgm:styleLbl>
+  <dgm:styleLbl name="vennNode1">
+    <dgm:scene3d>
+      <a:camera prst="orthographicFront"/>
+      <a:lightRig rig="threePt" dir="t"/>
+    </dgm:scene3d>
+    <dgm:sp3d/>
+    <dgm:txPr/>
+    <dgm:style>
+      <a:lnRef idx="2">
+        <a:scrgbClr r="0" g="0" b="0"/>
+      </a:lnRef>
+      <a:fillRef idx="1">
+        <a:scrgbClr r="0" g="0" b="0"/>
+      </a:fillRef>
+      <a:effectRef idx="0">
+        <a:scrgbClr r="0" g="0" b="0"/>
+      </a:effectRef>
+      <a:fontRef idx="minor">
+        <a:schemeClr val="tx1"/>
+      </a:fontRef>
+    </dgm:style>
+  </dgm:styleLbl>
+  <dgm:styleLbl name="alignNode1">
+    <dgm:scene3d>
+      <a:camera prst="orthographicFront"/>
+      <a:lightRig rig="threePt" dir="t"/>
+    </dgm:scene3d>
+    <dgm:sp3d/>
+    <dgm:txPr/>
+    <dgm:style>
+      <a:lnRef idx="2">
+        <a:scrgbClr r="0" g="0" b="0"/>
+      </a:lnRef>
+      <a:fillRef idx="1">
+        <a:scrgbClr r="0" g="0" b="0"/>
+      </a:fillRef>
+      <a:effectRef idx="0">
+        <a:scrgbClr r="0" g="0" b="0"/>
+      </a:effectRef>
+      <a:fontRef idx="minor">
+        <a:schemeClr val="lt1"/>
+      </a:fontRef>
+    </dgm:style>
+  </dgm:styleLbl>
+  <dgm:styleLbl name="node1">
+    <dgm:scene3d>
+      <a:camera prst="orthographicFront"/>
+      <a:lightRig rig="threePt" dir="t"/>
+    </dgm:scene3d>
+    <dgm:sp3d/>
+    <dgm:txPr/>
+    <dgm:style>
+      <a:lnRef idx="2">
+        <a:scrgbClr r="0" g="0" b="0"/>
+      </a:lnRef>
+      <a:fillRef idx="1">
+        <a:scrgbClr r="0" g="0" b="0"/>
+      </a:fillRef>
+      <a:effectRef idx="0">
+        <a:scrgbClr r="0" g="0" b="0"/>
+      </a:effectRef>
+      <a:fontRef idx="minor">
+        <a:schemeClr val="lt1"/>
+      </a:fontRef>
+    </dgm:style>
+  </dgm:styleLbl>
+  <dgm:styleLbl name="node2">
+    <dgm:scene3d>
+      <a:camera prst="orthographicFront"/>
+      <a:lightRig rig="threePt" dir="t"/>
+    </dgm:scene3d>
+    <dgm:sp3d/>
+    <dgm:txPr/>
+    <dgm:style>
+      <a:lnRef idx="2">
+        <a:scrgbClr r="0" g="0" b="0"/>
+      </a:lnRef>
+      <a:fillRef idx="1">
+        <a:scrgbClr r="0" g="0" b="0"/>
+      </a:fillRef>
+      <a:effectRef idx="0">
+        <a:scrgbClr r="0" g="0" b="0"/>
+      </a:effectRef>
+      <a:fontRef idx="minor">
+        <a:schemeClr val="lt1"/>
+      </a:fontRef>
+    </dgm:style>
+  </dgm:styleLbl>
+  <dgm:styleLbl name="node3">
+    <dgm:scene3d>
+      <a:camera prst="orthographicFront"/>
+      <a:lightRig rig="threePt" dir="t"/>
+    </dgm:scene3d>
+    <dgm:sp3d/>
+    <dgm:txPr/>
+    <dgm:style>
+      <a:lnRef idx="2">
+        <a:scrgbClr r="0" g="0" b="0"/>
+      </a:lnRef>
+      <a:fillRef idx="1">
+        <a:scrgbClr r="0" g="0" b="0"/>
+      </a:fillRef>
+      <a:effectRef idx="0">
+        <a:scrgbClr r="0" g="0" b="0"/>
+      </a:effectRef>
+      <a:fontRef idx="minor">
+        <a:schemeClr val="lt1"/>
+      </a:fontRef>
+    </dgm:style>
+  </dgm:styleLbl>
+  <dgm:styleLbl name="node4">
+    <dgm:scene3d>
+      <a:camera prst="orthographicFront"/>
+      <a:lightRig rig="threePt" dir="t"/>
+    </dgm:scene3d>
+    <dgm:sp3d/>
+    <dgm:txPr/>
+    <dgm:style>
+      <a:lnRef idx="2">
+        <a:scrgbClr r="0" g="0" b="0"/>
+      </a:lnRef>
+      <a:fillRef idx="1">
+        <a:scrgbClr r="0" g="0" b="0"/>
+      </a:fillRef>
+      <a:effectRef idx="0">
+        <a:scrgbClr r="0" g="0" b="0"/>
+      </a:effectRef>
+      <a:fontRef idx="minor">
+        <a:schemeClr val="lt1"/>
+      </a:fontRef>
+    </dgm:style>
+  </dgm:styleLbl>
+  <dgm:styleLbl name="fgImgPlace1">
+    <dgm:scene3d>
+      <a:camera prst="orthographicFront"/>
+      <a:lightRig rig="threePt" dir="t"/>
+    </dgm:scene3d>
+    <dgm:sp3d/>
+    <dgm:txPr/>
+    <dgm:style>
+      <a:lnRef idx="2">
+        <a:scrgbClr r="0" g="0" b="0"/>
+      </a:lnRef>
+      <a:fillRef idx="1">
+        <a:scrgbClr r="0" g="0" b="0"/>
+      </a:fillRef>
+      <a:effectRef idx="0">
+        <a:scrgbClr r="0" g="0" b="0"/>
+      </a:effectRef>
+      <a:fontRef idx="minor"/>
+    </dgm:style>
+  </dgm:styleLbl>
+  <dgm:styleLbl name="alignImgPlace1">
+    <dgm:scene3d>
+      <a:camera prst="orthographicFront"/>
+      <a:lightRig rig="threePt" dir="t"/>
+    </dgm:scene3d>
+    <dgm:sp3d/>
+    <dgm:txPr/>
+    <dgm:style>
+      <a:lnRef idx="2">
+        <a:scrgbClr r="0" g="0" b="0"/>
+      </a:lnRef>
+      <a:fillRef idx="1">
+        <a:scrgbClr r="0" g="0" b="0"/>
+      </a:fillRef>
+      <a:effectRef idx="0">
+        <a:scrgbClr r="0" g="0" b="0"/>
+      </a:effectRef>
+      <a:fontRef idx="minor"/>
+    </dgm:style>
+  </dgm:styleLbl>
+  <dgm:styleLbl name="bgImgPlace1">
+    <dgm:scene3d>
+      <a:camera prst="orthographicFront"/>
+      <a:lightRig rig="threePt" dir="t"/>
+    </dgm:scene3d>
+    <dgm:sp3d/>
+    <dgm:txPr/>
+    <dgm:style>
+      <a:lnRef idx="2">
+        <a:scrgbClr r="0" g="0" b="0"/>
+      </a:lnRef>
+      <a:fillRef idx="1">
+        <a:scrgbClr r="0" g="0" b="0"/>
+      </a:fillRef>
+      <a:effectRef idx="0">
+        <a:scrgbClr r="0" g="0" b="0"/>
+      </a:effectRef>
+      <a:fontRef idx="minor"/>
+    </dgm:style>
+  </dgm:styleLbl>
+  <dgm:styleLbl name="sibTrans2D1">
+    <dgm:scene3d>
+      <a:camera prst="orthographicFront"/>
+      <a:lightRig rig="threePt" dir="t"/>
+    </dgm:scene3d>
+    <dgm:sp3d/>
+    <dgm:txPr/>
+    <dgm:style>
+      <a:lnRef idx="0">
+        <a:scrgbClr r="0" g="0" b="0"/>
+      </a:lnRef>
+      <a:fillRef idx="1">
+        <a:scrgbClr r="0" g="0" b="0"/>
+      </a:fillRef>
+      <a:effectRef idx="0">
+        <a:scrgbClr r="0" g="0" b="0"/>
+      </a:effectRef>
+      <a:fontRef idx="minor">
+        <a:schemeClr val="lt1"/>
+      </a:fontRef>
+    </dgm:style>
+  </dgm:styleLbl>
+  <dgm:styleLbl name="fgSibTrans2D1">
+    <dgm:scene3d>
+      <a:camera prst="orthographicFront"/>
+      <a:lightRig rig="threePt" dir="t"/>
+    </dgm:scene3d>
+    <dgm:sp3d/>
+    <dgm:txPr/>
+    <dgm:style>
+      <a:lnRef idx="0">
+        <a:scrgbClr r="0" g="0" b="0"/>
+      </a:lnRef>
+      <a:fillRef idx="1">
+        <a:scrgbClr r="0" g="0" b="0"/>
+      </a:fillRef>
+      <a:effectRef idx="0">
+        <a:scrgbClr r="0" g="0" b="0"/>
+      </a:effectRef>
+      <a:fontRef idx="minor">
+        <a:schemeClr val="lt1"/>
+      </a:fontRef>
+    </dgm:style>
+  </dgm:styleLbl>
+  <dgm:styleLbl name="bgSibTrans2D1">
+    <dgm:scene3d>
+      <a:camera prst="orthographicFront"/>
+      <a:lightRig rig="threePt" dir="t"/>
+    </dgm:scene3d>
+    <dgm:sp3d/>
+    <dgm:txPr/>
+    <dgm:style>
+      <a:lnRef idx="0">
+        <a:scrgbClr r="0" g="0" b="0"/>
+      </a:lnRef>
+      <a:fillRef idx="1">
+        <a:scrgbClr r="0" g="0" b="0"/>
+      </a:fillRef>
+      <a:effectRef idx="0">
+        <a:scrgbClr r="0" g="0" b="0"/>
+      </a:effectRef>
+      <a:fontRef idx="minor">
+        <a:schemeClr val="lt1"/>
+      </a:fontRef>
+    </dgm:style>
+  </dgm:styleLbl>
+  <dgm:styleLbl name="sibTrans1D1">
+    <dgm:scene3d>
+      <a:camera prst="orthographicFront"/>
+      <a:lightRig rig="threePt" dir="t"/>
+    </dgm:scene3d>
+    <dgm:sp3d/>
+    <dgm:txPr/>
+    <dgm:style>
+      <a:lnRef idx="1">
+        <a:scrgbClr r="0" g="0" b="0"/>
+      </a:lnRef>
+      <a:fillRef idx="0">
+        <a:scrgbClr r="0" g="0" b="0"/>
+      </a:fillRef>
+      <a:effectRef idx="0">
+        <a:scrgbClr r="0" g="0" b="0"/>
+      </a:effectRef>
+      <a:fontRef idx="minor"/>
+    </dgm:style>
+  </dgm:styleLbl>
+  <dgm:styleLbl name="callout">
+    <dgm:scene3d>
+      <a:camera prst="orthographicFront"/>
+      <a:lightRig rig="threePt" dir="t"/>
+    </dgm:scene3d>
+    <dgm:sp3d/>
+    <dgm:txPr/>
+    <dgm:style>
+      <a:lnRef idx="2">
+        <a:scrgbClr r="0" g="0" b="0"/>
+      </a:lnRef>
+      <a:fillRef idx="1">
+        <a:scrgbClr r="0" g="0" b="0"/>
+      </a:fillRef>
+      <a:effectRef idx="0">
+        <a:scrgbClr r="0" g="0" b="0"/>
+      </a:effectRef>
+      <a:fontRef idx="minor"/>
+    </dgm:style>
+  </dgm:styleLbl>
+  <dgm:styleLbl name="asst0">
+    <dgm:scene3d>
+      <a:camera prst="orthographicFront"/>
+      <a:lightRig rig="threePt" dir="t"/>
+    </dgm:scene3d>
+    <dgm:sp3d/>
+    <dgm:txPr/>
+    <dgm:style>
+      <a:lnRef idx="2">
+        <a:scrgbClr r="0" g="0" b="0"/>
+      </a:lnRef>
+      <a:fillRef idx="1">
+        <a:scrgbClr r="0" g="0" b="0"/>
+      </a:fillRef>
+      <a:effectRef idx="0">
+        <a:scrgbClr r="0" g="0" b="0"/>
+      </a:effectRef>
+      <a:fontRef idx="minor">
+        <a:schemeClr val="lt1"/>
+      </a:fontRef>
+    </dgm:style>
+  </dgm:styleLbl>
+  <dgm:styleLbl name="asst1">
+    <dgm:scene3d>
+      <a:camera prst="orthographicFront"/>
+      <a:lightRig rig="threePt" dir="t"/>
+    </dgm:scene3d>
+    <dgm:sp3d/>
+    <dgm:txPr/>
+    <dgm:style>
+      <a:lnRef idx="2">
+        <a:scrgbClr r="0" g="0" b="0"/>
+      </a:lnRef>
+      <a:fillRef idx="1">
+        <a:scrgbClr r="0" g="0" b="0"/>
+      </a:fillRef>
+      <a:effectRef idx="0">
+        <a:scrgbClr r="0" g="0" b="0"/>
+      </a:effectRef>
+      <a:fontRef idx="minor">
+        <a:schemeClr val="lt1"/>
+      </a:fontRef>
+    </dgm:style>
+  </dgm:styleLbl>
+  <dgm:styleLbl name="asst2">
+    <dgm:scene3d>
+      <a:camera prst="orthographicFront"/>
+      <a:lightRig rig="threePt" dir="t"/>
+    </dgm:scene3d>
+    <dgm:sp3d/>
+    <dgm:txPr/>
+    <dgm:style>
+      <a:lnRef idx="2">
+        <a:scrgbClr r="0" g="0" b="0"/>
+      </a:lnRef>
+      <a:fillRef idx="1">
+        <a:scrgbClr r="0" g="0" b="0"/>
+      </a:fillRef>
+      <a:effectRef idx="0">
+        <a:scrgbClr r="0" g="0" b="0"/>
+      </a:effectRef>
+      <a:fontRef idx="minor">
+        <a:schemeClr val="lt1"/>
+      </a:fontRef>
+    </dgm:style>
+  </dgm:styleLbl>
+  <dgm:styleLbl name="asst3">
+    <dgm:scene3d>
+      <a:camera prst="orthographicFront"/>
+      <a:lightRig rig="threePt" dir="t"/>
+    </dgm:scene3d>
+    <dgm:sp3d/>
+    <dgm:txPr/>
+    <dgm:style>
+      <a:lnRef idx="2">
+        <a:scrgbClr r="0" g="0" b="0"/>
+      </a:lnRef>
+      <a:fillRef idx="1">
+        <a:scrgbClr r="0" g="0" b="0"/>
+      </a:fillRef>
+      <a:effectRef idx="0">
+        <a:scrgbClr r="0" g="0" b="0"/>
+      </a:effectRef>
+      <a:fontRef idx="minor">
+        <a:schemeClr val="lt1"/>
+      </a:fontRef>
+    </dgm:style>
+  </dgm:styleLbl>
+  <dgm:styleLbl name="asst4">
+    <dgm:scene3d>
+      <a:camera prst="orthographicFront"/>
+      <a:lightRig rig="threePt" dir="t"/>
+    </dgm:scene3d>
+    <dgm:sp3d/>
+    <dgm:txPr/>
+    <dgm:style>
+      <a:lnRef idx="2">
+        <a:scrgbClr r="0" g="0" b="0"/>
+      </a:lnRef>
+      <a:fillRef idx="1">
+        <a:scrgbClr r="0" g="0" b="0"/>
+      </a:fillRef>
+      <a:effectRef idx="0">
+        <a:scrgbClr r="0" g="0" b="0"/>
+      </a:effectRef>
+      <a:fontRef idx="minor">
+        <a:schemeClr val="lt1"/>
+      </a:fontRef>
+    </dgm:style>
+  </dgm:styleLbl>
+  <dgm:styleLbl name="parChTrans2D1">
+    <dgm:scene3d>
+      <a:camera prst="orthographicFront"/>
+      <a:lightRig rig="threePt" dir="t"/>
+    </dgm:scene3d>
+    <dgm:sp3d/>
+    <dgm:txPr/>
+    <dgm:style>
+      <a:lnRef idx="2">
+        <a:scrgbClr r="0" g="0" b="0"/>
+      </a:lnRef>
+      <a:fillRef idx="1">
+        <a:scrgbClr r="0" g="0" b="0"/>
+      </a:fillRef>
+      <a:effectRef idx="0">
+        <a:scrgbClr r="0" g="0" b="0"/>
+      </a:effectRef>
+      <a:fontRef idx="minor">
+        <a:schemeClr val="lt1"/>
+      </a:fontRef>
+    </dgm:style>
+  </dgm:styleLbl>
+  <dgm:styleLbl name="parChTrans2D2">
+    <dgm:scene3d>
+      <a:camera prst="orthographicFront"/>
+      <a:lightRig rig="threePt" dir="t"/>
+    </dgm:scene3d>
+    <dgm:sp3d/>
+    <dgm:txPr/>
+    <dgm:style>
+      <a:lnRef idx="2">
+        <a:scrgbClr r="0" g="0" b="0"/>
+      </a:lnRef>
+      <a:fillRef idx="1">
+        <a:scrgbClr r="0" g="0" b="0"/>
+      </a:fillRef>
+      <a:effectRef idx="0">
+        <a:scrgbClr r="0" g="0" b="0"/>
+      </a:effectRef>
+      <a:fontRef idx="minor">
+        <a:schemeClr val="lt1"/>
+      </a:fontRef>
+    </dgm:style>
+  </dgm:styleLbl>
+  <dgm:styleLbl name="parChTrans2D3">
+    <dgm:scene3d>
+      <a:camera prst="orthographicFront"/>
+      <a:lightRig rig="threePt" dir="t"/>
+    </dgm:scene3d>
+    <dgm:sp3d/>
+    <dgm:txPr/>
+    <dgm:style>
+      <a:lnRef idx="2">
+        <a:scrgbClr r="0" g="0" b="0"/>
+      </a:lnRef>
+      <a:fillRef idx="1">
+        <a:scrgbClr r="0" g="0" b="0"/>
+      </a:fillRef>
+      <a:effectRef idx="0">
+        <a:scrgbClr r="0" g="0" b="0"/>
+      </a:effectRef>
+      <a:fontRef idx="minor">
+        <a:schemeClr val="lt1"/>
+      </a:fontRef>
+    </dgm:style>
+  </dgm:styleLbl>
+  <dgm:styleLbl name="parChTrans2D4">
+    <dgm:scene3d>
+      <a:camera prst="orthographicFront"/>
+      <a:lightRig rig="threePt" dir="t"/>
+    </dgm:scene3d>
+    <dgm:sp3d/>
+    <dgm:txPr/>
+    <dgm:style>
+      <a:lnRef idx="2">
+        <a:scrgbClr r="0" g="0" b="0"/>
+      </a:lnRef>
+      <a:fillRef idx="1">
+        <a:scrgbClr r="0" g="0" b="0"/>
+      </a:fillRef>
+      <a:effectRef idx="0">
+        <a:scrgbClr r="0" g="0" b="0"/>
+      </a:effectRef>
+      <a:fontRef idx="minor">
+        <a:schemeClr val="lt1"/>
+      </a:fontRef>
+    </dgm:style>
+  </dgm:styleLbl>
+  <dgm:styleLbl name="parChTrans1D1">
+    <dgm:scene3d>
+      <a:camera prst="orthographicFront"/>
+      <a:lightRig rig="threePt" dir="t"/>
+    </dgm:scene3d>
+    <dgm:sp3d/>
+    <dgm:txPr/>
+    <dgm:style>
+      <a:lnRef idx="2">
+        <a:scrgbClr r="0" g="0" b="0"/>
+      </a:lnRef>
+      <a:fillRef idx="0">
+        <a:scrgbClr r="0" g="0" b="0"/>
+      </a:fillRef>
+      <a:effectRef idx="0">
+        <a:scrgbClr r="0" g="0" b="0"/>
+      </a:effectRef>
+      <a:fontRef idx="minor"/>
+    </dgm:style>
+  </dgm:styleLbl>
+  <dgm:styleLbl name="parChTrans1D2">
+    <dgm:scene3d>
+      <a:camera prst="orthographicFront"/>
+      <a:lightRig rig="threePt" dir="t"/>
+    </dgm:scene3d>
+    <dgm:sp3d/>
+    <dgm:txPr/>
+    <dgm:style>
+      <a:lnRef idx="2">
+        <a:scrgbClr r="0" g="0" b="0"/>
+      </a:lnRef>
+      <a:fillRef idx="0">
+        <a:scrgbClr r="0" g="0" b="0"/>
+      </a:fillRef>
+      <a:effectRef idx="0">
+        <a:scrgbClr r="0" g="0" b="0"/>
+      </a:effectRef>
+      <a:fontRef idx="minor"/>
+    </dgm:style>
+  </dgm:styleLbl>
+  <dgm:styleLbl name="parChTrans1D3">
+    <dgm:scene3d>
+      <a:camera prst="orthographicFront"/>
+      <a:lightRig rig="threePt" dir="t"/>
+    </dgm:scene3d>
+    <dgm:sp3d/>
+    <dgm:txPr/>
+    <dgm:style>
+      <a:lnRef idx="2">
+        <a:scrgbClr r="0" g="0" b="0"/>
+      </a:lnRef>
+      <a:fillRef idx="0">
+        <a:scrgbClr r="0" g="0" b="0"/>
+      </a:fillRef>
+      <a:effectRef idx="0">
+        <a:scrgbClr r="0" g="0" b="0"/>
+      </a:effectRef>
+      <a:fontRef idx="minor"/>
+    </dgm:style>
+  </dgm:styleLbl>
+  <dgm:styleLbl name="parChTrans1D4">
+    <dgm:scene3d>
+      <a:camera prst="orthographicFront"/>
+      <a:lightRig rig="threePt" dir="t"/>
+    </dgm:scene3d>
+    <dgm:sp3d/>
+    <dgm:txPr/>
+    <dgm:style>
+      <a:lnRef idx="2">
+        <a:scrgbClr r="0" g="0" b="0"/>
+      </a:lnRef>
+      <a:fillRef idx="0">
+        <a:scrgbClr r="0" g="0" b="0"/>
+      </a:fillRef>
+      <a:effectRef idx="0">
+        <a:scrgbClr r="0" g="0" b="0"/>
+      </a:effectRef>
+      <a:fontRef idx="minor"/>
+    </dgm:style>
+  </dgm:styleLbl>
+  <dgm:styleLbl name="fgAcc1">
+    <dgm:scene3d>
+      <a:camera prst="orthographicFront"/>
+      <a:lightRig rig="threePt" dir="t"/>
+    </dgm:scene3d>
+    <dgm:sp3d/>
+    <dgm:txPr/>
+    <dgm:style>
+      <a:lnRef idx="2">
+        <a:scrgbClr r="0" g="0" b="0"/>
+      </a:lnRef>
+      <a:fillRef idx="1">
+        <a:scrgbClr r="0" g="0" b="0"/>
+      </a:fillRef>
+      <a:effectRef idx="0">
+        <a:scrgbClr r="0" g="0" b="0"/>
+      </a:effectRef>
+      <a:fontRef idx="minor"/>
+    </dgm:style>
+  </dgm:styleLbl>
+  <dgm:styleLbl name="conFgAcc1">
+    <dgm:scene3d>
+      <a:camera prst="orthographicFront"/>
+      <a:lightRig rig="threePt" dir="t"/>
+    </dgm:scene3d>
+    <dgm:sp3d/>
+    <dgm:txPr/>
+    <dgm:style>
+      <a:lnRef idx="2">
+        <a:scrgbClr r="0" g="0" b="0"/>
+      </a:lnRef>
+      <a:fillRef idx="1">
+        <a:scrgbClr r="0" g="0" b="0"/>
+      </a:fillRef>
+      <a:effectRef idx="0">
+        <a:scrgbClr r="0" g="0" b="0"/>
+      </a:effectRef>
+      <a:fontRef idx="minor"/>
+    </dgm:style>
+  </dgm:styleLbl>
+  <dgm:styleLbl name="alignAcc1">
+    <dgm:scene3d>
+      <a:camera prst="orthographicFront"/>
+      <a:lightRig rig="threePt" dir="t"/>
+    </dgm:scene3d>
+    <dgm:sp3d/>
+    <dgm:txPr/>
+    <dgm:style>
+      <a:lnRef idx="2">
+        <a:scrgbClr r="0" g="0" b="0"/>
+      </a:lnRef>
+      <a:fillRef idx="1">
+        <a:scrgbClr r="0" g="0" b="0"/>
+      </a:fillRef>
+      <a:effectRef idx="0">
+        <a:scrgbClr r="0" g="0" b="0"/>
+      </a:effectRef>
+      <a:fontRef idx="minor"/>
+    </dgm:style>
+  </dgm:styleLbl>
+  <dgm:styleLbl name="trAlignAcc1">
+    <dgm:scene3d>
+      <a:camera prst="orthographicFront"/>
+      <a:lightRig rig="threePt" dir="t"/>
+    </dgm:scene3d>
+    <dgm:sp3d/>
+    <dgm:txPr/>
+    <dgm:style>
+      <a:lnRef idx="1">
+        <a:scrgbClr r="0" g="0" b="0"/>
+      </a:lnRef>
+      <a:fillRef idx="1">
+        <a:scrgbClr r="0" g="0" b="0"/>
+      </a:fillRef>
+      <a:effectRef idx="0">
+        <a:scrgbClr r="0" g="0" b="0"/>
+      </a:effectRef>
+      <a:fontRef idx="minor"/>
+    </dgm:style>
+  </dgm:styleLbl>
+  <dgm:styleLbl name="bgAcc1">
+    <dgm:scene3d>
+      <a:camera prst="orthographicFront"/>
+      <a:lightRig rig="threePt" dir="t"/>
+    </dgm:scene3d>
+    <dgm:sp3d/>
+    <dgm:txPr/>
+    <dgm:style>
+      <a:lnRef idx="2">
+        <a:scrgbClr r="0" g="0" b="0"/>
+      </a:lnRef>
+      <a:fillRef idx="1">
+        <a:scrgbClr r="0" g="0" b="0"/>
+      </a:fillRef>
+      <a:effectRef idx="0">
+        <a:scrgbClr r="0" g="0" b="0"/>
+      </a:effectRef>
+      <a:fontRef idx="minor"/>
+    </dgm:style>
+  </dgm:styleLbl>
+  <dgm:styleLbl name="solidFgAcc1">
+    <dgm:scene3d>
+      <a:camera prst="orthographicFront"/>
+      <a:lightRig rig="threePt" dir="t"/>
+    </dgm:scene3d>
+    <dgm:sp3d/>
+    <dgm:txPr/>
+    <dgm:style>
+      <a:lnRef idx="2">
+        <a:scrgbClr r="0" g="0" b="0"/>
+      </a:lnRef>
+      <a:fillRef idx="1">
+        <a:scrgbClr r="0" g="0" b="0"/>
+      </a:fillRef>
+      <a:effectRef idx="0">
+        <a:scrgbClr r="0" g="0" b="0"/>
+      </a:effectRef>
+      <a:fontRef idx="minor"/>
+    </dgm:style>
+  </dgm:styleLbl>
+  <dgm:styleLbl name="solidAlignAcc1">
+    <dgm:scene3d>
+      <a:camera prst="orthographicFront"/>
+      <a:lightRig rig="threePt" dir="t"/>
+    </dgm:scene3d>
+    <dgm:sp3d/>
+    <dgm:txPr/>
+    <dgm:style>
+      <a:lnRef idx="2">
+        <a:scrgbClr r="0" g="0" b="0"/>
+      </a:lnRef>
+      <a:fillRef idx="1">
+        <a:scrgbClr r="0" g="0" b="0"/>
+      </a:fillRef>
+      <a:effectRef idx="0">
+        <a:scrgbClr r="0" g="0" b="0"/>
+      </a:effectRef>
+      <a:fontRef idx="minor"/>
+    </dgm:style>
+  </dgm:styleLbl>
+  <dgm:styleLbl name="solidBgAcc1">
+    <dgm:scene3d>
+      <a:camera prst="orthographicFront"/>
+      <a:lightRig rig="threePt" dir="t"/>
+    </dgm:scene3d>
+    <dgm:sp3d/>
+    <dgm:txPr/>
+    <dgm:style>
+      <a:lnRef idx="2">
+        <a:scrgbClr r="0" g="0" b="0"/>
+      </a:lnRef>
+      <a:fillRef idx="1">
+        <a:scrgbClr r="0" g="0" b="0"/>
+      </a:fillRef>
+      <a:effectRef idx="0">
+        <a:scrgbClr r="0" g="0" b="0"/>
+      </a:effectRef>
+      <a:fontRef idx="minor"/>
+    </dgm:style>
+  </dgm:styleLbl>
+  <dgm:styleLbl name="fgAccFollowNode1">
+    <dgm:scene3d>
+      <a:camera prst="orthographicFront"/>
+      <a:lightRig rig="threePt" dir="t"/>
+    </dgm:scene3d>
+    <dgm:sp3d/>
+    <dgm:txPr/>
+    <dgm:style>
+      <a:lnRef idx="2">
+        <a:scrgbClr r="0" g="0" b="0"/>
+      </a:lnRef>
+      <a:fillRef idx="1">
+        <a:scrgbClr r="0" g="0" b="0"/>
+      </a:fillRef>
+      <a:effectRef idx="0">
+        <a:scrgbClr r="0" g="0" b="0"/>
+      </a:effectRef>
+      <a:fontRef idx="minor"/>
+    </dgm:style>
+  </dgm:styleLbl>
+  <dgm:styleLbl name="alignAccFollowNode1">
+    <dgm:scene3d>
+      <a:camera prst="orthographicFront"/>
+      <a:lightRig rig="threePt" dir="t"/>
+    </dgm:scene3d>
+    <dgm:sp3d/>
+    <dgm:txPr/>
+    <dgm:style>
+      <a:lnRef idx="2">
+        <a:scrgbClr r="0" g="0" b="0"/>
+      </a:lnRef>
+      <a:fillRef idx="1">
+        <a:scrgbClr r="0" g="0" b="0"/>
+      </a:fillRef>
+      <a:effectRef idx="0">
+        <a:scrgbClr r="0" g="0" b="0"/>
+      </a:effectRef>
+      <a:fontRef idx="minor"/>
+    </dgm:style>
+  </dgm:styleLbl>
+  <dgm:styleLbl name="bgAccFollowNode1">
+    <dgm:scene3d>
+      <a:camera prst="orthographicFront"/>
+      <a:lightRig rig="threePt" dir="t"/>
+    </dgm:scene3d>
+    <dgm:sp3d/>
+    <dgm:txPr/>
+    <dgm:style>
+      <a:lnRef idx="2">
+        <a:scrgbClr r="0" g="0" b="0"/>
+      </a:lnRef>
+      <a:fillRef idx="1">
+        <a:scrgbClr r="0" g="0" b="0"/>
+      </a:fillRef>
+      <a:effectRef idx="0">
+        <a:scrgbClr r="0" g="0" b="0"/>
+      </a:effectRef>
+      <a:fontRef idx="minor"/>
+    </dgm:style>
+  </dgm:styleLbl>
+  <dgm:styleLbl name="fgAcc0">
+    <dgm:scene3d>
+      <a:camera prst="orthographicFront"/>
+      <a:lightRig rig="threePt" dir="t"/>
+    </dgm:scene3d>
+    <dgm:sp3d/>
+    <dgm:txPr/>
+    <dgm:style>
+      <a:lnRef idx="2">
+        <a:scrgbClr r="0" g="0" b="0"/>
+      </a:lnRef>
+      <a:fillRef idx="1">
+        <a:scrgbClr r="0" g="0" b="0"/>
+      </a:fillRef>
+      <a:effectRef idx="0">
+        <a:scrgbClr r="0" g="0" b="0"/>
+      </a:effectRef>
+      <a:fontRef idx="minor"/>
+    </dgm:style>
+  </dgm:styleLbl>
+  <dgm:styleLbl name="fgAcc2">
+    <dgm:scene3d>
+      <a:camera prst="orthographicFront"/>
+      <a:lightRig rig="threePt" dir="t"/>
+    </dgm:scene3d>
+    <dgm:sp3d/>
+    <dgm:txPr/>
+    <dgm:style>
+      <a:lnRef idx="2">
+        <a:scrgbClr r="0" g="0" b="0"/>
+      </a:lnRef>
+      <a:fillRef idx="1">
+        <a:scrgbClr r="0" g="0" b="0"/>
+      </a:fillRef>
+      <a:effectRef idx="0">
+        <a:scrgbClr r="0" g="0" b="0"/>
+      </a:effectRef>
+      <a:fontRef idx="minor"/>
+    </dgm:style>
+  </dgm:styleLbl>
+  <dgm:styleLbl name="fgAcc3">
+    <dgm:scene3d>
+      <a:camera prst="orthographicFront"/>
+      <a:lightRig rig="threePt" dir="t"/>
+    </dgm:scene3d>
+    <dgm:sp3d/>
+    <dgm:txPr/>
+    <dgm:style>
+      <a:lnRef idx="2">
+        <a:scrgbClr r="0" g="0" b="0"/>
+      </a:lnRef>
+      <a:fillRef idx="1">
+        <a:scrgbClr r="0" g="0" b="0"/>
+      </a:fillRef>
+      <a:effectRef idx="0">
+        <a:scrgbClr r="0" g="0" b="0"/>
+      </a:effectRef>
+      <a:fontRef idx="minor"/>
+    </dgm:style>
+  </dgm:styleLbl>
+  <dgm:styleLbl name="fgAcc4">
+    <dgm:scene3d>
+      <a:camera prst="orthographicFront"/>
+      <a:lightRig rig="threePt" dir="t"/>
+    </dgm:scene3d>
+    <dgm:sp3d/>
+    <dgm:txPr/>
+    <dgm:style>
+      <a:lnRef idx="2">
+        <a:scrgbClr r="0" g="0" b="0"/>
+      </a:lnRef>
+      <a:fillRef idx="1">
+        <a:scrgbClr r="0" g="0" b="0"/>
+      </a:fillRef>
+      <a:effectRef idx="0">
+        <a:scrgbClr r="0" g="0" b="0"/>
+      </a:effectRef>
+      <a:fontRef idx="minor"/>
+    </dgm:style>
+  </dgm:styleLbl>
+  <dgm:styleLbl name="bgShp">
+    <dgm:scene3d>
+      <a:camera prst="orthographicFront"/>
+      <a:lightRig rig="threePt" dir="t"/>
+    </dgm:scene3d>
+    <dgm:sp3d/>
+    <dgm:txPr/>
+    <dgm:style>
+      <a:lnRef idx="0">
+        <a:scrgbClr r="0" g="0" b="0"/>
+      </a:lnRef>
+      <a:fillRef idx="1">
+        <a:scrgbClr r="0" g="0" b="0"/>
+      </a:fillRef>
+      <a:effectRef idx="0">
+        <a:scrgbClr r="0" g="0" b="0"/>
+      </a:effectRef>
+      <a:fontRef idx="minor"/>
+    </dgm:style>
+  </dgm:styleLbl>
+  <dgm:styleLbl name="dkBgShp">
+    <dgm:scene3d>
+      <a:camera prst="orthographicFront"/>
+      <a:lightRig rig="threePt" dir="t"/>
+    </dgm:scene3d>
+    <dgm:sp3d/>
+    <dgm:txPr/>
+    <dgm:style>
+      <a:lnRef idx="0">
+        <a:scrgbClr r="0" g="0" b="0"/>
+      </a:lnRef>
+      <a:fillRef idx="1">
+        <a:scrgbClr r="0" g="0" b="0"/>
+      </a:fillRef>
+      <a:effectRef idx="0">
+        <a:scrgbClr r="0" g="0" b="0"/>
+      </a:effectRef>
+      <a:fontRef idx="minor"/>
+    </dgm:style>
+  </dgm:styleLbl>
+  <dgm:styleLbl name="trBgShp">
+    <dgm:scene3d>
+      <a:camera prst="orthographicFront"/>
+      <a:lightRig rig="threePt" dir="t"/>
+    </dgm:scene3d>
+    <dgm:sp3d/>
+    <dgm:txPr/>
+    <dgm:style>
+      <a:lnRef idx="0">
+        <a:scrgbClr r="0" g="0" b="0"/>
+      </a:lnRef>
+      <a:fillRef idx="1">
+        <a:scrgbClr r="0" g="0" b="0"/>
+      </a:fillRef>
+      <a:effectRef idx="0">
+        <a:scrgbClr r="0" g="0" b="0"/>
+      </a:effectRef>
+      <a:fontRef idx="minor"/>
+    </dgm:style>
+  </dgm:styleLbl>
+  <dgm:styleLbl name="fgShp">
+    <dgm:scene3d>
+      <a:camera prst="orthographicFront"/>
+      <a:lightRig rig="threePt" dir="t"/>
+    </dgm:scene3d>
+    <dgm:sp3d/>
+    <dgm:txPr/>
+    <dgm:style>
+      <a:lnRef idx="2">
+        <a:scrgbClr r="0" g="0" b="0"/>
+      </a:lnRef>
+      <a:fillRef idx="1">
+        <a:scrgbClr r="0" g="0" b="0"/>
+      </a:fillRef>
+      <a:effectRef idx="0">
+        <a:scrgbClr r="0" g="0" b="0"/>
+      </a:effectRef>
+      <a:fontRef idx="minor"/>
+    </dgm:style>
+  </dgm:styleLbl>
+  <dgm:styleLbl name="revTx">
+    <dgm:scene3d>
+      <a:camera prst="orthographicFront"/>
+      <a:lightRig rig="threePt" dir="t"/>
+    </dgm:scene3d>
+    <dgm:sp3d/>
+    <dgm:txPr/>
+    <dgm:style>
+      <a:lnRef idx="0">
+        <a:scrgbClr r="0" g="0" b="0"/>
+      </a:lnRef>
+      <a:fillRef idx="0">
+        <a:scrgbClr r="0" g="0" b="0"/>
+      </a:fillRef>
+      <a:effectRef idx="0">
+        <a:scrgbClr r="0" g="0" b="0"/>
+      </a:effectRef>
+      <a:fontRef idx="minor"/>
+    </dgm:style>
+  </dgm:styleLbl>
+</dgm:styleDef>
 </file>
 
 <file path=ppt/slideLayouts/slideLayout1.xml><?xml version="1.0" encoding="utf-8"?>
@@ -752,7 +5757,7 @@
           <a:p>
             <a:fld id="{3A911585-E7AF-4F9D-B4B2-D6F890EBD4FF}" type="datetimeFigureOut">
               <a:rPr lang="en-US" smtClean="0"/>
-              <a:t>8/16/2014</a:t>
+              <a:t>8/17/2014</a:t>
             </a:fld>
             <a:endParaRPr lang="en-US"/>
           </a:p>
@@ -985,7 +5990,7 @@
           <a:p>
             <a:fld id="{3A911585-E7AF-4F9D-B4B2-D6F890EBD4FF}" type="datetimeFigureOut">
               <a:rPr lang="en-US" smtClean="0"/>
-              <a:t>8/16/2014</a:t>
+              <a:t>8/17/2014</a:t>
             </a:fld>
             <a:endParaRPr lang="en-US"/>
           </a:p>
@@ -1170,7 +6175,7 @@
           <a:p>
             <a:fld id="{3A911585-E7AF-4F9D-B4B2-D6F890EBD4FF}" type="datetimeFigureOut">
               <a:rPr lang="en-US" smtClean="0"/>
-              <a:t>8/16/2014</a:t>
+              <a:t>8/17/2014</a:t>
             </a:fld>
             <a:endParaRPr lang="en-US"/>
           </a:p>
@@ -1320,7 +6325,7 @@
           <a:p>
             <a:fld id="{3A911585-E7AF-4F9D-B4B2-D6F890EBD4FF}" type="datetimeFigureOut">
               <a:rPr lang="en-US" smtClean="0"/>
-              <a:t>8/16/2014</a:t>
+              <a:t>8/17/2014</a:t>
             </a:fld>
             <a:endParaRPr lang="en-US"/>
           </a:p>
@@ -1650,7 +6655,7 @@
           <a:p>
             <a:fld id="{3A911585-E7AF-4F9D-B4B2-D6F890EBD4FF}" type="datetimeFigureOut">
               <a:rPr lang="en-US" smtClean="0"/>
-              <a:t>8/16/2014</a:t>
+              <a:t>8/17/2014</a:t>
             </a:fld>
             <a:endParaRPr lang="en-US"/>
           </a:p>
@@ -2066,7 +7071,7 @@
           <a:p>
             <a:fld id="{3A911585-E7AF-4F9D-B4B2-D6F890EBD4FF}" type="datetimeFigureOut">
               <a:rPr lang="en-US" smtClean="0"/>
-              <a:t>8/16/2014</a:t>
+              <a:t>8/17/2014</a:t>
             </a:fld>
             <a:endParaRPr lang="en-US"/>
           </a:p>
@@ -2519,7 +7524,7 @@
           <a:p>
             <a:fld id="{3A911585-E7AF-4F9D-B4B2-D6F890EBD4FF}" type="datetimeFigureOut">
               <a:rPr lang="en-US" smtClean="0"/>
-              <a:t>8/16/2014</a:t>
+              <a:t>8/17/2014</a:t>
             </a:fld>
             <a:endParaRPr lang="en-US"/>
           </a:p>
@@ -2620,7 +7625,7 @@
           <a:p>
             <a:fld id="{3A911585-E7AF-4F9D-B4B2-D6F890EBD4FF}" type="datetimeFigureOut">
               <a:rPr lang="en-US" smtClean="0"/>
-              <a:t>8/16/2014</a:t>
+              <a:t>8/17/2014</a:t>
             </a:fld>
             <a:endParaRPr lang="en-US"/>
           </a:p>
@@ -2741,7 +7746,7 @@
           <a:p>
             <a:fld id="{3A911585-E7AF-4F9D-B4B2-D6F890EBD4FF}" type="datetimeFigureOut">
               <a:rPr lang="en-US" smtClean="0"/>
-              <a:t>8/16/2014</a:t>
+              <a:t>8/17/2014</a:t>
             </a:fld>
             <a:endParaRPr lang="en-US"/>
           </a:p>
@@ -3045,7 +8050,7 @@
           <a:p>
             <a:fld id="{3A911585-E7AF-4F9D-B4B2-D6F890EBD4FF}" type="datetimeFigureOut">
               <a:rPr lang="en-US" smtClean="0"/>
-              <a:t>8/16/2014</a:t>
+              <a:t>8/17/2014</a:t>
             </a:fld>
             <a:endParaRPr lang="en-US"/>
           </a:p>
@@ -3250,7 +8255,7 @@
           <a:p>
             <a:fld id="{3A911585-E7AF-4F9D-B4B2-D6F890EBD4FF}" type="datetimeFigureOut">
               <a:rPr lang="en-US" smtClean="0"/>
-              <a:t>8/16/2014</a:t>
+              <a:t>8/17/2014</a:t>
             </a:fld>
             <a:endParaRPr lang="en-US"/>
           </a:p>
@@ -4359,7 +9364,7 @@
           <a:p>
             <a:fld id="{3A911585-E7AF-4F9D-B4B2-D6F890EBD4FF}" type="datetimeFigureOut">
               <a:rPr lang="en-US" smtClean="0"/>
-              <a:t>8/16/2014</a:t>
+              <a:t>8/17/2014</a:t>
             </a:fld>
             <a:endParaRPr lang="en-US"/>
           </a:p>
@@ -4827,11 +9832,7 @@
             <a:pPr algn="r"/>
             <a:r>
               <a:rPr lang="en-US" dirty="0" smtClean="0"/>
-              <a:t>GROUP </a:t>
-            </a:r>
-            <a:r>
-              <a:rPr lang="en-US" dirty="0" smtClean="0"/>
-              <a:t>2</a:t>
+              <a:t>GROUP 2</a:t>
             </a:r>
             <a:endParaRPr lang="en-US" dirty="0"/>
           </a:p>
@@ -4976,6 +9977,35 @@
           </a:extLst>
         </p:spPr>
       </p:pic>
+      <p:sp>
+        <p:nvSpPr>
+          <p:cNvPr id="4" name="TextBox 3"/>
+          <p:cNvSpPr txBox="1"/>
+          <p:nvPr/>
+        </p:nvSpPr>
+        <p:spPr>
+          <a:xfrm>
+            <a:off x="2573583" y="6329136"/>
+            <a:ext cx="4559261" cy="369332"/>
+          </a:xfrm>
+          <a:prstGeom prst="rect">
+            <a:avLst/>
+          </a:prstGeom>
+          <a:noFill/>
+        </p:spPr>
+        <p:txBody>
+          <a:bodyPr wrap="none" rtlCol="0">
+            <a:spAutoFit/>
+          </a:bodyPr>
+          <a:lstStyle/>
+          <a:p>
+            <a:r>
+              <a:rPr lang="en-US" dirty="0"/>
+              <a:t>http://www.crshealthcareitgroup.com/</a:t>
+            </a:r>
+          </a:p>
+        </p:txBody>
+      </p:sp>
     </p:spTree>
     <p:extLst>
       <p:ext uri="{BB962C8B-B14F-4D97-AF65-F5344CB8AC3E}">
@@ -5075,15 +10105,7 @@
           <a:p>
             <a:r>
               <a:rPr lang="en-US" dirty="0" smtClean="0"/>
-              <a:t>Patient can </a:t>
-            </a:r>
-            <a:r>
-              <a:rPr lang="en-US" dirty="0" smtClean="0"/>
-              <a:t>comment/rating for doctor</a:t>
-            </a:r>
-            <a:r>
-              <a:rPr lang="en-US" dirty="0" smtClean="0"/>
-              <a:t>.</a:t>
+              <a:t>Patient can comment/rating for doctor.</a:t>
             </a:r>
             <a:endParaRPr lang="en-US" dirty="0"/>
           </a:p>
@@ -6518,7 +11540,6 @@
               <a:rPr lang="en-US" sz="4000" dirty="0"/>
               <a:t>Main features</a:t>
             </a:r>
-            <a:endParaRPr lang="en-US" sz="4000" dirty="0"/>
           </a:p>
         </p:txBody>
       </p:sp>
@@ -6683,11 +11704,7 @@
             <a:pPr algn="ctr"/>
             <a:r>
               <a:rPr lang="en-US" dirty="0" smtClean="0"/>
-              <a:t>Manage Medical </a:t>
-            </a:r>
-            <a:r>
-              <a:rPr lang="en-US" dirty="0" smtClean="0"/>
-              <a:t>Profile</a:t>
+              <a:t>Manage Medical Profile</a:t>
             </a:r>
           </a:p>
         </p:txBody>
@@ -6773,15 +11790,7 @@
             <a:pPr algn="ctr"/>
             <a:r>
               <a:rPr lang="en-US" dirty="0" smtClean="0"/>
-              <a:t>View Comment </a:t>
-            </a:r>
-            <a:r>
-              <a:rPr lang="en-US" dirty="0" smtClean="0"/>
-              <a:t>/</a:t>
-            </a:r>
-            <a:r>
-              <a:rPr lang="en-US" dirty="0" smtClean="0"/>
-              <a:t>Rating</a:t>
+              <a:t>View Comment /Rating</a:t>
             </a:r>
             <a:endParaRPr lang="en-US" dirty="0"/>
           </a:p>
@@ -7626,11 +12635,7 @@
             <a:pPr algn="ctr"/>
             <a:r>
               <a:rPr lang="en-US" dirty="0" smtClean="0"/>
-              <a:t>Manage Personal </a:t>
-            </a:r>
-            <a:r>
-              <a:rPr lang="en-US" dirty="0" smtClean="0"/>
-              <a:t>Health Record</a:t>
+              <a:t>Manage Personal Health Record</a:t>
             </a:r>
             <a:endParaRPr lang="en-US" dirty="0"/>
           </a:p>
@@ -8109,97 +13114,31 @@
           <a:chExt cx="0" cy="0"/>
         </a:xfrm>
       </p:grpSpPr>
-      <p:sp>
-        <p:nvSpPr>
-          <p:cNvPr id="3" name="Content Placeholder 2"/>
-          <p:cNvSpPr>
-            <a:spLocks noGrp="1"/>
-          </p:cNvSpPr>
+      <p:graphicFrame>
+        <p:nvGraphicFramePr>
+          <p:cNvPr id="4" name="Content Placeholder 3"/>
+          <p:cNvGraphicFramePr>
+            <a:graphicFrameLocks noGrp="1"/>
+          </p:cNvGraphicFramePr>
           <p:nvPr>
             <p:ph idx="1"/>
+            <p:extLst>
+              <p:ext uri="{D42A27DB-BD31-4B8C-83A1-F6EECF244321}">
+                <p14:modId xmlns:p14="http://schemas.microsoft.com/office/powerpoint/2010/main" val="661331582"/>
+              </p:ext>
+            </p:extLst>
           </p:nvPr>
-        </p:nvSpPr>
-        <p:spPr/>
-        <p:txBody>
-          <a:bodyPr>
-            <a:normAutofit/>
-          </a:bodyPr>
-          <a:lstStyle/>
-          <a:p>
-            <a:r>
-              <a:rPr lang="en-US" dirty="0"/>
-              <a:t>The system is intended for using in one </a:t>
-            </a:r>
-            <a:r>
-              <a:rPr lang="en-US" dirty="0" smtClean="0"/>
-              <a:t>hospital or clinic. This </a:t>
-            </a:r>
-            <a:r>
-              <a:rPr lang="en-US" dirty="0" smtClean="0"/>
-              <a:t>system doesn’t support yet:</a:t>
-            </a:r>
-          </a:p>
-          <a:p>
-            <a:pPr lvl="1"/>
-            <a:r>
-              <a:rPr lang="en-US" dirty="0"/>
-              <a:t>Exporting medical profile.</a:t>
-            </a:r>
-          </a:p>
-          <a:p>
-            <a:pPr lvl="1"/>
-            <a:r>
-              <a:rPr lang="en-US" dirty="0"/>
-              <a:t>Managing prescription.</a:t>
-            </a:r>
-          </a:p>
-          <a:p>
-            <a:pPr lvl="1"/>
-            <a:r>
-              <a:rPr lang="en-US" dirty="0"/>
-              <a:t>Managing process of a hospital.</a:t>
-            </a:r>
-          </a:p>
-          <a:p>
-            <a:pPr lvl="1"/>
-            <a:r>
-              <a:rPr lang="en-US" dirty="0"/>
-              <a:t>Custom layout for medical</a:t>
-            </a:r>
-            <a:r>
-              <a:rPr lang="en-US" dirty="0" smtClean="0"/>
-              <a:t>.</a:t>
-            </a:r>
-          </a:p>
-          <a:p>
-            <a:pPr lvl="1"/>
-            <a:r>
-              <a:rPr lang="en-US" dirty="0" smtClean="0"/>
-              <a:t>Tracking changes in a medical profile</a:t>
-            </a:r>
-            <a:endParaRPr lang="en-US" dirty="0"/>
-          </a:p>
-          <a:p>
-            <a:r>
-              <a:rPr lang="en-US" dirty="0" smtClean="0"/>
-              <a:t>This </a:t>
-            </a:r>
-            <a:r>
-              <a:rPr lang="en-US" dirty="0"/>
-              <a:t>system not intend to replace the current medical treatment processes in hospital.</a:t>
-            </a:r>
-          </a:p>
-          <a:p>
-            <a:endParaRPr lang="en-US" dirty="0" smtClean="0"/>
-          </a:p>
-          <a:p>
-            <a:pPr marL="457200" lvl="1" indent="0">
-              <a:buNone/>
-            </a:pPr>
-            <a:endParaRPr lang="en-US" dirty="0"/>
-          </a:p>
-        </p:txBody>
-      </p:sp>
+        </p:nvGraphicFramePr>
+        <p:xfrm>
+          <a:off x="457200" y="1481138"/>
+          <a:ext cx="8229600" cy="4525962"/>
+        </p:xfrm>
+        <a:graphic>
+          <a:graphicData uri="http://schemas.openxmlformats.org/drawingml/2006/diagram">
+            <dgm:relIds xmlns:dgm="http://schemas.openxmlformats.org/drawingml/2006/diagram" xmlns:r="http://schemas.openxmlformats.org/officeDocument/2006/relationships" r:dm="rId2" r:lo="rId3" r:qs="rId4" r:cs="rId5"/>
+          </a:graphicData>
+        </a:graphic>
+      </p:graphicFrame>
       <p:sp>
         <p:nvSpPr>
           <p:cNvPr id="2" name="Title 1"/>
@@ -8219,7 +13158,7 @@
           <a:p>
             <a:r>
               <a:rPr lang="en-US" dirty="0" smtClean="0"/>
-              <a:t>Disadvantages</a:t>
+              <a:t>1. Create Medical Profile</a:t>
             </a:r>
             <a:endParaRPr lang="en-US" dirty="0"/>
           </a:p>
@@ -8228,7 +13167,7 @@
     </p:spTree>
     <p:extLst>
       <p:ext uri="{BB962C8B-B14F-4D97-AF65-F5344CB8AC3E}">
-        <p14:creationId xmlns:p14="http://schemas.microsoft.com/office/powerpoint/2010/main" val="645801528"/>
+        <p14:creationId xmlns:p14="http://schemas.microsoft.com/office/powerpoint/2010/main" val="659301152"/>
       </p:ext>
     </p:extLst>
   </p:cSld>
@@ -8262,95 +13201,31 @@
           <a:chExt cx="0" cy="0"/>
         </a:xfrm>
       </p:grpSpPr>
-      <p:sp>
-        <p:nvSpPr>
-          <p:cNvPr id="3" name="Content Placeholder 2"/>
-          <p:cNvSpPr>
-            <a:spLocks noGrp="1"/>
-          </p:cNvSpPr>
+      <p:graphicFrame>
+        <p:nvGraphicFramePr>
+          <p:cNvPr id="4" name="Content Placeholder 3"/>
+          <p:cNvGraphicFramePr>
+            <a:graphicFrameLocks noGrp="1"/>
+          </p:cNvGraphicFramePr>
           <p:nvPr>
             <p:ph idx="1"/>
+            <p:extLst>
+              <p:ext uri="{D42A27DB-BD31-4B8C-83A1-F6EECF244321}">
+                <p14:modId xmlns:p14="http://schemas.microsoft.com/office/powerpoint/2010/main" val="2091230537"/>
+              </p:ext>
+            </p:extLst>
           </p:nvPr>
-        </p:nvSpPr>
-        <p:spPr/>
-        <p:txBody>
-          <a:bodyPr/>
-          <a:lstStyle/>
-          <a:p>
-            <a:r>
-              <a:rPr lang="en-US" dirty="0"/>
-              <a:t>The system is </a:t>
-            </a:r>
-            <a:r>
-              <a:rPr lang="en-US" dirty="0" smtClean="0"/>
-              <a:t>intended for many hospitals to share their medical profile.</a:t>
-            </a:r>
-            <a:endParaRPr lang="en-US" dirty="0"/>
-          </a:p>
-          <a:p>
-            <a:r>
-              <a:rPr lang="en-US" dirty="0"/>
-              <a:t>This system </a:t>
-            </a:r>
-            <a:r>
-              <a:rPr lang="en-US" dirty="0" smtClean="0"/>
-              <a:t>will support:</a:t>
-            </a:r>
-            <a:endParaRPr lang="en-US" dirty="0"/>
-          </a:p>
-          <a:p>
-            <a:pPr lvl="1"/>
-            <a:r>
-              <a:rPr lang="en-US" dirty="0"/>
-              <a:t>Exporting medical profile.</a:t>
-            </a:r>
-          </a:p>
-          <a:p>
-            <a:pPr lvl="1"/>
-            <a:r>
-              <a:rPr lang="en-US" dirty="0"/>
-              <a:t>Managing prescription.</a:t>
-            </a:r>
-          </a:p>
-          <a:p>
-            <a:pPr lvl="1"/>
-            <a:r>
-              <a:rPr lang="en-US" dirty="0"/>
-              <a:t>Managing process of a hospital.</a:t>
-            </a:r>
-          </a:p>
-          <a:p>
-            <a:pPr lvl="1"/>
-            <a:r>
-              <a:rPr lang="en-US" dirty="0"/>
-              <a:t>Custom layout for medical</a:t>
-            </a:r>
-            <a:r>
-              <a:rPr lang="en-US" dirty="0" smtClean="0"/>
-              <a:t>.</a:t>
-            </a:r>
-          </a:p>
-          <a:p>
-            <a:pPr lvl="1"/>
-            <a:r>
-              <a:rPr lang="en-US" dirty="0"/>
-              <a:t>Tracking changes in a medical </a:t>
-            </a:r>
-            <a:r>
-              <a:rPr lang="en-US" dirty="0" smtClean="0"/>
-              <a:t>profile</a:t>
-            </a:r>
-            <a:endParaRPr lang="en-US" dirty="0" smtClean="0"/>
-          </a:p>
-          <a:p>
-            <a:pPr lvl="1"/>
-            <a:endParaRPr lang="en-US" dirty="0"/>
-          </a:p>
-          <a:p>
-            <a:endParaRPr lang="en-US" dirty="0"/>
-          </a:p>
-        </p:txBody>
-      </p:sp>
+        </p:nvGraphicFramePr>
+        <p:xfrm>
+          <a:off x="457200" y="1295400"/>
+          <a:ext cx="8229600" cy="4711700"/>
+        </p:xfrm>
+        <a:graphic>
+          <a:graphicData uri="http://schemas.openxmlformats.org/drawingml/2006/diagram">
+            <dgm:relIds xmlns:dgm="http://schemas.openxmlformats.org/drawingml/2006/diagram" xmlns:r="http://schemas.openxmlformats.org/officeDocument/2006/relationships" r:dm="rId2" r:lo="rId3" r:qs="rId4" r:cs="rId5"/>
+          </a:graphicData>
+        </a:graphic>
+      </p:graphicFrame>
       <p:sp>
         <p:nvSpPr>
           <p:cNvPr id="2" name="Title 1"/>
@@ -8369,12 +13244,8 @@
           <a:lstStyle/>
           <a:p>
             <a:r>
-              <a:rPr lang="en-US" dirty="0"/>
-              <a:t>Future </a:t>
-            </a:r>
-            <a:r>
               <a:rPr lang="en-US" dirty="0" smtClean="0"/>
-              <a:t>Plan</a:t>
+              <a:t>2. Consult With Doctor</a:t>
             </a:r>
             <a:endParaRPr lang="en-US" dirty="0"/>
           </a:p>
@@ -8383,7 +13254,7 @@
     </p:spTree>
     <p:extLst>
       <p:ext uri="{BB962C8B-B14F-4D97-AF65-F5344CB8AC3E}">
-        <p14:creationId xmlns:p14="http://schemas.microsoft.com/office/powerpoint/2010/main" val="2869661382"/>
+        <p14:creationId xmlns:p14="http://schemas.microsoft.com/office/powerpoint/2010/main" val="2693509894"/>
       </p:ext>
     </p:extLst>
   </p:cSld>
@@ -8438,7 +13309,6 @@
               <a:rPr lang="en-US" sz="4000" dirty="0" smtClean="0"/>
               <a:t>Supervisor:</a:t>
             </a:r>
-            <a:endParaRPr lang="en-US" sz="4000" dirty="0" smtClean="0"/>
           </a:p>
           <a:p>
             <a:pPr lvl="1"/>
@@ -8455,7 +13325,6 @@
               <a:rPr lang="en-US" sz="4000" dirty="0" smtClean="0"/>
               <a:t>Team Member</a:t>
             </a:r>
-            <a:endParaRPr lang="en-US" sz="4000" dirty="0" smtClean="0"/>
           </a:p>
           <a:p>
             <a:pPr lvl="1"/>
@@ -8551,34 +13420,77 @@
         </p:nvSpPr>
         <p:spPr/>
         <p:txBody>
-          <a:bodyPr/>
+          <a:bodyPr>
+            <a:normAutofit/>
+          </a:bodyPr>
           <a:lstStyle/>
           <a:p>
-            <a:pPr marL="0" indent="0">
+            <a:r>
+              <a:rPr lang="en-US" dirty="0"/>
+              <a:t>The system is intended for using in one </a:t>
+            </a:r>
+            <a:r>
+              <a:rPr lang="en-US" dirty="0" smtClean="0"/>
+              <a:t>hospital or clinic. This system doesn’t support yet:</a:t>
+            </a:r>
+          </a:p>
+          <a:p>
+            <a:pPr lvl="1"/>
+            <a:r>
+              <a:rPr lang="en-US" dirty="0"/>
+              <a:t>Exporting medical profile.</a:t>
+            </a:r>
+          </a:p>
+          <a:p>
+            <a:pPr lvl="1"/>
+            <a:r>
+              <a:rPr lang="en-US" dirty="0"/>
+              <a:t>Managing prescription.</a:t>
+            </a:r>
+          </a:p>
+          <a:p>
+            <a:pPr lvl="1"/>
+            <a:r>
+              <a:rPr lang="en-US" dirty="0"/>
+              <a:t>Managing process of a hospital.</a:t>
+            </a:r>
+          </a:p>
+          <a:p>
+            <a:pPr lvl="1"/>
+            <a:r>
+              <a:rPr lang="en-US" dirty="0"/>
+              <a:t>Custom layout for medical</a:t>
+            </a:r>
+            <a:r>
+              <a:rPr lang="en-US" dirty="0" smtClean="0"/>
+              <a:t>.</a:t>
+            </a:r>
+          </a:p>
+          <a:p>
+            <a:pPr lvl="1"/>
+            <a:r>
+              <a:rPr lang="en-US" dirty="0" smtClean="0"/>
+              <a:t>Tracking changes in a medical profile</a:t>
+            </a:r>
+            <a:endParaRPr lang="en-US" dirty="0"/>
+          </a:p>
+          <a:p>
+            <a:r>
+              <a:rPr lang="en-US" dirty="0" smtClean="0"/>
+              <a:t>This </a:t>
+            </a:r>
+            <a:r>
+              <a:rPr lang="en-US" dirty="0"/>
+              <a:t>system not intend to replace the current medical treatment processes in hospital.</a:t>
+            </a:r>
+          </a:p>
+          <a:p>
+            <a:endParaRPr lang="en-US" dirty="0" smtClean="0"/>
+          </a:p>
+          <a:p>
+            <a:pPr marL="457200" lvl="1" indent="0">
               <a:buNone/>
             </a:pPr>
-            <a:endParaRPr lang="en-US" dirty="0" smtClean="0"/>
-          </a:p>
-          <a:p>
-            <a:pPr marL="0" indent="0">
-              <a:buNone/>
-            </a:pPr>
-            <a:endParaRPr lang="en-US" dirty="0"/>
-          </a:p>
-          <a:p>
-            <a:pPr marL="0" indent="0">
-              <a:buNone/>
-            </a:pPr>
-            <a:endParaRPr lang="en-US" dirty="0" smtClean="0"/>
-          </a:p>
-          <a:p>
-            <a:pPr marL="0" indent="0" algn="ctr">
-              <a:buNone/>
-            </a:pPr>
-            <a:r>
-              <a:rPr lang="en-US" dirty="0" smtClean="0"/>
-              <a:t>Q &amp; A</a:t>
-            </a:r>
             <a:endParaRPr lang="en-US" dirty="0"/>
           </a:p>
         </p:txBody>
@@ -8600,6 +13512,10 @@
           </a:bodyPr>
           <a:lstStyle/>
           <a:p>
+            <a:r>
+              <a:rPr lang="en-US" dirty="0" smtClean="0"/>
+              <a:t>Disadvantages</a:t>
+            </a:r>
             <a:endParaRPr lang="en-US" dirty="0"/>
           </a:p>
         </p:txBody>
@@ -8607,7 +13523,7 @@
     </p:spTree>
     <p:extLst>
       <p:ext uri="{BB962C8B-B14F-4D97-AF65-F5344CB8AC3E}">
-        <p14:creationId xmlns:p14="http://schemas.microsoft.com/office/powerpoint/2010/main" val="1648739055"/>
+        <p14:creationId xmlns:p14="http://schemas.microsoft.com/office/powerpoint/2010/main" val="645801528"/>
       </p:ext>
     </p:extLst>
   </p:cSld>
@@ -8653,11 +13569,267 @@
         </p:nvSpPr>
         <p:spPr/>
         <p:txBody>
+          <a:bodyPr/>
+          <a:lstStyle/>
+          <a:p>
+            <a:r>
+              <a:rPr lang="en-US" dirty="0"/>
+              <a:t>The system is </a:t>
+            </a:r>
+            <a:r>
+              <a:rPr lang="en-US" dirty="0" smtClean="0"/>
+              <a:t>intended for many hospitals to share their medical profile.</a:t>
+            </a:r>
+            <a:endParaRPr lang="en-US" dirty="0"/>
+          </a:p>
+          <a:p>
+            <a:r>
+              <a:rPr lang="en-US" dirty="0"/>
+              <a:t>This system </a:t>
+            </a:r>
+            <a:r>
+              <a:rPr lang="en-US" dirty="0" smtClean="0"/>
+              <a:t>will support:</a:t>
+            </a:r>
+            <a:endParaRPr lang="en-US" dirty="0"/>
+          </a:p>
+          <a:p>
+            <a:pPr lvl="1"/>
+            <a:r>
+              <a:rPr lang="en-US" dirty="0"/>
+              <a:t>Exporting medical profile.</a:t>
+            </a:r>
+          </a:p>
+          <a:p>
+            <a:pPr lvl="1"/>
+            <a:r>
+              <a:rPr lang="en-US" dirty="0"/>
+              <a:t>Managing prescription.</a:t>
+            </a:r>
+          </a:p>
+          <a:p>
+            <a:pPr lvl="1"/>
+            <a:r>
+              <a:rPr lang="en-US" dirty="0"/>
+              <a:t>Managing process of a hospital.</a:t>
+            </a:r>
+          </a:p>
+          <a:p>
+            <a:pPr lvl="1"/>
+            <a:r>
+              <a:rPr lang="en-US" dirty="0"/>
+              <a:t>Custom layout for medical</a:t>
+            </a:r>
+            <a:r>
+              <a:rPr lang="en-US" dirty="0" smtClean="0"/>
+              <a:t>.</a:t>
+            </a:r>
+          </a:p>
+          <a:p>
+            <a:pPr lvl="1"/>
+            <a:r>
+              <a:rPr lang="en-US" dirty="0"/>
+              <a:t>Tracking changes in a medical </a:t>
+            </a:r>
+            <a:r>
+              <a:rPr lang="en-US" dirty="0" smtClean="0"/>
+              <a:t>profile</a:t>
+            </a:r>
+          </a:p>
+          <a:p>
+            <a:pPr lvl="1"/>
+            <a:endParaRPr lang="en-US" dirty="0"/>
+          </a:p>
+          <a:p>
+            <a:endParaRPr lang="en-US" dirty="0"/>
+          </a:p>
+        </p:txBody>
+      </p:sp>
+      <p:sp>
+        <p:nvSpPr>
+          <p:cNvPr id="2" name="Title 1"/>
+          <p:cNvSpPr>
+            <a:spLocks noGrp="1"/>
+          </p:cNvSpPr>
+          <p:nvPr>
+            <p:ph type="title"/>
+          </p:nvPr>
+        </p:nvSpPr>
+        <p:spPr/>
+        <p:txBody>
           <a:bodyPr>
             <a:normAutofit/>
           </a:bodyPr>
           <a:lstStyle/>
           <a:p>
+            <a:r>
+              <a:rPr lang="en-US" dirty="0"/>
+              <a:t>Future </a:t>
+            </a:r>
+            <a:r>
+              <a:rPr lang="en-US" dirty="0" smtClean="0"/>
+              <a:t>Plan</a:t>
+            </a:r>
+            <a:endParaRPr lang="en-US" dirty="0"/>
+          </a:p>
+        </p:txBody>
+      </p:sp>
+    </p:spTree>
+    <p:extLst>
+      <p:ext uri="{BB962C8B-B14F-4D97-AF65-F5344CB8AC3E}">
+        <p14:creationId xmlns:p14="http://schemas.microsoft.com/office/powerpoint/2010/main" val="2869661382"/>
+      </p:ext>
+    </p:extLst>
+  </p:cSld>
+  <p:clrMapOvr>
+    <a:masterClrMapping/>
+  </p:clrMapOvr>
+  <p:timing>
+    <p:tnLst>
+      <p:par>
+        <p:cTn id="1" dur="indefinite" restart="never" nodeType="tmRoot"/>
+      </p:par>
+    </p:tnLst>
+  </p:timing>
+</p:sld>
+</file>
+
+<file path=ppt/slides/slide22.xml><?xml version="1.0" encoding="utf-8"?>
+<p:sld xmlns:a="http://schemas.openxmlformats.org/drawingml/2006/main" xmlns:r="http://schemas.openxmlformats.org/officeDocument/2006/relationships" xmlns:p="http://schemas.openxmlformats.org/presentationml/2006/main">
+  <p:cSld>
+    <p:spTree>
+      <p:nvGrpSpPr>
+        <p:cNvPr id="1" name=""/>
+        <p:cNvGrpSpPr/>
+        <p:nvPr/>
+      </p:nvGrpSpPr>
+      <p:grpSpPr>
+        <a:xfrm>
+          <a:off x="0" y="0"/>
+          <a:ext cx="0" cy="0"/>
+          <a:chOff x="0" y="0"/>
+          <a:chExt cx="0" cy="0"/>
+        </a:xfrm>
+      </p:grpSpPr>
+      <p:sp>
+        <p:nvSpPr>
+          <p:cNvPr id="3" name="Content Placeholder 2"/>
+          <p:cNvSpPr>
+            <a:spLocks noGrp="1"/>
+          </p:cNvSpPr>
+          <p:nvPr>
+            <p:ph idx="1"/>
+          </p:nvPr>
+        </p:nvSpPr>
+        <p:spPr/>
+        <p:txBody>
+          <a:bodyPr/>
+          <a:lstStyle/>
+          <a:p>
+            <a:pPr marL="0" indent="0">
+              <a:buNone/>
+            </a:pPr>
+            <a:endParaRPr lang="en-US" dirty="0" smtClean="0"/>
+          </a:p>
+          <a:p>
+            <a:pPr marL="0" indent="0">
+              <a:buNone/>
+            </a:pPr>
+            <a:endParaRPr lang="en-US" dirty="0"/>
+          </a:p>
+          <a:p>
+            <a:pPr marL="0" indent="0">
+              <a:buNone/>
+            </a:pPr>
+            <a:endParaRPr lang="en-US" dirty="0" smtClean="0"/>
+          </a:p>
+          <a:p>
+            <a:pPr marL="0" indent="0" algn="ctr">
+              <a:buNone/>
+            </a:pPr>
+            <a:r>
+              <a:rPr lang="en-US" dirty="0" smtClean="0"/>
+              <a:t>Q &amp; A</a:t>
+            </a:r>
+            <a:endParaRPr lang="en-US" dirty="0"/>
+          </a:p>
+        </p:txBody>
+      </p:sp>
+      <p:sp>
+        <p:nvSpPr>
+          <p:cNvPr id="2" name="Title 1"/>
+          <p:cNvSpPr>
+            <a:spLocks noGrp="1"/>
+          </p:cNvSpPr>
+          <p:nvPr>
+            <p:ph type="title"/>
+          </p:nvPr>
+        </p:nvSpPr>
+        <p:spPr/>
+        <p:txBody>
+          <a:bodyPr>
+            <a:normAutofit/>
+          </a:bodyPr>
+          <a:lstStyle/>
+          <a:p>
+            <a:endParaRPr lang="en-US" dirty="0"/>
+          </a:p>
+        </p:txBody>
+      </p:sp>
+    </p:spTree>
+    <p:extLst>
+      <p:ext uri="{BB962C8B-B14F-4D97-AF65-F5344CB8AC3E}">
+        <p14:creationId xmlns:p14="http://schemas.microsoft.com/office/powerpoint/2010/main" val="1648739055"/>
+      </p:ext>
+    </p:extLst>
+  </p:cSld>
+  <p:clrMapOvr>
+    <a:masterClrMapping/>
+  </p:clrMapOvr>
+  <p:timing>
+    <p:tnLst>
+      <p:par>
+        <p:cTn id="1" dur="indefinite" restart="never" nodeType="tmRoot"/>
+      </p:par>
+    </p:tnLst>
+  </p:timing>
+</p:sld>
+</file>
+
+<file path=ppt/slides/slide23.xml><?xml version="1.0" encoding="utf-8"?>
+<p:sld xmlns:a="http://schemas.openxmlformats.org/drawingml/2006/main" xmlns:r="http://schemas.openxmlformats.org/officeDocument/2006/relationships" xmlns:p="http://schemas.openxmlformats.org/presentationml/2006/main">
+  <p:cSld>
+    <p:spTree>
+      <p:nvGrpSpPr>
+        <p:cNvPr id="1" name=""/>
+        <p:cNvGrpSpPr/>
+        <p:nvPr/>
+      </p:nvGrpSpPr>
+      <p:grpSpPr>
+        <a:xfrm>
+          <a:off x="0" y="0"/>
+          <a:ext cx="0" cy="0"/>
+          <a:chOff x="0" y="0"/>
+          <a:chExt cx="0" cy="0"/>
+        </a:xfrm>
+      </p:grpSpPr>
+      <p:sp>
+        <p:nvSpPr>
+          <p:cNvPr id="3" name="Content Placeholder 2"/>
+          <p:cNvSpPr>
+            <a:spLocks noGrp="1"/>
+          </p:cNvSpPr>
+          <p:nvPr>
+            <p:ph idx="1"/>
+          </p:nvPr>
+        </p:nvSpPr>
+        <p:spPr/>
+        <p:txBody>
+          <a:bodyPr>
+            <a:normAutofit/>
+          </a:bodyPr>
+          <a:lstStyle/>
+          <a:p>
             <a:pPr marL="0" indent="0">
               <a:buNone/>
             </a:pPr>
@@ -8677,13 +13849,7 @@
               <a:rPr lang="en-US" dirty="0" smtClean="0">
                 <a:hlinkClick r:id="rId2"/>
               </a:rPr>
-              <a:t>kinhtemoitruong.vn/news/Moi-truong-suc-khoe/Benh-vien-qua-tai-dan-kho-389</a:t>
-            </a:r>
-            <a:r>
-              <a:rPr lang="en-US" dirty="0" smtClean="0">
-                <a:hlinkClick r:id="rId2"/>
-              </a:rPr>
-              <a:t>/</a:t>
+              <a:t>kinhtemoitruong.vn/news/Moi-truong-suc-khoe/Benh-vien-qua-tai-dan-kho-389/</a:t>
             </a:r>
             <a:endParaRPr lang="en-US" dirty="0" smtClean="0"/>
           </a:p>
@@ -8698,10 +13864,11 @@
               <a:buNone/>
             </a:pPr>
             <a:r>
-              <a:rPr lang="en-US" dirty="0" smtClean="0">
+              <a:rPr lang="en-US" dirty="0">
                 <a:solidFill>
                   <a:srgbClr val="FFC000"/>
                 </a:solidFill>
+                <a:hlinkClick r:id="rId3"/>
               </a:rPr>
               <a:t>[2]</a:t>
             </a:r>
@@ -8844,7 +14011,6 @@
               <a:rPr lang="en-US" sz="3200" dirty="0" smtClean="0"/>
               <a:t>Main features</a:t>
             </a:r>
-            <a:endParaRPr lang="en-US" sz="3200" dirty="0" smtClean="0"/>
           </a:p>
           <a:p>
             <a:r>
@@ -9514,6 +14680,11 @@
               <a:rPr lang="en-US" sz="2700" dirty="0" smtClean="0"/>
               <a:t>Unsafeness</a:t>
             </a:r>
+            <a:r>
+              <a:rPr lang="en-US" sz="2700" baseline="30000" dirty="0"/>
+              <a:t>[2]</a:t>
+            </a:r>
+            <a:endParaRPr lang="en-US" sz="2700" dirty="0" smtClean="0"/>
           </a:p>
         </p:txBody>
       </p:sp>
@@ -9803,6 +14974,11 @@
               <a:rPr lang="en-US" sz="2700" dirty="0" smtClean="0"/>
               <a:t>Unsafeness</a:t>
             </a:r>
+            <a:r>
+              <a:rPr lang="en-US" sz="2700" baseline="30000" dirty="0"/>
+              <a:t>[2]</a:t>
+            </a:r>
+            <a:endParaRPr lang="en-US" sz="2700" dirty="0" smtClean="0"/>
           </a:p>
         </p:txBody>
       </p:sp>

--- a/Document/OMCS_Slide.pptx
+++ b/Document/OMCS_Slide.pptx
@@ -10083,7 +10083,15 @@
           <a:p>
             <a:r>
               <a:rPr lang="en-US" dirty="0" smtClean="0"/>
-              <a:t>Provide build medical profile online.</a:t>
+              <a:t>Provide </a:t>
+            </a:r>
+            <a:r>
+              <a:rPr lang="en-US" dirty="0" smtClean="0"/>
+              <a:t>way to build </a:t>
+            </a:r>
+            <a:r>
+              <a:rPr lang="en-US" dirty="0" smtClean="0"/>
+              <a:t>medical profile online.</a:t>
             </a:r>
           </a:p>
           <a:p>
@@ -13158,7 +13166,15 @@
           <a:p>
             <a:r>
               <a:rPr lang="en-US" dirty="0" smtClean="0"/>
-              <a:t>1. Create Medical Profile</a:t>
+              <a:t>1. Create Medical </a:t>
+            </a:r>
+            <a:r>
+              <a:rPr lang="en-US" dirty="0" smtClean="0"/>
+              <a:t>Profile</a:t>
+            </a:r>
+            <a:r>
+              <a:rPr lang="en-US" baseline="30000" dirty="0" smtClean="0"/>
+              <a:t>[3]</a:t>
             </a:r>
             <a:endParaRPr lang="en-US" dirty="0"/>
           </a:p>
@@ -13892,6 +13908,22 @@
                 <a:hlinkClick r:id="rId3"/>
               </a:rPr>
               <a:t>www.nhandan.com.vn/suckhoe/tieu-diem/item/22586202-bat-an-nhu-vao%E2%80%A6-benh-vien.html</a:t>
+            </a:r>
+            <a:endParaRPr lang="en-US" dirty="0" smtClean="0"/>
+          </a:p>
+          <a:p>
+            <a:pPr marL="0" indent="0">
+              <a:buNone/>
+            </a:pPr>
+            <a:endParaRPr lang="en-US" dirty="0"/>
+          </a:p>
+          <a:p>
+            <a:pPr marL="0" indent="0">
+              <a:buNone/>
+            </a:pPr>
+            <a:r>
+              <a:rPr lang="en-US" dirty="0" smtClean="0"/>
+              <a:t>[3]Reference Appendix: Medical Template Demo</a:t>
             </a:r>
             <a:endParaRPr lang="en-US" dirty="0" smtClean="0"/>
           </a:p>
